--- a/presentation.pptx
+++ b/presentation.pptx
@@ -2572,7 +2572,7 @@
 </file>
 
 <file path=ppt/diagrams/colors4.xml><?xml version="1.0" encoding="utf-8"?>
-<dgm:colorsDef xmlns:dgm="http://schemas.openxmlformats.org/drawingml/2006/diagram" xmlns:a="http://schemas.openxmlformats.org/drawingml/2006/main" uniqueId="urn:microsoft.com/office/officeart/2018/5/colors/Iconchunking_neutralicontext_colorful1">
+<dgm:colorsDef xmlns:dgm="http://schemas.openxmlformats.org/drawingml/2006/diagram" xmlns:a="http://schemas.openxmlformats.org/drawingml/2006/main" uniqueId="urn:microsoft.com/office/officeart/2018/5/colors/Iconchunking_neutralbg_colorful1">
   <dgm:title val=""/>
   <dgm:desc val=""/>
   <dgm:catLst>
@@ -2592,22 +2592,6 @@
   </dgm:styleLbl>
   <dgm:styleLbl name="node1">
     <dgm:fillClrLst meth="repeat">
-      <a:schemeClr val="bg1"/>
-    </dgm:fillClrLst>
-    <dgm:linClrLst meth="repeat">
-      <a:schemeClr val="lt1">
-        <a:alpha val="0"/>
-      </a:schemeClr>
-    </dgm:linClrLst>
-    <dgm:effectClrLst/>
-    <dgm:txLinClrLst/>
-    <dgm:txFillClrLst meth="repeat">
-      <a:schemeClr val="dk1"/>
-    </dgm:txFillClrLst>
-    <dgm:txEffectClrLst/>
-  </dgm:styleLbl>
-  <dgm:styleLbl name="alignNode1">
-    <dgm:fillClrLst meth="repeat">
       <a:schemeClr val="accent2"/>
       <a:schemeClr val="accent3"/>
       <a:schemeClr val="accent4"/>
@@ -2615,162 +2599,36 @@
       <a:schemeClr val="accent6"/>
     </dgm:fillClrLst>
     <dgm:linClrLst meth="repeat">
+      <a:schemeClr val="lt1">
+        <a:alpha val="0"/>
+      </a:schemeClr>
+    </dgm:linClrLst>
+    <dgm:effectClrLst/>
+    <dgm:txLinClrLst/>
+    <dgm:txFillClrLst/>
+    <dgm:txEffectClrLst/>
+  </dgm:styleLbl>
+  <dgm:styleLbl name="alignNode1">
+    <dgm:fillClrLst meth="repeat">
       <a:schemeClr val="accent2"/>
       <a:schemeClr val="accent3"/>
       <a:schemeClr val="accent4"/>
       <a:schemeClr val="accent5"/>
       <a:schemeClr val="accent6"/>
-    </dgm:linClrLst>
-    <dgm:effectClrLst/>
-    <dgm:txLinClrLst/>
-    <dgm:txFillClrLst/>
-    <dgm:txEffectClrLst/>
-  </dgm:styleLbl>
-  <dgm:styleLbl name="lnNode1">
-    <dgm:fillClrLst meth="repeat">
+    </dgm:fillClrLst>
+    <dgm:linClrLst meth="repeat">
       <a:schemeClr val="accent2"/>
       <a:schemeClr val="accent3"/>
       <a:schemeClr val="accent4"/>
       <a:schemeClr val="accent5"/>
       <a:schemeClr val="accent6"/>
-    </dgm:fillClrLst>
-    <dgm:linClrLst meth="repeat">
-      <a:schemeClr val="lt1"/>
     </dgm:linClrLst>
     <dgm:effectClrLst/>
     <dgm:txLinClrLst/>
     <dgm:txFillClrLst/>
     <dgm:txEffectClrLst/>
   </dgm:styleLbl>
-  <dgm:styleLbl name="vennNode1">
-    <dgm:fillClrLst meth="repeat">
-      <a:schemeClr val="accent2">
-        <a:alpha val="50000"/>
-      </a:schemeClr>
-      <a:schemeClr val="accent3">
-        <a:alpha val="50000"/>
-      </a:schemeClr>
-      <a:schemeClr val="accent4">
-        <a:alpha val="50000"/>
-      </a:schemeClr>
-      <a:schemeClr val="accent5">
-        <a:alpha val="50000"/>
-      </a:schemeClr>
-      <a:schemeClr val="accent6">
-        <a:alpha val="50000"/>
-      </a:schemeClr>
-    </dgm:fillClrLst>
-    <dgm:linClrLst meth="repeat">
-      <a:schemeClr val="lt1"/>
-    </dgm:linClrLst>
-    <dgm:effectClrLst/>
-    <dgm:txLinClrLst/>
-    <dgm:txFillClrLst/>
-    <dgm:txEffectClrLst/>
-  </dgm:styleLbl>
-  <dgm:styleLbl name="node2">
-    <dgm:fillClrLst>
-      <a:schemeClr val="accent2"/>
-    </dgm:fillClrLst>
-    <dgm:linClrLst meth="repeat">
-      <a:schemeClr val="lt1"/>
-    </dgm:linClrLst>
-    <dgm:effectClrLst/>
-    <dgm:txLinClrLst/>
-    <dgm:txFillClrLst/>
-    <dgm:txEffectClrLst/>
-  </dgm:styleLbl>
-  <dgm:styleLbl name="node3">
-    <dgm:fillClrLst>
-      <a:schemeClr val="accent3"/>
-    </dgm:fillClrLst>
-    <dgm:linClrLst meth="repeat">
-      <a:schemeClr val="lt1"/>
-    </dgm:linClrLst>
-    <dgm:effectClrLst/>
-    <dgm:txLinClrLst/>
-    <dgm:txFillClrLst/>
-    <dgm:txEffectClrLst/>
-  </dgm:styleLbl>
-  <dgm:styleLbl name="node4">
-    <dgm:fillClrLst>
-      <a:schemeClr val="accent4"/>
-    </dgm:fillClrLst>
-    <dgm:linClrLst meth="repeat">
-      <a:schemeClr val="lt1"/>
-    </dgm:linClrLst>
-    <dgm:effectClrLst/>
-    <dgm:txLinClrLst/>
-    <dgm:txFillClrLst/>
-    <dgm:txEffectClrLst/>
-  </dgm:styleLbl>
-  <dgm:styleLbl name="fgImgPlace1">
-    <dgm:fillClrLst meth="repeat">
-      <a:schemeClr val="accent2">
-        <a:tint val="50000"/>
-      </a:schemeClr>
-      <a:schemeClr val="accent3">
-        <a:tint val="50000"/>
-      </a:schemeClr>
-      <a:schemeClr val="accent4">
-        <a:tint val="50000"/>
-      </a:schemeClr>
-      <a:schemeClr val="accent5">
-        <a:tint val="50000"/>
-      </a:schemeClr>
-      <a:schemeClr val="accent6">
-        <a:tint val="50000"/>
-      </a:schemeClr>
-    </dgm:fillClrLst>
-    <dgm:linClrLst meth="repeat">
-      <a:schemeClr val="lt1"/>
-    </dgm:linClrLst>
-    <dgm:effectClrLst/>
-    <dgm:txLinClrLst/>
-    <dgm:txFillClrLst meth="repeat">
-      <a:schemeClr val="lt1"/>
-    </dgm:txFillClrLst>
-    <dgm:txEffectClrLst/>
-  </dgm:styleLbl>
-  <dgm:styleLbl name="alignImgPlace1">
-    <dgm:fillClrLst>
-      <a:schemeClr val="accent1">
-        <a:tint val="50000"/>
-      </a:schemeClr>
-      <a:schemeClr val="accent2">
-        <a:tint val="20000"/>
-      </a:schemeClr>
-    </dgm:fillClrLst>
-    <dgm:linClrLst meth="repeat">
-      <a:schemeClr val="lt1"/>
-    </dgm:linClrLst>
-    <dgm:effectClrLst/>
-    <dgm:txLinClrLst/>
-    <dgm:txFillClrLst meth="repeat">
-      <a:schemeClr val="lt1"/>
-    </dgm:txFillClrLst>
-    <dgm:txEffectClrLst/>
-  </dgm:styleLbl>
-  <dgm:styleLbl name="bgImgPlace1">
-    <dgm:fillClrLst>
-      <a:schemeClr val="accent1">
-        <a:tint val="50000"/>
-      </a:schemeClr>
-      <a:schemeClr val="accent2">
-        <a:tint val="20000"/>
-      </a:schemeClr>
-    </dgm:fillClrLst>
-    <dgm:linClrLst meth="repeat">
-      <a:schemeClr val="lt1"/>
-    </dgm:linClrLst>
-    <dgm:effectClrLst/>
-    <dgm:txLinClrLst/>
-    <dgm:txFillClrLst meth="repeat">
-      <a:schemeClr val="lt1"/>
-    </dgm:txFillClrLst>
-    <dgm:txEffectClrLst/>
-  </dgm:styleLbl>
-  <dgm:styleLbl name="sibTrans2D1">
+  <dgm:styleLbl name="lnNode1">
     <dgm:fillClrLst meth="repeat">
       <a:schemeClr val="accent2"/>
       <a:schemeClr val="accent3"/>
@@ -2778,7 +2636,7 @@
       <a:schemeClr val="accent5"/>
       <a:schemeClr val="accent6"/>
     </dgm:fillClrLst>
-    <dgm:linClrLst meth="cycle">
+    <dgm:linClrLst meth="repeat">
       <a:schemeClr val="lt1"/>
     </dgm:linClrLst>
     <dgm:effectClrLst/>
@@ -2786,7 +2644,135 @@
     <dgm:txFillClrLst/>
     <dgm:txEffectClrLst/>
   </dgm:styleLbl>
-  <dgm:styleLbl name="fgSibTrans2D1">
+  <dgm:styleLbl name="vennNode1">
+    <dgm:fillClrLst meth="repeat">
+      <a:schemeClr val="accent2">
+        <a:alpha val="50000"/>
+      </a:schemeClr>
+      <a:schemeClr val="accent3">
+        <a:alpha val="50000"/>
+      </a:schemeClr>
+      <a:schemeClr val="accent4">
+        <a:alpha val="50000"/>
+      </a:schemeClr>
+      <a:schemeClr val="accent5">
+        <a:alpha val="50000"/>
+      </a:schemeClr>
+      <a:schemeClr val="accent6">
+        <a:alpha val="50000"/>
+      </a:schemeClr>
+    </dgm:fillClrLst>
+    <dgm:linClrLst meth="repeat">
+      <a:schemeClr val="lt1"/>
+    </dgm:linClrLst>
+    <dgm:effectClrLst/>
+    <dgm:txLinClrLst/>
+    <dgm:txFillClrLst/>
+    <dgm:txEffectClrLst/>
+  </dgm:styleLbl>
+  <dgm:styleLbl name="node2">
+    <dgm:fillClrLst>
+      <a:schemeClr val="accent2"/>
+    </dgm:fillClrLst>
+    <dgm:linClrLst meth="repeat">
+      <a:schemeClr val="lt1"/>
+    </dgm:linClrLst>
+    <dgm:effectClrLst/>
+    <dgm:txLinClrLst/>
+    <dgm:txFillClrLst/>
+    <dgm:txEffectClrLst/>
+  </dgm:styleLbl>
+  <dgm:styleLbl name="node3">
+    <dgm:fillClrLst>
+      <a:schemeClr val="accent3"/>
+    </dgm:fillClrLst>
+    <dgm:linClrLst meth="repeat">
+      <a:schemeClr val="lt1"/>
+    </dgm:linClrLst>
+    <dgm:effectClrLst/>
+    <dgm:txLinClrLst/>
+    <dgm:txFillClrLst/>
+    <dgm:txEffectClrLst/>
+  </dgm:styleLbl>
+  <dgm:styleLbl name="node4">
+    <dgm:fillClrLst>
+      <a:schemeClr val="accent4"/>
+    </dgm:fillClrLst>
+    <dgm:linClrLst meth="repeat">
+      <a:schemeClr val="lt1"/>
+    </dgm:linClrLst>
+    <dgm:effectClrLst/>
+    <dgm:txLinClrLst/>
+    <dgm:txFillClrLst/>
+    <dgm:txEffectClrLst/>
+  </dgm:styleLbl>
+  <dgm:styleLbl name="fgImgPlace1">
+    <dgm:fillClrLst meth="repeat">
+      <a:schemeClr val="accent2">
+        <a:tint val="50000"/>
+      </a:schemeClr>
+      <a:schemeClr val="accent3">
+        <a:tint val="50000"/>
+      </a:schemeClr>
+      <a:schemeClr val="accent4">
+        <a:tint val="50000"/>
+      </a:schemeClr>
+      <a:schemeClr val="accent5">
+        <a:tint val="50000"/>
+      </a:schemeClr>
+      <a:schemeClr val="accent6">
+        <a:tint val="50000"/>
+      </a:schemeClr>
+    </dgm:fillClrLst>
+    <dgm:linClrLst meth="repeat">
+      <a:schemeClr val="lt1"/>
+    </dgm:linClrLst>
+    <dgm:effectClrLst/>
+    <dgm:txLinClrLst/>
+    <dgm:txFillClrLst meth="repeat">
+      <a:schemeClr val="lt1"/>
+    </dgm:txFillClrLst>
+    <dgm:txEffectClrLst/>
+  </dgm:styleLbl>
+  <dgm:styleLbl name="alignImgPlace1">
+    <dgm:fillClrLst>
+      <a:schemeClr val="accent1">
+        <a:tint val="50000"/>
+      </a:schemeClr>
+      <a:schemeClr val="accent2">
+        <a:tint val="20000"/>
+      </a:schemeClr>
+    </dgm:fillClrLst>
+    <dgm:linClrLst meth="repeat">
+      <a:schemeClr val="lt1"/>
+    </dgm:linClrLst>
+    <dgm:effectClrLst/>
+    <dgm:txLinClrLst/>
+    <dgm:txFillClrLst meth="repeat">
+      <a:schemeClr val="lt1"/>
+    </dgm:txFillClrLst>
+    <dgm:txEffectClrLst/>
+  </dgm:styleLbl>
+  <dgm:styleLbl name="bgImgPlace1">
+    <dgm:fillClrLst>
+      <a:schemeClr val="accent1">
+        <a:tint val="50000"/>
+      </a:schemeClr>
+      <a:schemeClr val="accent2">
+        <a:tint val="20000"/>
+      </a:schemeClr>
+    </dgm:fillClrLst>
+    <dgm:linClrLst meth="repeat">
+      <a:schemeClr val="lt1"/>
+    </dgm:linClrLst>
+    <dgm:effectClrLst/>
+    <dgm:txLinClrLst/>
+    <dgm:txFillClrLst meth="repeat">
+      <a:schemeClr val="lt1"/>
+    </dgm:txFillClrLst>
+    <dgm:txEffectClrLst/>
+  </dgm:styleLbl>
+  <dgm:styleLbl name="sibTrans2D1">
     <dgm:fillClrLst meth="repeat">
       <a:schemeClr val="accent2"/>
       <a:schemeClr val="accent3"/>
@@ -2799,12 +2785,10 @@
     </dgm:linClrLst>
     <dgm:effectClrLst/>
     <dgm:txLinClrLst/>
-    <dgm:txFillClrLst meth="repeat">
-      <a:schemeClr val="lt1"/>
-    </dgm:txFillClrLst>
-    <dgm:txEffectClrLst/>
-  </dgm:styleLbl>
-  <dgm:styleLbl name="bgSibTrans2D1">
+    <dgm:txFillClrLst/>
+    <dgm:txEffectClrLst/>
+  </dgm:styleLbl>
+  <dgm:styleLbl name="fgSibTrans2D1">
     <dgm:fillClrLst meth="repeat">
       <a:schemeClr val="accent2"/>
       <a:schemeClr val="accent3"/>
@@ -2822,7 +2806,7 @@
     </dgm:txFillClrLst>
     <dgm:txEffectClrLst/>
   </dgm:styleLbl>
-  <dgm:styleLbl name="sibTrans1D1">
+  <dgm:styleLbl name="bgSibTrans2D1">
     <dgm:fillClrLst meth="repeat">
       <a:schemeClr val="accent2"/>
       <a:schemeClr val="accent3"/>
@@ -2830,215 +2814,23 @@
       <a:schemeClr val="accent5"/>
       <a:schemeClr val="accent6"/>
     </dgm:fillClrLst>
-    <dgm:linClrLst meth="repeat">
+    <dgm:linClrLst meth="cycle">
+      <a:schemeClr val="lt1"/>
+    </dgm:linClrLst>
+    <dgm:effectClrLst/>
+    <dgm:txLinClrLst/>
+    <dgm:txFillClrLst meth="repeat">
+      <a:schemeClr val="lt1"/>
+    </dgm:txFillClrLst>
+    <dgm:txEffectClrLst/>
+  </dgm:styleLbl>
+  <dgm:styleLbl name="sibTrans1D1">
+    <dgm:fillClrLst meth="repeat">
       <a:schemeClr val="accent2"/>
       <a:schemeClr val="accent3"/>
       <a:schemeClr val="accent4"/>
       <a:schemeClr val="accent5"/>
       <a:schemeClr val="accent6"/>
-    </dgm:linClrLst>
-    <dgm:effectClrLst/>
-    <dgm:txLinClrLst/>
-    <dgm:txFillClrLst meth="repeat">
-      <a:schemeClr val="tx1"/>
-    </dgm:txFillClrLst>
-    <dgm:txEffectClrLst/>
-  </dgm:styleLbl>
-  <dgm:styleLbl name="callout">
-    <dgm:fillClrLst meth="repeat">
-      <a:schemeClr val="accent2"/>
-    </dgm:fillClrLst>
-    <dgm:linClrLst meth="repeat">
-      <a:schemeClr val="accent2">
-        <a:tint val="50000"/>
-      </a:schemeClr>
-    </dgm:linClrLst>
-    <dgm:effectClrLst/>
-    <dgm:txLinClrLst/>
-    <dgm:txFillClrLst meth="repeat">
-      <a:schemeClr val="tx1"/>
-    </dgm:txFillClrLst>
-    <dgm:txEffectClrLst/>
-  </dgm:styleLbl>
-  <dgm:styleLbl name="asst0">
-    <dgm:fillClrLst meth="repeat">
-      <a:schemeClr val="accent1"/>
-    </dgm:fillClrLst>
-    <dgm:linClrLst meth="repeat">
-      <a:schemeClr val="lt1"/>
-    </dgm:linClrLst>
-    <dgm:effectClrLst/>
-    <dgm:txLinClrLst/>
-    <dgm:txFillClrLst/>
-    <dgm:txEffectClrLst/>
-  </dgm:styleLbl>
-  <dgm:styleLbl name="asst1">
-    <dgm:fillClrLst meth="repeat">
-      <a:schemeClr val="accent2"/>
-    </dgm:fillClrLst>
-    <dgm:linClrLst meth="repeat">
-      <a:schemeClr val="lt1"/>
-    </dgm:linClrLst>
-    <dgm:effectClrLst/>
-    <dgm:txLinClrLst/>
-    <dgm:txFillClrLst/>
-    <dgm:txEffectClrLst/>
-  </dgm:styleLbl>
-  <dgm:styleLbl name="asst2">
-    <dgm:fillClrLst>
-      <a:schemeClr val="accent3"/>
-    </dgm:fillClrLst>
-    <dgm:linClrLst meth="repeat">
-      <a:schemeClr val="lt1"/>
-    </dgm:linClrLst>
-    <dgm:effectClrLst/>
-    <dgm:txLinClrLst/>
-    <dgm:txFillClrLst/>
-    <dgm:txEffectClrLst/>
-  </dgm:styleLbl>
-  <dgm:styleLbl name="asst3">
-    <dgm:fillClrLst>
-      <a:schemeClr val="accent4"/>
-    </dgm:fillClrLst>
-    <dgm:linClrLst meth="repeat">
-      <a:schemeClr val="lt1"/>
-    </dgm:linClrLst>
-    <dgm:effectClrLst/>
-    <dgm:txLinClrLst/>
-    <dgm:txFillClrLst/>
-    <dgm:txEffectClrLst/>
-  </dgm:styleLbl>
-  <dgm:styleLbl name="asst4">
-    <dgm:fillClrLst>
-      <a:schemeClr val="accent5"/>
-    </dgm:fillClrLst>
-    <dgm:linClrLst meth="repeat">
-      <a:schemeClr val="lt1"/>
-    </dgm:linClrLst>
-    <dgm:effectClrLst/>
-    <dgm:txLinClrLst/>
-    <dgm:txFillClrLst/>
-    <dgm:txEffectClrLst/>
-  </dgm:styleLbl>
-  <dgm:styleLbl name="parChTrans2D1">
-    <dgm:fillClrLst meth="repeat">
-      <a:schemeClr val="accent2"/>
-    </dgm:fillClrLst>
-    <dgm:linClrLst meth="repeat">
-      <a:schemeClr val="lt1"/>
-    </dgm:linClrLst>
-    <dgm:effectClrLst/>
-    <dgm:txLinClrLst/>
-    <dgm:txFillClrLst meth="repeat">
-      <a:schemeClr val="lt1"/>
-    </dgm:txFillClrLst>
-    <dgm:txEffectClrLst/>
-  </dgm:styleLbl>
-  <dgm:styleLbl name="parChTrans2D2">
-    <dgm:fillClrLst meth="repeat">
-      <a:schemeClr val="accent3"/>
-    </dgm:fillClrLst>
-    <dgm:linClrLst meth="repeat">
-      <a:schemeClr val="lt1"/>
-    </dgm:linClrLst>
-    <dgm:effectClrLst/>
-    <dgm:txLinClrLst/>
-    <dgm:txFillClrLst/>
-    <dgm:txEffectClrLst/>
-  </dgm:styleLbl>
-  <dgm:styleLbl name="parChTrans2D3">
-    <dgm:fillClrLst meth="repeat">
-      <a:schemeClr val="accent4"/>
-    </dgm:fillClrLst>
-    <dgm:linClrLst meth="repeat">
-      <a:schemeClr val="lt1"/>
-    </dgm:linClrLst>
-    <dgm:effectClrLst/>
-    <dgm:txLinClrLst/>
-    <dgm:txFillClrLst/>
-    <dgm:txEffectClrLst/>
-  </dgm:styleLbl>
-  <dgm:styleLbl name="parChTrans2D4">
-    <dgm:fillClrLst meth="repeat">
-      <a:schemeClr val="accent5"/>
-    </dgm:fillClrLst>
-    <dgm:linClrLst meth="repeat">
-      <a:schemeClr val="lt1"/>
-    </dgm:linClrLst>
-    <dgm:effectClrLst/>
-    <dgm:txLinClrLst/>
-    <dgm:txFillClrLst meth="repeat">
-      <a:schemeClr val="lt1"/>
-    </dgm:txFillClrLst>
-    <dgm:txEffectClrLst/>
-  </dgm:styleLbl>
-  <dgm:styleLbl name="parChTrans1D1">
-    <dgm:fillClrLst meth="repeat">
-      <a:schemeClr val="accent2"/>
-    </dgm:fillClrLst>
-    <dgm:linClrLst meth="repeat">
-      <a:schemeClr val="accent1"/>
-    </dgm:linClrLst>
-    <dgm:effectClrLst/>
-    <dgm:txLinClrLst/>
-    <dgm:txFillClrLst meth="repeat">
-      <a:schemeClr val="tx1"/>
-    </dgm:txFillClrLst>
-    <dgm:txEffectClrLst/>
-  </dgm:styleLbl>
-  <dgm:styleLbl name="parChTrans1D2">
-    <dgm:fillClrLst meth="repeat">
-      <a:schemeClr val="accent3">
-        <a:tint val="90000"/>
-      </a:schemeClr>
-    </dgm:fillClrLst>
-    <dgm:linClrLst meth="repeat">
-      <a:schemeClr val="accent2"/>
-    </dgm:linClrLst>
-    <dgm:effectClrLst/>
-    <dgm:txLinClrLst/>
-    <dgm:txFillClrLst meth="repeat">
-      <a:schemeClr val="tx1"/>
-    </dgm:txFillClrLst>
-    <dgm:txEffectClrLst/>
-  </dgm:styleLbl>
-  <dgm:styleLbl name="parChTrans1D3">
-    <dgm:fillClrLst meth="repeat">
-      <a:schemeClr val="accent4">
-        <a:tint val="70000"/>
-      </a:schemeClr>
-    </dgm:fillClrLst>
-    <dgm:linClrLst meth="repeat">
-      <a:schemeClr val="accent3"/>
-    </dgm:linClrLst>
-    <dgm:effectClrLst/>
-    <dgm:txLinClrLst/>
-    <dgm:txFillClrLst meth="repeat">
-      <a:schemeClr val="tx1"/>
-    </dgm:txFillClrLst>
-    <dgm:txEffectClrLst/>
-  </dgm:styleLbl>
-  <dgm:styleLbl name="parChTrans1D4">
-    <dgm:fillClrLst meth="repeat">
-      <a:schemeClr val="accent5">
-        <a:tint val="50000"/>
-      </a:schemeClr>
-    </dgm:fillClrLst>
-    <dgm:linClrLst meth="repeat">
-      <a:schemeClr val="accent4"/>
-    </dgm:linClrLst>
-    <dgm:effectClrLst/>
-    <dgm:txLinClrLst/>
-    <dgm:txFillClrLst meth="repeat">
-      <a:schemeClr val="tx1"/>
-    </dgm:txFillClrLst>
-    <dgm:txEffectClrLst/>
-  </dgm:styleLbl>
-  <dgm:styleLbl name="fgAcc1">
-    <dgm:fillClrLst meth="repeat">
-      <a:schemeClr val="lt1">
-        <a:alpha val="90000"/>
-      </a:schemeClr>
     </dgm:fillClrLst>
     <dgm:linClrLst meth="repeat">
       <a:schemeClr val="accent2"/>
@@ -3050,11 +2842,201 @@
     <dgm:effectClrLst/>
     <dgm:txLinClrLst/>
     <dgm:txFillClrLst meth="repeat">
-      <a:schemeClr val="dk1"/>
+      <a:schemeClr val="tx1"/>
     </dgm:txFillClrLst>
     <dgm:txEffectClrLst/>
   </dgm:styleLbl>
-  <dgm:styleLbl name="conFgAcc1">
+  <dgm:styleLbl name="callout">
+    <dgm:fillClrLst meth="repeat">
+      <a:schemeClr val="accent2"/>
+    </dgm:fillClrLst>
+    <dgm:linClrLst meth="repeat">
+      <a:schemeClr val="accent2">
+        <a:tint val="50000"/>
+      </a:schemeClr>
+    </dgm:linClrLst>
+    <dgm:effectClrLst/>
+    <dgm:txLinClrLst/>
+    <dgm:txFillClrLst meth="repeat">
+      <a:schemeClr val="tx1"/>
+    </dgm:txFillClrLst>
+    <dgm:txEffectClrLst/>
+  </dgm:styleLbl>
+  <dgm:styleLbl name="asst0">
+    <dgm:fillClrLst meth="repeat">
+      <a:schemeClr val="accent1"/>
+    </dgm:fillClrLst>
+    <dgm:linClrLst meth="repeat">
+      <a:schemeClr val="lt1"/>
+    </dgm:linClrLst>
+    <dgm:effectClrLst/>
+    <dgm:txLinClrLst/>
+    <dgm:txFillClrLst/>
+    <dgm:txEffectClrLst/>
+  </dgm:styleLbl>
+  <dgm:styleLbl name="asst1">
+    <dgm:fillClrLst meth="repeat">
+      <a:schemeClr val="accent2"/>
+    </dgm:fillClrLst>
+    <dgm:linClrLst meth="repeat">
+      <a:schemeClr val="lt1"/>
+    </dgm:linClrLst>
+    <dgm:effectClrLst/>
+    <dgm:txLinClrLst/>
+    <dgm:txFillClrLst/>
+    <dgm:txEffectClrLst/>
+  </dgm:styleLbl>
+  <dgm:styleLbl name="asst2">
+    <dgm:fillClrLst>
+      <a:schemeClr val="accent3"/>
+    </dgm:fillClrLst>
+    <dgm:linClrLst meth="repeat">
+      <a:schemeClr val="lt1"/>
+    </dgm:linClrLst>
+    <dgm:effectClrLst/>
+    <dgm:txLinClrLst/>
+    <dgm:txFillClrLst/>
+    <dgm:txEffectClrLst/>
+  </dgm:styleLbl>
+  <dgm:styleLbl name="asst3">
+    <dgm:fillClrLst>
+      <a:schemeClr val="accent4"/>
+    </dgm:fillClrLst>
+    <dgm:linClrLst meth="repeat">
+      <a:schemeClr val="lt1"/>
+    </dgm:linClrLst>
+    <dgm:effectClrLst/>
+    <dgm:txLinClrLst/>
+    <dgm:txFillClrLst/>
+    <dgm:txEffectClrLst/>
+  </dgm:styleLbl>
+  <dgm:styleLbl name="asst4">
+    <dgm:fillClrLst>
+      <a:schemeClr val="accent5"/>
+    </dgm:fillClrLst>
+    <dgm:linClrLst meth="repeat">
+      <a:schemeClr val="lt1"/>
+    </dgm:linClrLst>
+    <dgm:effectClrLst/>
+    <dgm:txLinClrLst/>
+    <dgm:txFillClrLst/>
+    <dgm:txEffectClrLst/>
+  </dgm:styleLbl>
+  <dgm:styleLbl name="parChTrans2D1">
+    <dgm:fillClrLst meth="repeat">
+      <a:schemeClr val="accent2"/>
+    </dgm:fillClrLst>
+    <dgm:linClrLst meth="repeat">
+      <a:schemeClr val="lt1"/>
+    </dgm:linClrLst>
+    <dgm:effectClrLst/>
+    <dgm:txLinClrLst/>
+    <dgm:txFillClrLst meth="repeat">
+      <a:schemeClr val="lt1"/>
+    </dgm:txFillClrLst>
+    <dgm:txEffectClrLst/>
+  </dgm:styleLbl>
+  <dgm:styleLbl name="parChTrans2D2">
+    <dgm:fillClrLst meth="repeat">
+      <a:schemeClr val="accent3"/>
+    </dgm:fillClrLst>
+    <dgm:linClrLst meth="repeat">
+      <a:schemeClr val="lt1"/>
+    </dgm:linClrLst>
+    <dgm:effectClrLst/>
+    <dgm:txLinClrLst/>
+    <dgm:txFillClrLst/>
+    <dgm:txEffectClrLst/>
+  </dgm:styleLbl>
+  <dgm:styleLbl name="parChTrans2D3">
+    <dgm:fillClrLst meth="repeat">
+      <a:schemeClr val="accent4"/>
+    </dgm:fillClrLst>
+    <dgm:linClrLst meth="repeat">
+      <a:schemeClr val="lt1"/>
+    </dgm:linClrLst>
+    <dgm:effectClrLst/>
+    <dgm:txLinClrLst/>
+    <dgm:txFillClrLst/>
+    <dgm:txEffectClrLst/>
+  </dgm:styleLbl>
+  <dgm:styleLbl name="parChTrans2D4">
+    <dgm:fillClrLst meth="repeat">
+      <a:schemeClr val="accent5"/>
+    </dgm:fillClrLst>
+    <dgm:linClrLst meth="repeat">
+      <a:schemeClr val="lt1"/>
+    </dgm:linClrLst>
+    <dgm:effectClrLst/>
+    <dgm:txLinClrLst/>
+    <dgm:txFillClrLst meth="repeat">
+      <a:schemeClr val="lt1"/>
+    </dgm:txFillClrLst>
+    <dgm:txEffectClrLst/>
+  </dgm:styleLbl>
+  <dgm:styleLbl name="parChTrans1D1">
+    <dgm:fillClrLst meth="repeat">
+      <a:schemeClr val="accent2"/>
+    </dgm:fillClrLst>
+    <dgm:linClrLst meth="repeat">
+      <a:schemeClr val="accent1"/>
+    </dgm:linClrLst>
+    <dgm:effectClrLst/>
+    <dgm:txLinClrLst/>
+    <dgm:txFillClrLst meth="repeat">
+      <a:schemeClr val="tx1"/>
+    </dgm:txFillClrLst>
+    <dgm:txEffectClrLst/>
+  </dgm:styleLbl>
+  <dgm:styleLbl name="parChTrans1D2">
+    <dgm:fillClrLst meth="repeat">
+      <a:schemeClr val="accent3">
+        <a:tint val="90000"/>
+      </a:schemeClr>
+    </dgm:fillClrLst>
+    <dgm:linClrLst meth="repeat">
+      <a:schemeClr val="accent2"/>
+    </dgm:linClrLst>
+    <dgm:effectClrLst/>
+    <dgm:txLinClrLst/>
+    <dgm:txFillClrLst meth="repeat">
+      <a:schemeClr val="tx1"/>
+    </dgm:txFillClrLst>
+    <dgm:txEffectClrLst/>
+  </dgm:styleLbl>
+  <dgm:styleLbl name="parChTrans1D3">
+    <dgm:fillClrLst meth="repeat">
+      <a:schemeClr val="accent4">
+        <a:tint val="70000"/>
+      </a:schemeClr>
+    </dgm:fillClrLst>
+    <dgm:linClrLst meth="repeat">
+      <a:schemeClr val="accent3"/>
+    </dgm:linClrLst>
+    <dgm:effectClrLst/>
+    <dgm:txLinClrLst/>
+    <dgm:txFillClrLst meth="repeat">
+      <a:schemeClr val="tx1"/>
+    </dgm:txFillClrLst>
+    <dgm:txEffectClrLst/>
+  </dgm:styleLbl>
+  <dgm:styleLbl name="parChTrans1D4">
+    <dgm:fillClrLst meth="repeat">
+      <a:schemeClr val="accent5">
+        <a:tint val="50000"/>
+      </a:schemeClr>
+    </dgm:fillClrLst>
+    <dgm:linClrLst meth="repeat">
+      <a:schemeClr val="accent4"/>
+    </dgm:linClrLst>
+    <dgm:effectClrLst/>
+    <dgm:txLinClrLst/>
+    <dgm:txFillClrLst meth="repeat">
+      <a:schemeClr val="tx1"/>
+    </dgm:txFillClrLst>
+    <dgm:txEffectClrLst/>
+  </dgm:styleLbl>
+  <dgm:styleLbl name="fgAcc1">
     <dgm:fillClrLst meth="repeat">
       <a:schemeClr val="lt1">
         <a:alpha val="90000"/>
@@ -3074,7 +3056,7 @@
     </dgm:txFillClrLst>
     <dgm:txEffectClrLst/>
   </dgm:styleLbl>
-  <dgm:styleLbl name="alignAcc1">
+  <dgm:styleLbl name="conFgAcc1">
     <dgm:fillClrLst meth="repeat">
       <a:schemeClr val="lt1">
         <a:alpha val="90000"/>
@@ -3094,23 +3076,7 @@
     </dgm:txFillClrLst>
     <dgm:txEffectClrLst/>
   </dgm:styleLbl>
-  <dgm:styleLbl name="trAlignAcc1">
-    <dgm:fillClrLst meth="repeat">
-      <a:schemeClr val="lt1">
-        <a:alpha val="40000"/>
-      </a:schemeClr>
-    </dgm:fillClrLst>
-    <dgm:linClrLst meth="repeat">
-      <a:schemeClr val="accent1"/>
-    </dgm:linClrLst>
-    <dgm:effectClrLst/>
-    <dgm:txLinClrLst/>
-    <dgm:txFillClrLst meth="repeat">
-      <a:schemeClr val="dk1"/>
-    </dgm:txFillClrLst>
-    <dgm:txEffectClrLst/>
-  </dgm:styleLbl>
-  <dgm:styleLbl name="bgAcc1">
+  <dgm:styleLbl name="alignAcc1">
     <dgm:fillClrLst meth="repeat">
       <a:schemeClr val="lt1">
         <a:alpha val="90000"/>
@@ -3130,9 +3096,27 @@
     </dgm:txFillClrLst>
     <dgm:txEffectClrLst/>
   </dgm:styleLbl>
-  <dgm:styleLbl name="solidFgAcc1">
-    <dgm:fillClrLst meth="repeat">
-      <a:schemeClr val="lt1"/>
+  <dgm:styleLbl name="trAlignAcc1">
+    <dgm:fillClrLst meth="repeat">
+      <a:schemeClr val="lt1">
+        <a:alpha val="40000"/>
+      </a:schemeClr>
+    </dgm:fillClrLst>
+    <dgm:linClrLst meth="repeat">
+      <a:schemeClr val="accent1"/>
+    </dgm:linClrLst>
+    <dgm:effectClrLst/>
+    <dgm:txLinClrLst/>
+    <dgm:txFillClrLst meth="repeat">
+      <a:schemeClr val="dk1"/>
+    </dgm:txFillClrLst>
+    <dgm:txEffectClrLst/>
+  </dgm:styleLbl>
+  <dgm:styleLbl name="bgAcc1">
+    <dgm:fillClrLst meth="repeat">
+      <a:schemeClr val="lt1">
+        <a:alpha val="90000"/>
+      </a:schemeClr>
     </dgm:fillClrLst>
     <dgm:linClrLst meth="repeat">
       <a:schemeClr val="accent2"/>
@@ -3148,7 +3132,7 @@
     </dgm:txFillClrLst>
     <dgm:txEffectClrLst/>
   </dgm:styleLbl>
-  <dgm:styleLbl name="solidAlignAcc1">
+  <dgm:styleLbl name="solidFgAcc1">
     <dgm:fillClrLst meth="repeat">
       <a:schemeClr val="lt1"/>
     </dgm:fillClrLst>
@@ -3166,7 +3150,7 @@
     </dgm:txFillClrLst>
     <dgm:txEffectClrLst/>
   </dgm:styleLbl>
-  <dgm:styleLbl name="solidBgAcc1">
+  <dgm:styleLbl name="solidAlignAcc1">
     <dgm:fillClrLst meth="repeat">
       <a:schemeClr val="lt1"/>
     </dgm:fillClrLst>
@@ -3184,242 +3168,258 @@
     </dgm:txFillClrLst>
     <dgm:txEffectClrLst/>
   </dgm:styleLbl>
-  <dgm:styleLbl name="fgAccFollowNode1">
-    <dgm:fillClrLst meth="repeat">
-      <a:schemeClr val="accent2">
-        <a:tint val="40000"/>
-        <a:alpha val="90000"/>
-      </a:schemeClr>
-      <a:schemeClr val="accent3">
-        <a:tint val="40000"/>
-        <a:alpha val="90000"/>
-      </a:schemeClr>
-      <a:schemeClr val="accent4">
-        <a:tint val="40000"/>
-        <a:alpha val="90000"/>
-      </a:schemeClr>
-      <a:schemeClr val="accent5">
-        <a:tint val="40000"/>
-        <a:alpha val="90000"/>
-      </a:schemeClr>
-      <a:schemeClr val="accent6">
-        <a:tint val="40000"/>
-        <a:alpha val="90000"/>
-      </a:schemeClr>
-    </dgm:fillClrLst>
-    <dgm:linClrLst meth="repeat">
-      <a:schemeClr val="accent2">
-        <a:tint val="40000"/>
-        <a:alpha val="90000"/>
-      </a:schemeClr>
-      <a:schemeClr val="accent3">
-        <a:tint val="40000"/>
-        <a:alpha val="90000"/>
-      </a:schemeClr>
-      <a:schemeClr val="accent4">
-        <a:tint val="40000"/>
-        <a:alpha val="90000"/>
-      </a:schemeClr>
-      <a:schemeClr val="accent5">
-        <a:tint val="40000"/>
-        <a:alpha val="90000"/>
-      </a:schemeClr>
-      <a:schemeClr val="accent6">
-        <a:tint val="40000"/>
-        <a:alpha val="90000"/>
-      </a:schemeClr>
-    </dgm:linClrLst>
-    <dgm:effectClrLst/>
-    <dgm:txLinClrLst/>
-    <dgm:txFillClrLst meth="repeat">
-      <a:schemeClr val="dk1"/>
-    </dgm:txFillClrLst>
-    <dgm:txEffectClrLst/>
-  </dgm:styleLbl>
-  <dgm:styleLbl name="alignAccFollowNode1">
-    <dgm:fillClrLst meth="repeat">
-      <a:schemeClr val="accent2">
-        <a:tint val="40000"/>
-        <a:alpha val="90000"/>
-      </a:schemeClr>
-      <a:schemeClr val="accent3">
-        <a:tint val="40000"/>
-        <a:alpha val="90000"/>
-      </a:schemeClr>
-      <a:schemeClr val="accent4">
-        <a:tint val="40000"/>
-        <a:alpha val="90000"/>
-      </a:schemeClr>
-      <a:schemeClr val="accent5">
-        <a:tint val="40000"/>
-        <a:alpha val="90000"/>
-      </a:schemeClr>
-      <a:schemeClr val="accent6">
-        <a:tint val="40000"/>
-        <a:alpha val="90000"/>
-      </a:schemeClr>
-    </dgm:fillClrLst>
-    <dgm:linClrLst meth="repeat">
-      <a:schemeClr val="accent2">
-        <a:tint val="40000"/>
-        <a:alpha val="90000"/>
-      </a:schemeClr>
-      <a:schemeClr val="accent3">
-        <a:tint val="40000"/>
-        <a:alpha val="90000"/>
-      </a:schemeClr>
-      <a:schemeClr val="accent4">
-        <a:tint val="40000"/>
-        <a:alpha val="90000"/>
-      </a:schemeClr>
-      <a:schemeClr val="accent5">
-        <a:tint val="40000"/>
-        <a:alpha val="90000"/>
-      </a:schemeClr>
-      <a:schemeClr val="accent6">
-        <a:tint val="40000"/>
-        <a:alpha val="90000"/>
-      </a:schemeClr>
-    </dgm:linClrLst>
-    <dgm:effectClrLst/>
-    <dgm:txLinClrLst/>
-    <dgm:txFillClrLst meth="repeat">
-      <a:schemeClr val="dk1"/>
-    </dgm:txFillClrLst>
-    <dgm:txEffectClrLst/>
-  </dgm:styleLbl>
-  <dgm:styleLbl name="bgAccFollowNode1">
-    <dgm:fillClrLst meth="repeat">
-      <a:schemeClr val="accent2">
-        <a:tint val="40000"/>
-        <a:alpha val="90000"/>
-      </a:schemeClr>
-      <a:schemeClr val="accent3">
-        <a:tint val="40000"/>
-        <a:alpha val="90000"/>
-      </a:schemeClr>
-      <a:schemeClr val="accent4">
-        <a:tint val="40000"/>
-        <a:alpha val="90000"/>
-      </a:schemeClr>
-      <a:schemeClr val="accent5">
-        <a:tint val="40000"/>
-        <a:alpha val="90000"/>
-      </a:schemeClr>
-      <a:schemeClr val="accent6">
-        <a:tint val="40000"/>
-        <a:alpha val="90000"/>
-      </a:schemeClr>
-    </dgm:fillClrLst>
-    <dgm:linClrLst meth="repeat">
-      <a:schemeClr val="accent2">
-        <a:tint val="40000"/>
-        <a:alpha val="90000"/>
-      </a:schemeClr>
-      <a:schemeClr val="accent3">
-        <a:tint val="40000"/>
-        <a:alpha val="90000"/>
-      </a:schemeClr>
-      <a:schemeClr val="accent4">
-        <a:tint val="40000"/>
-        <a:alpha val="90000"/>
-      </a:schemeClr>
-      <a:schemeClr val="accent5">
-        <a:tint val="40000"/>
-        <a:alpha val="90000"/>
-      </a:schemeClr>
-      <a:schemeClr val="accent6">
-        <a:tint val="40000"/>
-        <a:alpha val="90000"/>
-      </a:schemeClr>
-    </dgm:linClrLst>
-    <dgm:effectClrLst/>
-    <dgm:txLinClrLst/>
-    <dgm:txFillClrLst meth="repeat">
-      <a:schemeClr val="dk1"/>
-    </dgm:txFillClrLst>
-    <dgm:txEffectClrLst/>
-  </dgm:styleLbl>
-  <dgm:styleLbl name="fgAcc0">
-    <dgm:fillClrLst meth="repeat">
-      <a:schemeClr val="lt1">
-        <a:alpha val="90000"/>
-      </a:schemeClr>
-    </dgm:fillClrLst>
-    <dgm:linClrLst>
-      <a:schemeClr val="accent1"/>
-    </dgm:linClrLst>
-    <dgm:effectClrLst/>
-    <dgm:txLinClrLst/>
-    <dgm:txFillClrLst meth="repeat">
-      <a:schemeClr val="dk1"/>
-    </dgm:txFillClrLst>
-    <dgm:txEffectClrLst/>
-  </dgm:styleLbl>
-  <dgm:styleLbl name="fgAcc2">
-    <dgm:fillClrLst meth="repeat">
-      <a:schemeClr val="lt1">
-        <a:alpha val="90000"/>
-      </a:schemeClr>
-    </dgm:fillClrLst>
-    <dgm:linClrLst>
-      <a:schemeClr val="accent2"/>
-    </dgm:linClrLst>
-    <dgm:effectClrLst/>
-    <dgm:txLinClrLst/>
-    <dgm:txFillClrLst meth="repeat">
-      <a:schemeClr val="dk1"/>
-    </dgm:txFillClrLst>
-    <dgm:txEffectClrLst/>
-  </dgm:styleLbl>
-  <dgm:styleLbl name="fgAcc3">
-    <dgm:fillClrLst meth="repeat">
-      <a:schemeClr val="lt1">
-        <a:alpha val="90000"/>
-      </a:schemeClr>
-    </dgm:fillClrLst>
-    <dgm:linClrLst>
-      <a:schemeClr val="accent3"/>
-    </dgm:linClrLst>
-    <dgm:effectClrLst/>
-    <dgm:txLinClrLst/>
-    <dgm:txFillClrLst meth="repeat">
-      <a:schemeClr val="dk1"/>
-    </dgm:txFillClrLst>
-    <dgm:txEffectClrLst/>
-  </dgm:styleLbl>
-  <dgm:styleLbl name="fgAcc4">
-    <dgm:fillClrLst meth="repeat">
-      <a:schemeClr val="lt1">
-        <a:alpha val="90000"/>
-      </a:schemeClr>
-    </dgm:fillClrLst>
-    <dgm:linClrLst>
-      <a:schemeClr val="accent4"/>
-    </dgm:linClrLst>
-    <dgm:effectClrLst/>
-    <dgm:txLinClrLst/>
-    <dgm:txFillClrLst meth="repeat">
-      <a:schemeClr val="dk1"/>
-    </dgm:txFillClrLst>
-    <dgm:txEffectClrLst/>
-  </dgm:styleLbl>
-  <dgm:styleLbl name="bgShp">
-    <dgm:fillClrLst meth="repeat">
+  <dgm:styleLbl name="solidBgAcc1">
+    <dgm:fillClrLst meth="repeat">
+      <a:schemeClr val="lt1"/>
+    </dgm:fillClrLst>
+    <dgm:linClrLst meth="repeat">
       <a:schemeClr val="accent2"/>
       <a:schemeClr val="accent3"/>
       <a:schemeClr val="accent4"/>
       <a:schemeClr val="accent5"/>
       <a:schemeClr val="accent6"/>
-    </dgm:fillClrLst>
-    <dgm:linClrLst meth="repeat">
+    </dgm:linClrLst>
+    <dgm:effectClrLst/>
+    <dgm:txLinClrLst/>
+    <dgm:txFillClrLst meth="repeat">
+      <a:schemeClr val="dk1"/>
+    </dgm:txFillClrLst>
+    <dgm:txEffectClrLst/>
+  </dgm:styleLbl>
+  <dgm:styleLbl name="fgAccFollowNode1">
+    <dgm:fillClrLst meth="repeat">
+      <a:schemeClr val="accent2">
+        <a:tint val="40000"/>
+        <a:alpha val="90000"/>
+      </a:schemeClr>
+      <a:schemeClr val="accent3">
+        <a:tint val="40000"/>
+        <a:alpha val="90000"/>
+      </a:schemeClr>
+      <a:schemeClr val="accent4">
+        <a:tint val="40000"/>
+        <a:alpha val="90000"/>
+      </a:schemeClr>
+      <a:schemeClr val="accent5">
+        <a:tint val="40000"/>
+        <a:alpha val="90000"/>
+      </a:schemeClr>
+      <a:schemeClr val="accent6">
+        <a:tint val="40000"/>
+        <a:alpha val="90000"/>
+      </a:schemeClr>
+    </dgm:fillClrLst>
+    <dgm:linClrLst meth="repeat">
+      <a:schemeClr val="accent2">
+        <a:tint val="40000"/>
+        <a:alpha val="90000"/>
+      </a:schemeClr>
+      <a:schemeClr val="accent3">
+        <a:tint val="40000"/>
+        <a:alpha val="90000"/>
+      </a:schemeClr>
+      <a:schemeClr val="accent4">
+        <a:tint val="40000"/>
+        <a:alpha val="90000"/>
+      </a:schemeClr>
+      <a:schemeClr val="accent5">
+        <a:tint val="40000"/>
+        <a:alpha val="90000"/>
+      </a:schemeClr>
+      <a:schemeClr val="accent6">
+        <a:tint val="40000"/>
+        <a:alpha val="90000"/>
+      </a:schemeClr>
+    </dgm:linClrLst>
+    <dgm:effectClrLst/>
+    <dgm:txLinClrLst/>
+    <dgm:txFillClrLst meth="repeat">
+      <a:schemeClr val="dk1"/>
+    </dgm:txFillClrLst>
+    <dgm:txEffectClrLst/>
+  </dgm:styleLbl>
+  <dgm:styleLbl name="alignAccFollowNode1">
+    <dgm:fillClrLst meth="repeat">
+      <a:schemeClr val="accent2">
+        <a:tint val="40000"/>
+        <a:alpha val="90000"/>
+      </a:schemeClr>
+      <a:schemeClr val="accent3">
+        <a:tint val="40000"/>
+        <a:alpha val="90000"/>
+      </a:schemeClr>
+      <a:schemeClr val="accent4">
+        <a:tint val="40000"/>
+        <a:alpha val="90000"/>
+      </a:schemeClr>
+      <a:schemeClr val="accent5">
+        <a:tint val="40000"/>
+        <a:alpha val="90000"/>
+      </a:schemeClr>
+      <a:schemeClr val="accent6">
+        <a:tint val="40000"/>
+        <a:alpha val="90000"/>
+      </a:schemeClr>
+    </dgm:fillClrLst>
+    <dgm:linClrLst meth="repeat">
+      <a:schemeClr val="accent2">
+        <a:tint val="40000"/>
+        <a:alpha val="90000"/>
+      </a:schemeClr>
+      <a:schemeClr val="accent3">
+        <a:tint val="40000"/>
+        <a:alpha val="90000"/>
+      </a:schemeClr>
+      <a:schemeClr val="accent4">
+        <a:tint val="40000"/>
+        <a:alpha val="90000"/>
+      </a:schemeClr>
+      <a:schemeClr val="accent5">
+        <a:tint val="40000"/>
+        <a:alpha val="90000"/>
+      </a:schemeClr>
+      <a:schemeClr val="accent6">
+        <a:tint val="40000"/>
+        <a:alpha val="90000"/>
+      </a:schemeClr>
+    </dgm:linClrLst>
+    <dgm:effectClrLst/>
+    <dgm:txLinClrLst/>
+    <dgm:txFillClrLst meth="repeat">
+      <a:schemeClr val="dk1"/>
+    </dgm:txFillClrLst>
+    <dgm:txEffectClrLst/>
+  </dgm:styleLbl>
+  <dgm:styleLbl name="bgAccFollowNode1">
+    <dgm:fillClrLst meth="repeat">
+      <a:schemeClr val="accent2">
+        <a:tint val="40000"/>
+        <a:alpha val="90000"/>
+      </a:schemeClr>
+      <a:schemeClr val="accent3">
+        <a:tint val="40000"/>
+        <a:alpha val="90000"/>
+      </a:schemeClr>
+      <a:schemeClr val="accent4">
+        <a:tint val="40000"/>
+        <a:alpha val="90000"/>
+      </a:schemeClr>
+      <a:schemeClr val="accent5">
+        <a:tint val="40000"/>
+        <a:alpha val="90000"/>
+      </a:schemeClr>
+      <a:schemeClr val="accent6">
+        <a:tint val="40000"/>
+        <a:alpha val="90000"/>
+      </a:schemeClr>
+    </dgm:fillClrLst>
+    <dgm:linClrLst meth="repeat">
+      <a:schemeClr val="accent2">
+        <a:tint val="40000"/>
+        <a:alpha val="90000"/>
+      </a:schemeClr>
+      <a:schemeClr val="accent3">
+        <a:tint val="40000"/>
+        <a:alpha val="90000"/>
+      </a:schemeClr>
+      <a:schemeClr val="accent4">
+        <a:tint val="40000"/>
+        <a:alpha val="90000"/>
+      </a:schemeClr>
+      <a:schemeClr val="accent5">
+        <a:tint val="40000"/>
+        <a:alpha val="90000"/>
+      </a:schemeClr>
+      <a:schemeClr val="accent6">
+        <a:tint val="40000"/>
+        <a:alpha val="90000"/>
+      </a:schemeClr>
+    </dgm:linClrLst>
+    <dgm:effectClrLst/>
+    <dgm:txLinClrLst/>
+    <dgm:txFillClrLst meth="repeat">
+      <a:schemeClr val="dk1"/>
+    </dgm:txFillClrLst>
+    <dgm:txEffectClrLst/>
+  </dgm:styleLbl>
+  <dgm:styleLbl name="fgAcc0">
+    <dgm:fillClrLst meth="repeat">
       <a:schemeClr val="lt1">
-        <a:alpha val="0"/>
-      </a:schemeClr>
-    </dgm:linClrLst>
-    <dgm:effectClrLst/>
-    <dgm:txLinClrLst/>
-    <dgm:txFillClrLst/>
+        <a:alpha val="90000"/>
+      </a:schemeClr>
+    </dgm:fillClrLst>
+    <dgm:linClrLst>
+      <a:schemeClr val="accent1"/>
+    </dgm:linClrLst>
+    <dgm:effectClrLst/>
+    <dgm:txLinClrLst/>
+    <dgm:txFillClrLst meth="repeat">
+      <a:schemeClr val="dk1"/>
+    </dgm:txFillClrLst>
+    <dgm:txEffectClrLst/>
+  </dgm:styleLbl>
+  <dgm:styleLbl name="fgAcc2">
+    <dgm:fillClrLst meth="repeat">
+      <a:schemeClr val="lt1">
+        <a:alpha val="90000"/>
+      </a:schemeClr>
+    </dgm:fillClrLst>
+    <dgm:linClrLst>
+      <a:schemeClr val="accent2"/>
+    </dgm:linClrLst>
+    <dgm:effectClrLst/>
+    <dgm:txLinClrLst/>
+    <dgm:txFillClrLst meth="repeat">
+      <a:schemeClr val="dk1"/>
+    </dgm:txFillClrLst>
+    <dgm:txEffectClrLst/>
+  </dgm:styleLbl>
+  <dgm:styleLbl name="fgAcc3">
+    <dgm:fillClrLst meth="repeat">
+      <a:schemeClr val="lt1">
+        <a:alpha val="90000"/>
+      </a:schemeClr>
+    </dgm:fillClrLst>
+    <dgm:linClrLst>
+      <a:schemeClr val="accent3"/>
+    </dgm:linClrLst>
+    <dgm:effectClrLst/>
+    <dgm:txLinClrLst/>
+    <dgm:txFillClrLst meth="repeat">
+      <a:schemeClr val="dk1"/>
+    </dgm:txFillClrLst>
+    <dgm:txEffectClrLst/>
+  </dgm:styleLbl>
+  <dgm:styleLbl name="fgAcc4">
+    <dgm:fillClrLst meth="repeat">
+      <a:schemeClr val="lt1">
+        <a:alpha val="90000"/>
+      </a:schemeClr>
+    </dgm:fillClrLst>
+    <dgm:linClrLst>
+      <a:schemeClr val="accent4"/>
+    </dgm:linClrLst>
+    <dgm:effectClrLst/>
+    <dgm:txLinClrLst/>
+    <dgm:txFillClrLst meth="repeat">
+      <a:schemeClr val="dk1"/>
+    </dgm:txFillClrLst>
+    <dgm:txEffectClrLst/>
+  </dgm:styleLbl>
+  <dgm:styleLbl name="bgShp">
+    <dgm:fillClrLst meth="repeat">
+      <a:schemeClr val="bg1">
+        <a:lumMod val="95000"/>
+      </a:schemeClr>
+    </dgm:fillClrLst>
+    <dgm:linClrLst meth="repeat">
+      <a:schemeClr val="dk1"/>
+    </dgm:linClrLst>
+    <dgm:effectClrLst/>
+    <dgm:txLinClrLst/>
+    <dgm:txFillClrLst meth="repeat">
+      <a:schemeClr val="dk1"/>
+    </dgm:txFillClrLst>
     <dgm:txEffectClrLst/>
   </dgm:styleLbl>
   <dgm:styleLbl name="dkBgShp">
@@ -3485,7 +3485,7 @@
     <dgm:effectClrLst/>
     <dgm:txLinClrLst/>
     <dgm:txFillClrLst meth="repeat">
-      <a:schemeClr val="bg1"/>
+      <a:schemeClr val="tx1"/>
     </dgm:txFillClrLst>
     <dgm:txEffectClrLst/>
   </dgm:styleLbl>
@@ -7109,7 +7109,7 @@
 <dgm:dataModel xmlns:dgm="http://schemas.openxmlformats.org/drawingml/2006/diagram" xmlns:a="http://schemas.openxmlformats.org/drawingml/2006/main">
   <dgm:ptLst>
     <dgm:pt modelId="{31733359-4948-4D95-A4B2-E1D1CCC87E47}" type="doc">
-      <dgm:prSet loTypeId="urn:microsoft.com/office/officeart/2018/2/layout/IconVerticalSolidList" loCatId="icon" qsTypeId="urn:microsoft.com/office/officeart/2005/8/quickstyle/simple1" qsCatId="simple" csTypeId="urn:microsoft.com/office/officeart/2018/5/colors/Iconchunking_neutralicontext_colorful1" csCatId="colorful" phldr="1"/>
+      <dgm:prSet loTypeId="urn:microsoft.com/office/officeart/2018/2/layout/IconVerticalSolidList" loCatId="icon" qsTypeId="urn:microsoft.com/office/officeart/2005/8/quickstyle/simple1" qsCatId="simple" csTypeId="urn:microsoft.com/office/officeart/2018/5/colors/Iconchunking_neutralbg_colorful1" csCatId="colorful" phldr="1"/>
       <dgm:spPr/>
       <dgm:t>
         <a:bodyPr/>
@@ -7126,6 +7126,11 @@
         <a:bodyPr/>
         <a:lstStyle/>
         <a:p>
+          <a:pPr>
+            <a:lnSpc>
+              <a:spcPct val="100000"/>
+            </a:lnSpc>
+          </a:pPr>
           <a:r>
             <a:rPr lang="en-US" b="1" i="0" baseline="0"/>
             <a:t>Approach:</a:t>
@@ -7167,6 +7172,11 @@
         <a:bodyPr/>
         <a:lstStyle/>
         <a:p>
+          <a:pPr>
+            <a:lnSpc>
+              <a:spcPct val="100000"/>
+            </a:lnSpc>
+          </a:pPr>
           <a:r>
             <a:rPr lang="en-US" b="1" i="0" baseline="0"/>
             <a:t>Accuracy:</a:t>
@@ -7208,6 +7218,11 @@
         <a:bodyPr/>
         <a:lstStyle/>
         <a:p>
+          <a:pPr>
+            <a:lnSpc>
+              <a:spcPct val="100000"/>
+            </a:lnSpc>
+          </a:pPr>
           <a:r>
             <a:rPr lang="en-US" b="1" i="0" baseline="0"/>
             <a:t>Precision:</a:t>
@@ -7249,6 +7264,11 @@
         <a:bodyPr/>
         <a:lstStyle/>
         <a:p>
+          <a:pPr>
+            <a:lnSpc>
+              <a:spcPct val="100000"/>
+            </a:lnSpc>
+          </a:pPr>
           <a:r>
             <a:rPr lang="en-US" b="1" i="0" baseline="0"/>
             <a:t>Recall:</a:t>
@@ -7290,6 +7310,11 @@
         <a:bodyPr/>
         <a:lstStyle/>
         <a:p>
+          <a:pPr>
+            <a:lnSpc>
+              <a:spcPct val="100000"/>
+            </a:lnSpc>
+          </a:pPr>
           <a:r>
             <a:rPr lang="en-US" b="1" i="0" baseline="0"/>
             <a:t>F1 Score:</a:t>
@@ -7331,6 +7356,11 @@
         <a:bodyPr/>
         <a:lstStyle/>
         <a:p>
+          <a:pPr>
+            <a:lnSpc>
+              <a:spcPct val="100000"/>
+            </a:lnSpc>
+          </a:pPr>
           <a:r>
             <a:rPr lang="en-US" b="1" i="0" baseline="0"/>
             <a:t>Importance of Recall:</a:t>
@@ -7368,6 +7398,11 @@
         <a:bodyPr/>
         <a:lstStyle/>
         <a:p>
+          <a:pPr>
+            <a:lnSpc>
+              <a:spcPct val="100000"/>
+            </a:lnSpc>
+          </a:pPr>
           <a:r>
             <a:rPr lang="en-US" b="0" i="0" baseline="0"/>
             <a:t>Recall is of particular significance as it determines our model's ability to capture incomplete transactions, crucial for prevention.</a:t>
@@ -10336,8 +10371,8 @@
       </dsp:nvSpPr>
       <dsp:spPr>
         <a:xfrm>
-          <a:off x="0" y="502"/>
-          <a:ext cx="6301601" cy="691506"/>
+          <a:off x="0" y="473"/>
+          <a:ext cx="6807333" cy="651802"/>
         </a:xfrm>
         <a:prstGeom prst="roundRect">
           <a:avLst>
@@ -10345,7 +10380,8 @@
           </a:avLst>
         </a:prstGeom>
         <a:solidFill>
-          <a:schemeClr val="accent2">
+          <a:schemeClr val="bg1">
+            <a:lumMod val="95000"/>
             <a:hueOff val="0"/>
             <a:satOff val="0"/>
             <a:lumOff val="0"/>
@@ -10377,8 +10413,8 @@
       </dsp:nvSpPr>
       <dsp:spPr>
         <a:xfrm>
-          <a:off x="209180" y="156091"/>
-          <a:ext cx="380328" cy="380328"/>
+          <a:off x="197170" y="147128"/>
+          <a:ext cx="358491" cy="358491"/>
         </a:xfrm>
         <a:prstGeom prst="rect">
           <a:avLst/>
@@ -10427,8 +10463,8 @@
       </dsp:nvSpPr>
       <dsp:spPr>
         <a:xfrm>
-          <a:off x="798689" y="502"/>
-          <a:ext cx="5502911" cy="691506"/>
+          <a:off x="752831" y="473"/>
+          <a:ext cx="6054501" cy="651802"/>
         </a:xfrm>
         <a:prstGeom prst="rect">
           <a:avLst/>
@@ -10452,14 +10488,14 @@
         <a:fontRef idx="minor"/>
       </dsp:style>
       <dsp:txBody>
-        <a:bodyPr spcFirstLastPara="0" vert="horz" wrap="square" lIns="73184" tIns="73184" rIns="73184" bIns="73184" numCol="1" spcCol="1270" anchor="ctr" anchorCtr="0">
+        <a:bodyPr spcFirstLastPara="0" vert="horz" wrap="square" lIns="68982" tIns="68982" rIns="68982" bIns="68982" numCol="1" spcCol="1270" anchor="ctr" anchorCtr="0">
           <a:noAutofit/>
         </a:bodyPr>
         <a:lstStyle/>
         <a:p>
-          <a:pPr marL="0" lvl="0" indent="0" algn="l" defTabSz="622300">
+          <a:pPr marL="0" lvl="0" indent="0" algn="l" defTabSz="666750">
             <a:lnSpc>
-              <a:spcPct val="90000"/>
+              <a:spcPct val="100000"/>
             </a:lnSpc>
             <a:spcBef>
               <a:spcPct val="0"/>
@@ -10470,19 +10506,19 @@
             <a:buNone/>
           </a:pPr>
           <a:r>
-            <a:rPr lang="en-US" sz="1400" b="1" i="0" kern="1200" baseline="0"/>
+            <a:rPr lang="en-US" sz="1500" b="1" i="0" kern="1200" baseline="0"/>
             <a:t>Approach:</a:t>
           </a:r>
           <a:r>
-            <a:rPr lang="en-US" sz="1400" b="0" i="0" kern="1200" baseline="0"/>
+            <a:rPr lang="en-US" sz="1500" b="0" i="0" kern="1200" baseline="0"/>
             <a:t> Given dataset imbalance, precision, recall, and F1 score are prioritized over accuracy for assessing model performance.</a:t>
           </a:r>
-          <a:endParaRPr lang="en-US" sz="1400" kern="1200"/>
+          <a:endParaRPr lang="en-US" sz="1500" kern="1200"/>
         </a:p>
       </dsp:txBody>
       <dsp:txXfrm>
-        <a:off x="798689" y="502"/>
-        <a:ext cx="5502911" cy="691506"/>
+        <a:off x="752831" y="473"/>
+        <a:ext cx="6054501" cy="651802"/>
       </dsp:txXfrm>
     </dsp:sp>
     <dsp:sp modelId="{C0CE627C-1B2B-427C-816A-F034E71D8C82}">
@@ -10492,8 +10528,8 @@
       </dsp:nvSpPr>
       <dsp:spPr>
         <a:xfrm>
-          <a:off x="0" y="864885"/>
-          <a:ext cx="6301601" cy="691506"/>
+          <a:off x="0" y="815225"/>
+          <a:ext cx="6807333" cy="651802"/>
         </a:xfrm>
         <a:prstGeom prst="roundRect">
           <a:avLst>
@@ -10501,7 +10537,8 @@
           </a:avLst>
         </a:prstGeom>
         <a:solidFill>
-          <a:schemeClr val="accent3">
+          <a:schemeClr val="bg1">
+            <a:lumMod val="95000"/>
             <a:hueOff val="0"/>
             <a:satOff val="0"/>
             <a:lumOff val="0"/>
@@ -10533,8 +10570,8 @@
       </dsp:nvSpPr>
       <dsp:spPr>
         <a:xfrm>
-          <a:off x="209180" y="1020474"/>
-          <a:ext cx="380328" cy="380328"/>
+          <a:off x="197170" y="961881"/>
+          <a:ext cx="358491" cy="358491"/>
         </a:xfrm>
         <a:prstGeom prst="rect">
           <a:avLst/>
@@ -10583,8 +10620,8 @@
       </dsp:nvSpPr>
       <dsp:spPr>
         <a:xfrm>
-          <a:off x="798689" y="864885"/>
-          <a:ext cx="5502911" cy="691506"/>
+          <a:off x="752831" y="815225"/>
+          <a:ext cx="6054501" cy="651802"/>
         </a:xfrm>
         <a:prstGeom prst="rect">
           <a:avLst/>
@@ -10608,14 +10645,14 @@
         <a:fontRef idx="minor"/>
       </dsp:style>
       <dsp:txBody>
-        <a:bodyPr spcFirstLastPara="0" vert="horz" wrap="square" lIns="73184" tIns="73184" rIns="73184" bIns="73184" numCol="1" spcCol="1270" anchor="ctr" anchorCtr="0">
+        <a:bodyPr spcFirstLastPara="0" vert="horz" wrap="square" lIns="68982" tIns="68982" rIns="68982" bIns="68982" numCol="1" spcCol="1270" anchor="ctr" anchorCtr="0">
           <a:noAutofit/>
         </a:bodyPr>
         <a:lstStyle/>
         <a:p>
-          <a:pPr marL="0" lvl="0" indent="0" algn="l" defTabSz="622300">
+          <a:pPr marL="0" lvl="0" indent="0" algn="l" defTabSz="666750">
             <a:lnSpc>
-              <a:spcPct val="90000"/>
+              <a:spcPct val="100000"/>
             </a:lnSpc>
             <a:spcBef>
               <a:spcPct val="0"/>
@@ -10626,19 +10663,19 @@
             <a:buNone/>
           </a:pPr>
           <a:r>
-            <a:rPr lang="en-US" sz="1400" b="1" i="0" kern="1200" baseline="0"/>
+            <a:rPr lang="en-US" sz="1500" b="1" i="0" kern="1200" baseline="0"/>
             <a:t>Accuracy:</a:t>
           </a:r>
           <a:r>
-            <a:rPr lang="en-US" sz="1400" b="0" i="0" kern="1200" baseline="0"/>
+            <a:rPr lang="en-US" sz="1500" b="0" i="0" kern="1200" baseline="0"/>
             <a:t> Measures the overall correctness of the model's predictions.</a:t>
           </a:r>
-          <a:endParaRPr lang="en-US" sz="1400" kern="1200"/>
+          <a:endParaRPr lang="en-US" sz="1500" kern="1200"/>
         </a:p>
       </dsp:txBody>
       <dsp:txXfrm>
-        <a:off x="798689" y="864885"/>
-        <a:ext cx="5502911" cy="691506"/>
+        <a:off x="752831" y="815225"/>
+        <a:ext cx="6054501" cy="651802"/>
       </dsp:txXfrm>
     </dsp:sp>
     <dsp:sp modelId="{D645AC83-7F5F-46CA-B97D-28AF97C680F1}">
@@ -10648,8 +10685,8 @@
       </dsp:nvSpPr>
       <dsp:spPr>
         <a:xfrm>
-          <a:off x="0" y="1729268"/>
-          <a:ext cx="6301601" cy="691506"/>
+          <a:off x="0" y="1629978"/>
+          <a:ext cx="6807333" cy="651802"/>
         </a:xfrm>
         <a:prstGeom prst="roundRect">
           <a:avLst>
@@ -10657,7 +10694,8 @@
           </a:avLst>
         </a:prstGeom>
         <a:solidFill>
-          <a:schemeClr val="accent4">
+          <a:schemeClr val="bg1">
+            <a:lumMod val="95000"/>
             <a:hueOff val="0"/>
             <a:satOff val="0"/>
             <a:lumOff val="0"/>
@@ -10689,8 +10727,8 @@
       </dsp:nvSpPr>
       <dsp:spPr>
         <a:xfrm>
-          <a:off x="209180" y="1884857"/>
-          <a:ext cx="380328" cy="380328"/>
+          <a:off x="197170" y="1776633"/>
+          <a:ext cx="358491" cy="358491"/>
         </a:xfrm>
         <a:prstGeom prst="rect">
           <a:avLst/>
@@ -10739,8 +10777,8 @@
       </dsp:nvSpPr>
       <dsp:spPr>
         <a:xfrm>
-          <a:off x="798689" y="1729268"/>
-          <a:ext cx="5502911" cy="691506"/>
+          <a:off x="752831" y="1629978"/>
+          <a:ext cx="6054501" cy="651802"/>
         </a:xfrm>
         <a:prstGeom prst="rect">
           <a:avLst/>
@@ -10764,14 +10802,14 @@
         <a:fontRef idx="minor"/>
       </dsp:style>
       <dsp:txBody>
-        <a:bodyPr spcFirstLastPara="0" vert="horz" wrap="square" lIns="73184" tIns="73184" rIns="73184" bIns="73184" numCol="1" spcCol="1270" anchor="ctr" anchorCtr="0">
+        <a:bodyPr spcFirstLastPara="0" vert="horz" wrap="square" lIns="68982" tIns="68982" rIns="68982" bIns="68982" numCol="1" spcCol="1270" anchor="ctr" anchorCtr="0">
           <a:noAutofit/>
         </a:bodyPr>
         <a:lstStyle/>
         <a:p>
-          <a:pPr marL="0" lvl="0" indent="0" algn="l" defTabSz="622300">
+          <a:pPr marL="0" lvl="0" indent="0" algn="l" defTabSz="666750">
             <a:lnSpc>
-              <a:spcPct val="90000"/>
+              <a:spcPct val="100000"/>
             </a:lnSpc>
             <a:spcBef>
               <a:spcPct val="0"/>
@@ -10782,19 +10820,19 @@
             <a:buNone/>
           </a:pPr>
           <a:r>
-            <a:rPr lang="en-US" sz="1400" b="1" i="0" kern="1200" baseline="0"/>
+            <a:rPr lang="en-US" sz="1500" b="1" i="0" kern="1200" baseline="0"/>
             <a:t>Precision:</a:t>
           </a:r>
           <a:r>
-            <a:rPr lang="en-US" sz="1400" b="0" i="0" kern="1200" baseline="0"/>
+            <a:rPr lang="en-US" sz="1500" b="0" i="0" kern="1200" baseline="0"/>
             <a:t> Indicates the proportion of correctly predicted incomplete transactions among all predicted incomplete transactions.</a:t>
           </a:r>
-          <a:endParaRPr lang="en-US" sz="1400" kern="1200"/>
+          <a:endParaRPr lang="en-US" sz="1500" kern="1200"/>
         </a:p>
       </dsp:txBody>
       <dsp:txXfrm>
-        <a:off x="798689" y="1729268"/>
-        <a:ext cx="5502911" cy="691506"/>
+        <a:off x="752831" y="1629978"/>
+        <a:ext cx="6054501" cy="651802"/>
       </dsp:txXfrm>
     </dsp:sp>
     <dsp:sp modelId="{DFF067B5-6A27-44CC-BD3D-9CE429DDDE93}">
@@ -10804,8 +10842,8 @@
       </dsp:nvSpPr>
       <dsp:spPr>
         <a:xfrm>
-          <a:off x="0" y="2593651"/>
-          <a:ext cx="6301601" cy="691506"/>
+          <a:off x="0" y="2444730"/>
+          <a:ext cx="6807333" cy="651802"/>
         </a:xfrm>
         <a:prstGeom prst="roundRect">
           <a:avLst>
@@ -10813,7 +10851,8 @@
           </a:avLst>
         </a:prstGeom>
         <a:solidFill>
-          <a:schemeClr val="accent5">
+          <a:schemeClr val="bg1">
+            <a:lumMod val="95000"/>
             <a:hueOff val="0"/>
             <a:satOff val="0"/>
             <a:lumOff val="0"/>
@@ -10845,8 +10884,8 @@
       </dsp:nvSpPr>
       <dsp:spPr>
         <a:xfrm>
-          <a:off x="209180" y="2749240"/>
-          <a:ext cx="380328" cy="380328"/>
+          <a:off x="197170" y="2591386"/>
+          <a:ext cx="358491" cy="358491"/>
         </a:xfrm>
         <a:prstGeom prst="rect">
           <a:avLst/>
@@ -10895,8 +10934,8 @@
       </dsp:nvSpPr>
       <dsp:spPr>
         <a:xfrm>
-          <a:off x="798689" y="2593651"/>
-          <a:ext cx="5502911" cy="691506"/>
+          <a:off x="752831" y="2444730"/>
+          <a:ext cx="6054501" cy="651802"/>
         </a:xfrm>
         <a:prstGeom prst="rect">
           <a:avLst/>
@@ -10920,14 +10959,14 @@
         <a:fontRef idx="minor"/>
       </dsp:style>
       <dsp:txBody>
-        <a:bodyPr spcFirstLastPara="0" vert="horz" wrap="square" lIns="73184" tIns="73184" rIns="73184" bIns="73184" numCol="1" spcCol="1270" anchor="ctr" anchorCtr="0">
+        <a:bodyPr spcFirstLastPara="0" vert="horz" wrap="square" lIns="68982" tIns="68982" rIns="68982" bIns="68982" numCol="1" spcCol="1270" anchor="ctr" anchorCtr="0">
           <a:noAutofit/>
         </a:bodyPr>
         <a:lstStyle/>
         <a:p>
-          <a:pPr marL="0" lvl="0" indent="0" algn="l" defTabSz="622300">
+          <a:pPr marL="0" lvl="0" indent="0" algn="l" defTabSz="666750">
             <a:lnSpc>
-              <a:spcPct val="90000"/>
+              <a:spcPct val="100000"/>
             </a:lnSpc>
             <a:spcBef>
               <a:spcPct val="0"/>
@@ -10938,19 +10977,19 @@
             <a:buNone/>
           </a:pPr>
           <a:r>
-            <a:rPr lang="en-US" sz="1400" b="1" i="0" kern="1200" baseline="0"/>
+            <a:rPr lang="en-US" sz="1500" b="1" i="0" kern="1200" baseline="0"/>
             <a:t>Recall:</a:t>
           </a:r>
           <a:r>
-            <a:rPr lang="en-US" sz="1400" b="0" i="0" kern="1200" baseline="0"/>
+            <a:rPr lang="en-US" sz="1500" b="0" i="0" kern="1200" baseline="0"/>
             <a:t> Measures the proportion of correctly predicted incomplete transactions among all actual incomplete transactions.</a:t>
           </a:r>
-          <a:endParaRPr lang="en-US" sz="1400" kern="1200"/>
+          <a:endParaRPr lang="en-US" sz="1500" kern="1200"/>
         </a:p>
       </dsp:txBody>
       <dsp:txXfrm>
-        <a:off x="798689" y="2593651"/>
-        <a:ext cx="5502911" cy="691506"/>
+        <a:off x="752831" y="2444730"/>
+        <a:ext cx="6054501" cy="651802"/>
       </dsp:txXfrm>
     </dsp:sp>
     <dsp:sp modelId="{8B0CAD0C-5F45-4DC9-A583-DAEA73405E4A}">
@@ -10960,8 +10999,8 @@
       </dsp:nvSpPr>
       <dsp:spPr>
         <a:xfrm>
-          <a:off x="0" y="3458034"/>
-          <a:ext cx="6301601" cy="691506"/>
+          <a:off x="0" y="3259483"/>
+          <a:ext cx="6807333" cy="651802"/>
         </a:xfrm>
         <a:prstGeom prst="roundRect">
           <a:avLst>
@@ -10969,7 +11008,8 @@
           </a:avLst>
         </a:prstGeom>
         <a:solidFill>
-          <a:schemeClr val="accent6">
+          <a:schemeClr val="bg1">
+            <a:lumMod val="95000"/>
             <a:hueOff val="0"/>
             <a:satOff val="0"/>
             <a:lumOff val="0"/>
@@ -11001,8 +11041,8 @@
       </dsp:nvSpPr>
       <dsp:spPr>
         <a:xfrm>
-          <a:off x="209180" y="3613623"/>
-          <a:ext cx="380328" cy="380328"/>
+          <a:off x="197170" y="3406138"/>
+          <a:ext cx="358491" cy="358491"/>
         </a:xfrm>
         <a:prstGeom prst="rect">
           <a:avLst/>
@@ -11051,8 +11091,8 @@
       </dsp:nvSpPr>
       <dsp:spPr>
         <a:xfrm>
-          <a:off x="798689" y="3458034"/>
-          <a:ext cx="5502911" cy="691506"/>
+          <a:off x="752831" y="3259483"/>
+          <a:ext cx="6054501" cy="651802"/>
         </a:xfrm>
         <a:prstGeom prst="rect">
           <a:avLst/>
@@ -11076,14 +11116,14 @@
         <a:fontRef idx="minor"/>
       </dsp:style>
       <dsp:txBody>
-        <a:bodyPr spcFirstLastPara="0" vert="horz" wrap="square" lIns="73184" tIns="73184" rIns="73184" bIns="73184" numCol="1" spcCol="1270" anchor="ctr" anchorCtr="0">
+        <a:bodyPr spcFirstLastPara="0" vert="horz" wrap="square" lIns="68982" tIns="68982" rIns="68982" bIns="68982" numCol="1" spcCol="1270" anchor="ctr" anchorCtr="0">
           <a:noAutofit/>
         </a:bodyPr>
         <a:lstStyle/>
         <a:p>
-          <a:pPr marL="0" lvl="0" indent="0" algn="l" defTabSz="622300">
+          <a:pPr marL="0" lvl="0" indent="0" algn="l" defTabSz="666750">
             <a:lnSpc>
-              <a:spcPct val="90000"/>
+              <a:spcPct val="100000"/>
             </a:lnSpc>
             <a:spcBef>
               <a:spcPct val="0"/>
@@ -11094,19 +11134,19 @@
             <a:buNone/>
           </a:pPr>
           <a:r>
-            <a:rPr lang="en-US" sz="1400" b="1" i="0" kern="1200" baseline="0"/>
+            <a:rPr lang="en-US" sz="1500" b="1" i="0" kern="1200" baseline="0"/>
             <a:t>F1 Score:</a:t>
           </a:r>
           <a:r>
-            <a:rPr lang="en-US" sz="1400" b="0" i="0" kern="1200" baseline="0"/>
+            <a:rPr lang="en-US" sz="1500" b="0" i="0" kern="1200" baseline="0"/>
             <a:t> Harmonic mean of precision and recall, providing a balance between the two metrics.</a:t>
           </a:r>
-          <a:endParaRPr lang="en-US" sz="1400" kern="1200"/>
+          <a:endParaRPr lang="en-US" sz="1500" kern="1200"/>
         </a:p>
       </dsp:txBody>
       <dsp:txXfrm>
-        <a:off x="798689" y="3458034"/>
-        <a:ext cx="5502911" cy="691506"/>
+        <a:off x="752831" y="3259483"/>
+        <a:ext cx="6054501" cy="651802"/>
       </dsp:txXfrm>
     </dsp:sp>
     <dsp:sp modelId="{FE0E1098-2AD1-4BC7-87D8-7B3055242CE9}">
@@ -11116,8 +11156,8 @@
       </dsp:nvSpPr>
       <dsp:spPr>
         <a:xfrm>
-          <a:off x="0" y="4322417"/>
-          <a:ext cx="6301601" cy="691506"/>
+          <a:off x="0" y="4074236"/>
+          <a:ext cx="6807333" cy="651802"/>
         </a:xfrm>
         <a:prstGeom prst="roundRect">
           <a:avLst>
@@ -11125,7 +11165,8 @@
           </a:avLst>
         </a:prstGeom>
         <a:solidFill>
-          <a:schemeClr val="accent2">
+          <a:schemeClr val="bg1">
+            <a:lumMod val="95000"/>
             <a:hueOff val="0"/>
             <a:satOff val="0"/>
             <a:lumOff val="0"/>
@@ -11157,8 +11198,8 @@
       </dsp:nvSpPr>
       <dsp:spPr>
         <a:xfrm>
-          <a:off x="209180" y="4478006"/>
-          <a:ext cx="380328" cy="380328"/>
+          <a:off x="197170" y="4220891"/>
+          <a:ext cx="358491" cy="358491"/>
         </a:xfrm>
         <a:prstGeom prst="rect">
           <a:avLst/>
@@ -11207,8 +11248,8 @@
       </dsp:nvSpPr>
       <dsp:spPr>
         <a:xfrm>
-          <a:off x="798689" y="4322417"/>
-          <a:ext cx="5502911" cy="691506"/>
+          <a:off x="752831" y="4074236"/>
+          <a:ext cx="6054501" cy="651802"/>
         </a:xfrm>
         <a:prstGeom prst="rect">
           <a:avLst/>
@@ -11232,14 +11273,14 @@
         <a:fontRef idx="minor"/>
       </dsp:style>
       <dsp:txBody>
-        <a:bodyPr spcFirstLastPara="0" vert="horz" wrap="square" lIns="73184" tIns="73184" rIns="73184" bIns="73184" numCol="1" spcCol="1270" anchor="ctr" anchorCtr="0">
+        <a:bodyPr spcFirstLastPara="0" vert="horz" wrap="square" lIns="68982" tIns="68982" rIns="68982" bIns="68982" numCol="1" spcCol="1270" anchor="ctr" anchorCtr="0">
           <a:noAutofit/>
         </a:bodyPr>
         <a:lstStyle/>
         <a:p>
-          <a:pPr marL="0" lvl="0" indent="0" algn="l" defTabSz="622300">
+          <a:pPr marL="0" lvl="0" indent="0" algn="l" defTabSz="666750">
             <a:lnSpc>
-              <a:spcPct val="90000"/>
+              <a:spcPct val="100000"/>
             </a:lnSpc>
             <a:spcBef>
               <a:spcPct val="0"/>
@@ -11250,15 +11291,15 @@
             <a:buNone/>
           </a:pPr>
           <a:r>
-            <a:rPr lang="en-US" sz="1400" b="1" i="0" kern="1200" baseline="0"/>
+            <a:rPr lang="en-US" sz="1500" b="1" i="0" kern="1200" baseline="0"/>
             <a:t>Importance of Recall:</a:t>
           </a:r>
-          <a:endParaRPr lang="en-US" sz="1400" kern="1200"/>
+          <a:endParaRPr lang="en-US" sz="1500" kern="1200"/>
         </a:p>
       </dsp:txBody>
       <dsp:txXfrm>
-        <a:off x="798689" y="4322417"/>
-        <a:ext cx="5502911" cy="691506"/>
+        <a:off x="752831" y="4074236"/>
+        <a:ext cx="6054501" cy="651802"/>
       </dsp:txXfrm>
     </dsp:sp>
     <dsp:sp modelId="{91A1D98C-8430-439A-8AEC-BAD321AFC6AA}">
@@ -11268,8 +11309,8 @@
       </dsp:nvSpPr>
       <dsp:spPr>
         <a:xfrm>
-          <a:off x="0" y="5186800"/>
-          <a:ext cx="6301601" cy="691506"/>
+          <a:off x="0" y="4888988"/>
+          <a:ext cx="6807333" cy="651802"/>
         </a:xfrm>
         <a:prstGeom prst="roundRect">
           <a:avLst>
@@ -11277,7 +11318,8 @@
           </a:avLst>
         </a:prstGeom>
         <a:solidFill>
-          <a:schemeClr val="accent3">
+          <a:schemeClr val="bg1">
+            <a:lumMod val="95000"/>
             <a:hueOff val="0"/>
             <a:satOff val="0"/>
             <a:lumOff val="0"/>
@@ -11309,8 +11351,8 @@
       </dsp:nvSpPr>
       <dsp:spPr>
         <a:xfrm>
-          <a:off x="209180" y="5342389"/>
-          <a:ext cx="380328" cy="380328"/>
+          <a:off x="197170" y="5035643"/>
+          <a:ext cx="358491" cy="358491"/>
         </a:xfrm>
         <a:prstGeom prst="rect">
           <a:avLst/>
@@ -11359,8 +11401,8 @@
       </dsp:nvSpPr>
       <dsp:spPr>
         <a:xfrm>
-          <a:off x="798689" y="5186800"/>
-          <a:ext cx="5502911" cy="691506"/>
+          <a:off x="752831" y="4888988"/>
+          <a:ext cx="6054501" cy="651802"/>
         </a:xfrm>
         <a:prstGeom prst="rect">
           <a:avLst/>
@@ -11384,14 +11426,14 @@
         <a:fontRef idx="minor"/>
       </dsp:style>
       <dsp:txBody>
-        <a:bodyPr spcFirstLastPara="0" vert="horz" wrap="square" lIns="73184" tIns="73184" rIns="73184" bIns="73184" numCol="1" spcCol="1270" anchor="ctr" anchorCtr="0">
+        <a:bodyPr spcFirstLastPara="0" vert="horz" wrap="square" lIns="68982" tIns="68982" rIns="68982" bIns="68982" numCol="1" spcCol="1270" anchor="ctr" anchorCtr="0">
           <a:noAutofit/>
         </a:bodyPr>
         <a:lstStyle/>
         <a:p>
-          <a:pPr marL="0" lvl="0" indent="0" algn="l" defTabSz="622300">
+          <a:pPr marL="0" lvl="0" indent="0" algn="l" defTabSz="666750">
             <a:lnSpc>
-              <a:spcPct val="90000"/>
+              <a:spcPct val="100000"/>
             </a:lnSpc>
             <a:spcBef>
               <a:spcPct val="0"/>
@@ -11402,15 +11444,15 @@
             <a:buNone/>
           </a:pPr>
           <a:r>
-            <a:rPr lang="en-US" sz="1400" b="0" i="0" kern="1200" baseline="0"/>
+            <a:rPr lang="en-US" sz="1500" b="0" i="0" kern="1200" baseline="0"/>
             <a:t>Recall is of particular significance as it determines our model's ability to capture incomplete transactions, crucial for prevention.</a:t>
           </a:r>
-          <a:endParaRPr lang="en-US" sz="1400" kern="1200"/>
+          <a:endParaRPr lang="en-US" sz="1500" kern="1200"/>
         </a:p>
       </dsp:txBody>
       <dsp:txXfrm>
-        <a:off x="798689" y="5186800"/>
-        <a:ext cx="5502911" cy="691506"/>
+        <a:off x="752831" y="4888988"/>
+        <a:ext cx="6054501" cy="651802"/>
       </dsp:txXfrm>
     </dsp:sp>
   </dsp:spTree>
@@ -26003,10 +26045,10 @@
       </p:grpSpPr>
       <p:sp useBgFill="1">
         <p:nvSpPr>
-          <p:cNvPr id="16" name="Rectangle 15">
+          <p:cNvPr id="42" name="Rectangle 41">
             <a:extLst>
               <a:ext uri="{FF2B5EF4-FFF2-40B4-BE49-F238E27FC236}">
-                <a16:creationId xmlns:a16="http://schemas.microsoft.com/office/drawing/2014/main" id="{0C541B88-1AE9-40C3-AFD5-967787C1979F}"/>
+                <a16:creationId xmlns:a16="http://schemas.microsoft.com/office/drawing/2014/main" id="{81E1224E-6618-482E-BE87-321A7FC1CDE8}"/>
               </a:ext>
               <a:ext uri="{C183D7F6-B498-43B3-948B-1728B52AA6E4}">
                 <adec:decorative xmlns:adec="http://schemas.microsoft.com/office/drawing/2017/decorative" val="1"/>
@@ -26057,16 +26099,67 @@
           <a:lstStyle/>
           <a:p>
             <a:pPr algn="ctr"/>
-            <a:endParaRPr lang="en-US" dirty="0"/>
+            <a:endParaRPr lang="en-US"/>
           </a:p>
         </p:txBody>
       </p:sp>
       <p:sp>
         <p:nvSpPr>
-          <p:cNvPr id="18" name="Rectangle 17">
+          <p:cNvPr id="2" name="Title 1">
             <a:extLst>
               <a:ext uri="{FF2B5EF4-FFF2-40B4-BE49-F238E27FC236}">
-                <a16:creationId xmlns:a16="http://schemas.microsoft.com/office/drawing/2014/main" id="{E5F17139-31EE-46AC-B04F-DBBD852DD6CB}"/>
+                <a16:creationId xmlns:a16="http://schemas.microsoft.com/office/drawing/2014/main" id="{42C65421-30CF-AB53-F819-B16503C18059}"/>
+              </a:ext>
+            </a:extLst>
+          </p:cNvPr>
+          <p:cNvSpPr>
+            <a:spLocks noGrp="1"/>
+          </p:cNvSpPr>
+          <p:nvPr>
+            <p:ph type="title"/>
+          </p:nvPr>
+        </p:nvSpPr>
+        <p:spPr>
+          <a:xfrm>
+            <a:off x="659234" y="957447"/>
+            <a:ext cx="3383280" cy="4943105"/>
+          </a:xfrm>
+        </p:spPr>
+        <p:txBody>
+          <a:bodyPr vert="horz" lIns="91440" tIns="45720" rIns="91440" bIns="45720" rtlCol="0" anchor="ctr">
+            <a:normAutofit/>
+          </a:bodyPr>
+          <a:lstStyle/>
+          <a:p>
+            <a:pPr marR="0"/>
+            <a:r>
+              <a:rPr lang="en-US" sz="4000" b="1" i="0" u="none" strike="noStrike" kern="1200" baseline="0">
+                <a:solidFill>
+                  <a:schemeClr val="tx1"/>
+                </a:solidFill>
+                <a:latin typeface="+mj-lt"/>
+                <a:ea typeface="+mj-ea"/>
+                <a:cs typeface="+mj-cs"/>
+              </a:rPr>
+              <a:t>Metrics for Unbalanced Data</a:t>
+            </a:r>
+            <a:endParaRPr lang="en-US" sz="4000" b="0" i="0" u="none" strike="noStrike" kern="1200" baseline="0">
+              <a:solidFill>
+                <a:schemeClr val="tx1"/>
+              </a:solidFill>
+              <a:latin typeface="+mj-lt"/>
+              <a:ea typeface="+mj-ea"/>
+              <a:cs typeface="+mj-cs"/>
+            </a:endParaRPr>
+          </a:p>
+        </p:txBody>
+      </p:sp>
+      <p:sp>
+        <p:nvSpPr>
+          <p:cNvPr id="41" name="Rectangle 40">
+            <a:extLst>
+              <a:ext uri="{FF2B5EF4-FFF2-40B4-BE49-F238E27FC236}">
+                <a16:creationId xmlns:a16="http://schemas.microsoft.com/office/drawing/2014/main" id="{066346BE-FDB4-4772-A696-0719490ABD64}"/>
               </a:ext>
               <a:ext uri="{C183D7F6-B498-43B3-948B-1728B52AA6E4}">
                 <adec:decorative xmlns:adec="http://schemas.microsoft.com/office/drawing/2017/decorative" val="1"/>
@@ -26085,15 +26178,15 @@
           </p:nvPr>
         </p:nvSpPr>
         <p:spPr>
-          <a:xfrm>
-            <a:off x="0" y="0"/>
-            <a:ext cx="4890596" cy="6858000"/>
+          <a:xfrm rot="5400000">
+            <a:off x="938126" y="346791"/>
+            <a:ext cx="146304" cy="704088"/>
           </a:xfrm>
           <a:prstGeom prst="rect">
             <a:avLst/>
           </a:prstGeom>
           <a:solidFill>
-            <a:schemeClr val="tx1"/>
+            <a:schemeClr val="accent2"/>
           </a:solidFill>
           <a:ln>
             <a:noFill/>
@@ -26119,501 +26212,46 @@
           <a:bodyPr rtlCol="0" anchor="ctr"/>
           <a:lstStyle/>
           <a:p>
-            <a:pPr algn="ctr"/>
-            <a:endParaRPr lang="en-US" dirty="0"/>
+            <a:pPr marL="0" marR="0" lvl="0" indent="0" algn="ctr" defTabSz="914400" rtl="0" eaLnBrk="1" fontAlgn="auto" latinLnBrk="0" hangingPunct="1">
+              <a:lnSpc>
+                <a:spcPct val="100000"/>
+              </a:lnSpc>
+              <a:spcBef>
+                <a:spcPts val="0"/>
+              </a:spcBef>
+              <a:spcAft>
+                <a:spcPts val="0"/>
+              </a:spcAft>
+              <a:buClrTx/>
+              <a:buSzTx/>
+              <a:buFontTx/>
+              <a:buNone/>
+              <a:tabLst/>
+              <a:defRPr/>
+            </a:pPr>
+            <a:endParaRPr kumimoji="0" lang="en-US" sz="1800" b="0" i="0" u="none" strike="noStrike" kern="1200" cap="none" spc="0" normalizeH="0" baseline="0" noProof="0">
+              <a:ln>
+                <a:noFill/>
+              </a:ln>
+              <a:solidFill>
+                <a:prstClr val="white"/>
+              </a:solidFill>
+              <a:effectLst/>
+              <a:uLnTx/>
+              <a:uFillTx/>
+              <a:latin typeface="Calibri" panose="020F0502020204030204"/>
+              <a:ea typeface="+mn-ea"/>
+              <a:cs typeface="+mn-cs"/>
+            </a:endParaRPr>
           </a:p>
         </p:txBody>
       </p:sp>
       <p:sp>
         <p:nvSpPr>
-          <p:cNvPr id="2" name="Title 1">
+          <p:cNvPr id="43" name="Rectangle 42">
             <a:extLst>
               <a:ext uri="{FF2B5EF4-FFF2-40B4-BE49-F238E27FC236}">
-                <a16:creationId xmlns:a16="http://schemas.microsoft.com/office/drawing/2014/main" id="{42C65421-30CF-AB53-F819-B16503C18059}"/>
-              </a:ext>
-            </a:extLst>
-          </p:cNvPr>
-          <p:cNvSpPr>
-            <a:spLocks noGrp="1"/>
-          </p:cNvSpPr>
-          <p:nvPr>
-            <p:ph type="title"/>
-          </p:nvPr>
-        </p:nvSpPr>
-        <p:spPr>
-          <a:xfrm>
-            <a:off x="838200" y="1195697"/>
-            <a:ext cx="3200400" cy="4238118"/>
-          </a:xfrm>
-        </p:spPr>
-        <p:txBody>
-          <a:bodyPr vert="horz" lIns="91440" tIns="45720" rIns="91440" bIns="45720" rtlCol="0" anchor="ctr">
-            <a:normAutofit/>
-          </a:bodyPr>
-          <a:lstStyle/>
-          <a:p>
-            <a:pPr marR="0"/>
-            <a:r>
-              <a:rPr lang="en-US" b="1" i="0" u="none" strike="noStrike" kern="1200" baseline="0">
-                <a:solidFill>
-                  <a:schemeClr val="bg1"/>
-                </a:solidFill>
-                <a:latin typeface="+mj-lt"/>
-                <a:ea typeface="+mj-ea"/>
-                <a:cs typeface="+mj-cs"/>
-              </a:rPr>
-              <a:t>Metrics for Unbalanced Data</a:t>
-            </a:r>
-            <a:endParaRPr lang="en-US" b="0" i="0" u="none" strike="noStrike" kern="1200" baseline="0">
-              <a:solidFill>
-                <a:schemeClr val="bg1"/>
-              </a:solidFill>
-              <a:latin typeface="+mj-lt"/>
-              <a:ea typeface="+mj-ea"/>
-              <a:cs typeface="+mj-cs"/>
-            </a:endParaRPr>
-          </a:p>
-        </p:txBody>
-      </p:sp>
-      <p:grpSp>
-        <p:nvGrpSpPr>
-          <p:cNvPr id="13" name="Graphic 38">
-            <a:extLst>
-              <a:ext uri="{FF2B5EF4-FFF2-40B4-BE49-F238E27FC236}">
-                <a16:creationId xmlns:a16="http://schemas.microsoft.com/office/drawing/2014/main" id="{7CF625D3-71A3-4F30-A096-8EF334E959D0}"/>
-              </a:ext>
-              <a:ext uri="{C183D7F6-B498-43B3-948B-1728B52AA6E4}">
-                <adec:decorative xmlns:adec="http://schemas.microsoft.com/office/drawing/2017/decorative" val="1"/>
-              </a:ext>
-            </a:extLst>
-          </p:cNvPr>
-          <p:cNvGrpSpPr>
-            <a:grpSpLocks noGrp="1" noUngrp="1" noRot="1" noChangeAspect="1" noMove="1" noResize="1"/>
-          </p:cNvGrpSpPr>
-          <p:nvPr>
-            <p:extLst>
-              <p:ext uri="{386F3935-93C4-4BCD-93E2-E3B085C9AB24}">
-                <p16:designElem xmlns:p16="http://schemas.microsoft.com/office/powerpoint/2015/main" val="1"/>
-              </p:ext>
-            </p:extLst>
-          </p:nvPr>
-        </p:nvGrpSpPr>
-        <p:grpSpPr>
-          <a:xfrm>
-            <a:off x="0" y="202912"/>
-            <a:ext cx="1910252" cy="709660"/>
-            <a:chOff x="2267504" y="2540250"/>
-            <a:chExt cx="1990951" cy="739640"/>
-          </a:xfrm>
-          <a:solidFill>
-            <a:schemeClr val="bg1"/>
-          </a:solidFill>
-        </p:grpSpPr>
-        <p:sp>
-          <p:nvSpPr>
-            <p:cNvPr id="14" name="Freeform: Shape 13">
-              <a:extLst>
-                <a:ext uri="{FF2B5EF4-FFF2-40B4-BE49-F238E27FC236}">
-                  <a16:creationId xmlns:a16="http://schemas.microsoft.com/office/drawing/2014/main" id="{C6754E2F-F56E-4BA3-99DD-8EBF110E3437}"/>
-                </a:ext>
-                <a:ext uri="{C183D7F6-B498-43B3-948B-1728B52AA6E4}">
-                  <adec:decorative xmlns:adec="http://schemas.microsoft.com/office/drawing/2017/decorative" val="1"/>
-                </a:ext>
-              </a:extLst>
-            </p:cNvPr>
-            <p:cNvSpPr/>
-            <p:nvPr>
-              <p:extLst>
-                <p:ext uri="{386F3935-93C4-4BCD-93E2-E3B085C9AB24}">
-                  <p16:designElem xmlns:p16="http://schemas.microsoft.com/office/powerpoint/2015/main" val="1"/>
-                </p:ext>
-              </p:extLst>
-            </p:nvPr>
-          </p:nvSpPr>
-          <p:spPr>
-            <a:xfrm>
-              <a:off x="2267504" y="2540250"/>
-              <a:ext cx="1990951" cy="286230"/>
-            </a:xfrm>
-            <a:custGeom>
-              <a:avLst/>
-              <a:gdLst>
-                <a:gd name="connsiteX0" fmla="*/ 1489414 w 1990951"/>
-                <a:gd name="connsiteY0" fmla="*/ 286231 h 286230"/>
-                <a:gd name="connsiteX1" fmla="*/ 1243712 w 1990951"/>
-                <a:gd name="connsiteY1" fmla="*/ 40528 h 286230"/>
-                <a:gd name="connsiteX2" fmla="*/ 995476 w 1990951"/>
-                <a:gd name="connsiteY2" fmla="*/ 286231 h 286230"/>
-                <a:gd name="connsiteX3" fmla="*/ 749773 w 1990951"/>
-                <a:gd name="connsiteY3" fmla="*/ 40528 h 286230"/>
-                <a:gd name="connsiteX4" fmla="*/ 504071 w 1990951"/>
-                <a:gd name="connsiteY4" fmla="*/ 286231 h 286230"/>
-                <a:gd name="connsiteX5" fmla="*/ 255835 w 1990951"/>
-                <a:gd name="connsiteY5" fmla="*/ 40528 h 286230"/>
-                <a:gd name="connsiteX6" fmla="*/ 20264 w 1990951"/>
-                <a:gd name="connsiteY6" fmla="*/ 276099 h 286230"/>
-                <a:gd name="connsiteX7" fmla="*/ 0 w 1990951"/>
-                <a:gd name="connsiteY7" fmla="*/ 255835 h 286230"/>
-                <a:gd name="connsiteX8" fmla="*/ 255835 w 1990951"/>
-                <a:gd name="connsiteY8" fmla="*/ 0 h 286230"/>
-                <a:gd name="connsiteX9" fmla="*/ 504071 w 1990951"/>
-                <a:gd name="connsiteY9" fmla="*/ 245703 h 286230"/>
-                <a:gd name="connsiteX10" fmla="*/ 749773 w 1990951"/>
-                <a:gd name="connsiteY10" fmla="*/ 0 h 286230"/>
-                <a:gd name="connsiteX11" fmla="*/ 995476 w 1990951"/>
-                <a:gd name="connsiteY11" fmla="*/ 245703 h 286230"/>
-                <a:gd name="connsiteX12" fmla="*/ 1243712 w 1990951"/>
-                <a:gd name="connsiteY12" fmla="*/ 0 h 286230"/>
-                <a:gd name="connsiteX13" fmla="*/ 1489414 w 1990951"/>
-                <a:gd name="connsiteY13" fmla="*/ 245703 h 286230"/>
-                <a:gd name="connsiteX14" fmla="*/ 1735117 w 1990951"/>
-                <a:gd name="connsiteY14" fmla="*/ 0 h 286230"/>
-                <a:gd name="connsiteX15" fmla="*/ 1990952 w 1990951"/>
-                <a:gd name="connsiteY15" fmla="*/ 255835 h 286230"/>
-                <a:gd name="connsiteX16" fmla="*/ 1973221 w 1990951"/>
-                <a:gd name="connsiteY16" fmla="*/ 276099 h 286230"/>
-                <a:gd name="connsiteX17" fmla="*/ 1735117 w 1990951"/>
-                <a:gd name="connsiteY17" fmla="*/ 40528 h 286230"/>
-              </a:gdLst>
-              <a:ahLst/>
-              <a:cxnLst>
-                <a:cxn ang="0">
-                  <a:pos x="connsiteX0" y="connsiteY0"/>
-                </a:cxn>
-                <a:cxn ang="0">
-                  <a:pos x="connsiteX1" y="connsiteY1"/>
-                </a:cxn>
-                <a:cxn ang="0">
-                  <a:pos x="connsiteX2" y="connsiteY2"/>
-                </a:cxn>
-                <a:cxn ang="0">
-                  <a:pos x="connsiteX3" y="connsiteY3"/>
-                </a:cxn>
-                <a:cxn ang="0">
-                  <a:pos x="connsiteX4" y="connsiteY4"/>
-                </a:cxn>
-                <a:cxn ang="0">
-                  <a:pos x="connsiteX5" y="connsiteY5"/>
-                </a:cxn>
-                <a:cxn ang="0">
-                  <a:pos x="connsiteX6" y="connsiteY6"/>
-                </a:cxn>
-                <a:cxn ang="0">
-                  <a:pos x="connsiteX7" y="connsiteY7"/>
-                </a:cxn>
-                <a:cxn ang="0">
-                  <a:pos x="connsiteX8" y="connsiteY8"/>
-                </a:cxn>
-                <a:cxn ang="0">
-                  <a:pos x="connsiteX9" y="connsiteY9"/>
-                </a:cxn>
-                <a:cxn ang="0">
-                  <a:pos x="connsiteX10" y="connsiteY10"/>
-                </a:cxn>
-                <a:cxn ang="0">
-                  <a:pos x="connsiteX11" y="connsiteY11"/>
-                </a:cxn>
-                <a:cxn ang="0">
-                  <a:pos x="connsiteX12" y="connsiteY12"/>
-                </a:cxn>
-                <a:cxn ang="0">
-                  <a:pos x="connsiteX13" y="connsiteY13"/>
-                </a:cxn>
-                <a:cxn ang="0">
-                  <a:pos x="connsiteX14" y="connsiteY14"/>
-                </a:cxn>
-                <a:cxn ang="0">
-                  <a:pos x="connsiteX15" y="connsiteY15"/>
-                </a:cxn>
-                <a:cxn ang="0">
-                  <a:pos x="connsiteX16" y="connsiteY16"/>
-                </a:cxn>
-                <a:cxn ang="0">
-                  <a:pos x="connsiteX17" y="connsiteY17"/>
-                </a:cxn>
-              </a:cxnLst>
-              <a:rect l="l" t="t" r="r" b="b"/>
-              <a:pathLst>
-                <a:path w="1990951" h="286230">
-                  <a:moveTo>
-                    <a:pt x="1489414" y="286231"/>
-                  </a:moveTo>
-                  <a:lnTo>
-                    <a:pt x="1243712" y="40528"/>
-                  </a:lnTo>
-                  <a:lnTo>
-                    <a:pt x="995476" y="286231"/>
-                  </a:lnTo>
-                  <a:lnTo>
-                    <a:pt x="749773" y="40528"/>
-                  </a:lnTo>
-                  <a:lnTo>
-                    <a:pt x="504071" y="286231"/>
-                  </a:lnTo>
-                  <a:lnTo>
-                    <a:pt x="255835" y="40528"/>
-                  </a:lnTo>
-                  <a:lnTo>
-                    <a:pt x="20264" y="276099"/>
-                  </a:lnTo>
-                  <a:lnTo>
-                    <a:pt x="0" y="255835"/>
-                  </a:lnTo>
-                  <a:lnTo>
-                    <a:pt x="255835" y="0"/>
-                  </a:lnTo>
-                  <a:lnTo>
-                    <a:pt x="504071" y="245703"/>
-                  </a:lnTo>
-                  <a:lnTo>
-                    <a:pt x="749773" y="0"/>
-                  </a:lnTo>
-                  <a:lnTo>
-                    <a:pt x="995476" y="245703"/>
-                  </a:lnTo>
-                  <a:lnTo>
-                    <a:pt x="1243712" y="0"/>
-                  </a:lnTo>
-                  <a:lnTo>
-                    <a:pt x="1489414" y="245703"/>
-                  </a:lnTo>
-                  <a:lnTo>
-                    <a:pt x="1735117" y="0"/>
-                  </a:lnTo>
-                  <a:lnTo>
-                    <a:pt x="1990952" y="255835"/>
-                  </a:lnTo>
-                  <a:lnTo>
-                    <a:pt x="1973221" y="276099"/>
-                  </a:lnTo>
-                  <a:lnTo>
-                    <a:pt x="1735117" y="40528"/>
-                  </a:lnTo>
-                  <a:close/>
-                </a:path>
-              </a:pathLst>
-            </a:custGeom>
-            <a:grpFill/>
-            <a:ln w="25320" cap="flat">
-              <a:noFill/>
-              <a:prstDash val="solid"/>
-              <a:miter/>
-            </a:ln>
-          </p:spPr>
-          <p:txBody>
-            <a:bodyPr rtlCol="0" anchor="ctr"/>
-            <a:lstStyle/>
-            <a:p>
-              <a:endParaRPr lang="en-US" dirty="0"/>
-            </a:p>
-          </p:txBody>
-        </p:sp>
-        <p:sp>
-          <p:nvSpPr>
-            <p:cNvPr id="15" name="Freeform: Shape 14">
-              <a:extLst>
-                <a:ext uri="{FF2B5EF4-FFF2-40B4-BE49-F238E27FC236}">
-                  <a16:creationId xmlns:a16="http://schemas.microsoft.com/office/drawing/2014/main" id="{24A69059-7C49-49C6-B071-F2A9B558E029}"/>
-                </a:ext>
-                <a:ext uri="{C183D7F6-B498-43B3-948B-1728B52AA6E4}">
-                  <adec:decorative xmlns:adec="http://schemas.microsoft.com/office/drawing/2017/decorative" val="1"/>
-                </a:ext>
-              </a:extLst>
-            </p:cNvPr>
-            <p:cNvSpPr/>
-            <p:nvPr>
-              <p:extLst>
-                <p:ext uri="{386F3935-93C4-4BCD-93E2-E3B085C9AB24}">
-                  <p16:designElem xmlns:p16="http://schemas.microsoft.com/office/powerpoint/2015/main" val="1"/>
-                </p:ext>
-              </p:extLst>
-            </p:nvPr>
-          </p:nvSpPr>
-          <p:spPr>
-            <a:xfrm>
-              <a:off x="2267504" y="2993660"/>
-              <a:ext cx="1990951" cy="286230"/>
-            </a:xfrm>
-            <a:custGeom>
-              <a:avLst/>
-              <a:gdLst>
-                <a:gd name="connsiteX0" fmla="*/ 1489414 w 1990951"/>
-                <a:gd name="connsiteY0" fmla="*/ 286231 h 286230"/>
-                <a:gd name="connsiteX1" fmla="*/ 1243712 w 1990951"/>
-                <a:gd name="connsiteY1" fmla="*/ 40528 h 286230"/>
-                <a:gd name="connsiteX2" fmla="*/ 995476 w 1990951"/>
-                <a:gd name="connsiteY2" fmla="*/ 286231 h 286230"/>
-                <a:gd name="connsiteX3" fmla="*/ 749773 w 1990951"/>
-                <a:gd name="connsiteY3" fmla="*/ 40528 h 286230"/>
-                <a:gd name="connsiteX4" fmla="*/ 504071 w 1990951"/>
-                <a:gd name="connsiteY4" fmla="*/ 286231 h 286230"/>
-                <a:gd name="connsiteX5" fmla="*/ 255835 w 1990951"/>
-                <a:gd name="connsiteY5" fmla="*/ 40528 h 286230"/>
-                <a:gd name="connsiteX6" fmla="*/ 20264 w 1990951"/>
-                <a:gd name="connsiteY6" fmla="*/ 276099 h 286230"/>
-                <a:gd name="connsiteX7" fmla="*/ 0 w 1990951"/>
-                <a:gd name="connsiteY7" fmla="*/ 258368 h 286230"/>
-                <a:gd name="connsiteX8" fmla="*/ 255835 w 1990951"/>
-                <a:gd name="connsiteY8" fmla="*/ 0 h 286230"/>
-                <a:gd name="connsiteX9" fmla="*/ 504071 w 1990951"/>
-                <a:gd name="connsiteY9" fmla="*/ 248236 h 286230"/>
-                <a:gd name="connsiteX10" fmla="*/ 749773 w 1990951"/>
-                <a:gd name="connsiteY10" fmla="*/ 0 h 286230"/>
-                <a:gd name="connsiteX11" fmla="*/ 995476 w 1990951"/>
-                <a:gd name="connsiteY11" fmla="*/ 248236 h 286230"/>
-                <a:gd name="connsiteX12" fmla="*/ 1243712 w 1990951"/>
-                <a:gd name="connsiteY12" fmla="*/ 0 h 286230"/>
-                <a:gd name="connsiteX13" fmla="*/ 1489414 w 1990951"/>
-                <a:gd name="connsiteY13" fmla="*/ 248236 h 286230"/>
-                <a:gd name="connsiteX14" fmla="*/ 1735117 w 1990951"/>
-                <a:gd name="connsiteY14" fmla="*/ 0 h 286230"/>
-                <a:gd name="connsiteX15" fmla="*/ 1990952 w 1990951"/>
-                <a:gd name="connsiteY15" fmla="*/ 258368 h 286230"/>
-                <a:gd name="connsiteX16" fmla="*/ 1973221 w 1990951"/>
-                <a:gd name="connsiteY16" fmla="*/ 276099 h 286230"/>
-                <a:gd name="connsiteX17" fmla="*/ 1735117 w 1990951"/>
-                <a:gd name="connsiteY17" fmla="*/ 40528 h 286230"/>
-              </a:gdLst>
-              <a:ahLst/>
-              <a:cxnLst>
-                <a:cxn ang="0">
-                  <a:pos x="connsiteX0" y="connsiteY0"/>
-                </a:cxn>
-                <a:cxn ang="0">
-                  <a:pos x="connsiteX1" y="connsiteY1"/>
-                </a:cxn>
-                <a:cxn ang="0">
-                  <a:pos x="connsiteX2" y="connsiteY2"/>
-                </a:cxn>
-                <a:cxn ang="0">
-                  <a:pos x="connsiteX3" y="connsiteY3"/>
-                </a:cxn>
-                <a:cxn ang="0">
-                  <a:pos x="connsiteX4" y="connsiteY4"/>
-                </a:cxn>
-                <a:cxn ang="0">
-                  <a:pos x="connsiteX5" y="connsiteY5"/>
-                </a:cxn>
-                <a:cxn ang="0">
-                  <a:pos x="connsiteX6" y="connsiteY6"/>
-                </a:cxn>
-                <a:cxn ang="0">
-                  <a:pos x="connsiteX7" y="connsiteY7"/>
-                </a:cxn>
-                <a:cxn ang="0">
-                  <a:pos x="connsiteX8" y="connsiteY8"/>
-                </a:cxn>
-                <a:cxn ang="0">
-                  <a:pos x="connsiteX9" y="connsiteY9"/>
-                </a:cxn>
-                <a:cxn ang="0">
-                  <a:pos x="connsiteX10" y="connsiteY10"/>
-                </a:cxn>
-                <a:cxn ang="0">
-                  <a:pos x="connsiteX11" y="connsiteY11"/>
-                </a:cxn>
-                <a:cxn ang="0">
-                  <a:pos x="connsiteX12" y="connsiteY12"/>
-                </a:cxn>
-                <a:cxn ang="0">
-                  <a:pos x="connsiteX13" y="connsiteY13"/>
-                </a:cxn>
-                <a:cxn ang="0">
-                  <a:pos x="connsiteX14" y="connsiteY14"/>
-                </a:cxn>
-                <a:cxn ang="0">
-                  <a:pos x="connsiteX15" y="connsiteY15"/>
-                </a:cxn>
-                <a:cxn ang="0">
-                  <a:pos x="connsiteX16" y="connsiteY16"/>
-                </a:cxn>
-                <a:cxn ang="0">
-                  <a:pos x="connsiteX17" y="connsiteY17"/>
-                </a:cxn>
-              </a:cxnLst>
-              <a:rect l="l" t="t" r="r" b="b"/>
-              <a:pathLst>
-                <a:path w="1990951" h="286230">
-                  <a:moveTo>
-                    <a:pt x="1489414" y="286231"/>
-                  </a:moveTo>
-                  <a:lnTo>
-                    <a:pt x="1243712" y="40528"/>
-                  </a:lnTo>
-                  <a:lnTo>
-                    <a:pt x="995476" y="286231"/>
-                  </a:lnTo>
-                  <a:lnTo>
-                    <a:pt x="749773" y="40528"/>
-                  </a:lnTo>
-                  <a:lnTo>
-                    <a:pt x="504071" y="286231"/>
-                  </a:lnTo>
-                  <a:lnTo>
-                    <a:pt x="255835" y="40528"/>
-                  </a:lnTo>
-                  <a:lnTo>
-                    <a:pt x="20264" y="276099"/>
-                  </a:lnTo>
-                  <a:lnTo>
-                    <a:pt x="0" y="258368"/>
-                  </a:lnTo>
-                  <a:lnTo>
-                    <a:pt x="255835" y="0"/>
-                  </a:lnTo>
-                  <a:lnTo>
-                    <a:pt x="504071" y="248236"/>
-                  </a:lnTo>
-                  <a:lnTo>
-                    <a:pt x="749773" y="0"/>
-                  </a:lnTo>
-                  <a:lnTo>
-                    <a:pt x="995476" y="248236"/>
-                  </a:lnTo>
-                  <a:lnTo>
-                    <a:pt x="1243712" y="0"/>
-                  </a:lnTo>
-                  <a:lnTo>
-                    <a:pt x="1489414" y="248236"/>
-                  </a:lnTo>
-                  <a:lnTo>
-                    <a:pt x="1735117" y="0"/>
-                  </a:lnTo>
-                  <a:lnTo>
-                    <a:pt x="1990952" y="258368"/>
-                  </a:lnTo>
-                  <a:lnTo>
-                    <a:pt x="1973221" y="276099"/>
-                  </a:lnTo>
-                  <a:lnTo>
-                    <a:pt x="1735117" y="40528"/>
-                  </a:lnTo>
-                  <a:close/>
-                </a:path>
-              </a:pathLst>
-            </a:custGeom>
-            <a:grpFill/>
-            <a:ln w="25320" cap="flat">
-              <a:noFill/>
-              <a:prstDash val="solid"/>
-              <a:miter/>
-            </a:ln>
-          </p:spPr>
-          <p:txBody>
-            <a:bodyPr rtlCol="0" anchor="ctr"/>
-            <a:lstStyle/>
-            <a:p>
-              <a:endParaRPr lang="en-US"/>
-            </a:p>
-          </p:txBody>
-        </p:sp>
-      </p:grpSp>
-      <p:sp>
-        <p:nvSpPr>
-          <p:cNvPr id="17" name="Oval 16">
-            <a:extLst>
-              <a:ext uri="{FF2B5EF4-FFF2-40B4-BE49-F238E27FC236}">
-                <a16:creationId xmlns:a16="http://schemas.microsoft.com/office/drawing/2014/main" id="{89D16701-DA76-4F72-BB63-E2C3FFBDFE0F}"/>
+                <a16:creationId xmlns:a16="http://schemas.microsoft.com/office/drawing/2014/main" id="{FB92FFCE-0C90-454E-AA25-D4EE9A6C39C5}"/>
               </a:ext>
               <a:ext uri="{C183D7F6-B498-43B3-948B-1728B52AA6E4}">
                 <adec:decorative xmlns:adec="http://schemas.microsoft.com/office/drawing/2017/decorative" val="1"/>
@@ -26633,20 +26271,19 @@
         </p:nvSpPr>
         <p:spPr>
           <a:xfrm>
-            <a:off x="406260" y="4752208"/>
-            <a:ext cx="365021" cy="365021"/>
+            <a:off x="659234" y="6163056"/>
+            <a:ext cx="3383280" cy="18288"/>
           </a:xfrm>
-          <a:prstGeom prst="ellipse">
+          <a:prstGeom prst="rect">
             <a:avLst/>
           </a:prstGeom>
           <a:solidFill>
-            <a:srgbClr val="FFFFFF"/>
+            <a:srgbClr val="D5D5D5"/>
           </a:solidFill>
-          <a:ln w="28575">
-            <a:solidFill>
-              <a:srgbClr val="FFFFFF"/>
-            </a:solidFill>
+          <a:ln w="3175">
+            <a:noFill/>
           </a:ln>
+          <a:effectLst/>
         </p:spPr>
         <p:style>
           <a:lnRef idx="2">
@@ -26665,1345 +26302,19 @@
           </a:fontRef>
         </p:style>
         <p:txBody>
-          <a:bodyPr rot="0" spcFirstLastPara="0" vertOverflow="overflow" horzOverflow="overflow" vert="horz" wrap="square" lIns="91440" tIns="45720" rIns="91440" bIns="45720" numCol="1" spcCol="0" rtlCol="0" fromWordArt="0" anchor="ctr" anchorCtr="0" forceAA="0" compatLnSpc="1">
-            <a:prstTxWarp prst="textNoShape">
-              <a:avLst/>
-            </a:prstTxWarp>
-            <a:noAutofit/>
-          </a:bodyPr>
+          <a:bodyPr rtlCol="0" anchor="ctr"/>
           <a:lstStyle/>
           <a:p>
             <a:pPr algn="ctr"/>
-            <a:endParaRPr lang="en-US"/>
+            <a:endParaRPr lang="en-US">
+              <a:solidFill>
+                <a:prstClr val="white"/>
+              </a:solidFill>
+              <a:latin typeface="Calibri" panose="020F0502020204030204"/>
+            </a:endParaRPr>
           </a:p>
         </p:txBody>
       </p:sp>
-      <p:sp>
-        <p:nvSpPr>
-          <p:cNvPr id="19" name="Oval 18">
-            <a:extLst>
-              <a:ext uri="{FF2B5EF4-FFF2-40B4-BE49-F238E27FC236}">
-                <a16:creationId xmlns:a16="http://schemas.microsoft.com/office/drawing/2014/main" id="{1CC28BE1-9DC6-43FE-9582-39F091098D77}"/>
-              </a:ext>
-              <a:ext uri="{C183D7F6-B498-43B3-948B-1728B52AA6E4}">
-                <adec:decorative xmlns:adec="http://schemas.microsoft.com/office/drawing/2017/decorative" val="1"/>
-              </a:ext>
-            </a:extLst>
-          </p:cNvPr>
-          <p:cNvSpPr>
-            <a:spLocks noGrp="1" noRot="1" noChangeAspect="1" noMove="1" noResize="1" noEditPoints="1" noAdjustHandles="1" noChangeArrowheads="1" noChangeShapeType="1" noTextEdit="1"/>
-          </p:cNvSpPr>
-          <p:nvPr>
-            <p:extLst>
-              <p:ext uri="{386F3935-93C4-4BCD-93E2-E3B085C9AB24}">
-                <p16:designElem xmlns:p16="http://schemas.microsoft.com/office/powerpoint/2015/main" val="1"/>
-              </p:ext>
-            </p:extLst>
-          </p:nvPr>
-        </p:nvSpPr>
-        <p:spPr>
-          <a:xfrm>
-            <a:off x="406260" y="4752208"/>
-            <a:ext cx="365021" cy="365021"/>
-          </a:xfrm>
-          <a:prstGeom prst="ellipse">
-            <a:avLst/>
-          </a:prstGeom>
-          <a:solidFill>
-            <a:schemeClr val="accent6">
-              <a:alpha val="30000"/>
-            </a:schemeClr>
-          </a:solidFill>
-          <a:ln w="28575">
-            <a:solidFill>
-              <a:schemeClr val="bg1"/>
-            </a:solidFill>
-          </a:ln>
-        </p:spPr>
-        <p:style>
-          <a:lnRef idx="2">
-            <a:schemeClr val="accent1">
-              <a:shade val="50000"/>
-            </a:schemeClr>
-          </a:lnRef>
-          <a:fillRef idx="1">
-            <a:schemeClr val="accent1"/>
-          </a:fillRef>
-          <a:effectRef idx="0">
-            <a:schemeClr val="accent1"/>
-          </a:effectRef>
-          <a:fontRef idx="minor">
-            <a:schemeClr val="lt1"/>
-          </a:fontRef>
-        </p:style>
-        <p:txBody>
-          <a:bodyPr rot="0" spcFirstLastPara="0" vertOverflow="overflow" horzOverflow="overflow" vert="horz" wrap="square" lIns="91440" tIns="45720" rIns="91440" bIns="45720" numCol="1" spcCol="0" rtlCol="0" fromWordArt="0" anchor="ctr" anchorCtr="0" forceAA="0" compatLnSpc="1">
-            <a:prstTxWarp prst="textNoShape">
-              <a:avLst/>
-            </a:prstTxWarp>
-            <a:noAutofit/>
-          </a:bodyPr>
-          <a:lstStyle/>
-          <a:p>
-            <a:pPr algn="ctr"/>
-            <a:endParaRPr lang="en-US"/>
-          </a:p>
-        </p:txBody>
-      </p:sp>
-      <p:grpSp>
-        <p:nvGrpSpPr>
-          <p:cNvPr id="21" name="Graphic 4">
-            <a:extLst>
-              <a:ext uri="{FF2B5EF4-FFF2-40B4-BE49-F238E27FC236}">
-                <a16:creationId xmlns:a16="http://schemas.microsoft.com/office/drawing/2014/main" id="{AF9AF3F3-CE0C-4125-BDD7-346487FA0B40}"/>
-              </a:ext>
-              <a:ext uri="{C183D7F6-B498-43B3-948B-1728B52AA6E4}">
-                <adec:decorative xmlns:adec="http://schemas.microsoft.com/office/drawing/2017/decorative" val="1"/>
-              </a:ext>
-            </a:extLst>
-          </p:cNvPr>
-          <p:cNvGrpSpPr>
-            <a:grpSpLocks noGrp="1" noUngrp="1" noRot="1" noChangeAspect="1" noMove="1" noResize="1"/>
-          </p:cNvGrpSpPr>
-          <p:nvPr>
-            <p:extLst>
-              <p:ext uri="{386F3935-93C4-4BCD-93E2-E3B085C9AB24}">
-                <p16:designElem xmlns:p16="http://schemas.microsoft.com/office/powerpoint/2015/main" val="1"/>
-              </p:ext>
-            </p:extLst>
-          </p:nvPr>
-        </p:nvGrpSpPr>
-        <p:grpSpPr>
-          <a:xfrm>
-            <a:off x="4109667" y="5539935"/>
-            <a:ext cx="975169" cy="975171"/>
-            <a:chOff x="5829300" y="3162300"/>
-            <a:chExt cx="532256" cy="532257"/>
-          </a:xfrm>
-          <a:solidFill>
-            <a:schemeClr val="bg1"/>
-          </a:solidFill>
-        </p:grpSpPr>
-        <p:sp>
-          <p:nvSpPr>
-            <p:cNvPr id="22" name="Freeform: Shape 21">
-              <a:extLst>
-                <a:ext uri="{FF2B5EF4-FFF2-40B4-BE49-F238E27FC236}">
-                  <a16:creationId xmlns:a16="http://schemas.microsoft.com/office/drawing/2014/main" id="{B31DFBFA-CF4D-4940-9086-26F83E5C6BB2}"/>
-                </a:ext>
-                <a:ext uri="{C183D7F6-B498-43B3-948B-1728B52AA6E4}">
-                  <adec:decorative xmlns:adec="http://schemas.microsoft.com/office/drawing/2017/decorative" val="1"/>
-                </a:ext>
-              </a:extLst>
-            </p:cNvPr>
-            <p:cNvSpPr/>
-            <p:nvPr>
-              <p:extLst>
-                <p:ext uri="{386F3935-93C4-4BCD-93E2-E3B085C9AB24}">
-                  <p16:designElem xmlns:p16="http://schemas.microsoft.com/office/powerpoint/2015/main" val="1"/>
-                </p:ext>
-              </p:extLst>
-            </p:nvPr>
-          </p:nvSpPr>
-          <p:spPr>
-            <a:xfrm>
-              <a:off x="5859208" y="3192208"/>
-              <a:ext cx="112966" cy="112966"/>
-            </a:xfrm>
-            <a:custGeom>
-              <a:avLst/>
-              <a:gdLst>
-                <a:gd name="connsiteX0" fmla="*/ 112967 w 112966"/>
-                <a:gd name="connsiteY0" fmla="*/ 0 h 112966"/>
-                <a:gd name="connsiteX1" fmla="*/ 0 w 112966"/>
-                <a:gd name="connsiteY1" fmla="*/ 112967 h 112966"/>
-                <a:gd name="connsiteX2" fmla="*/ 112967 w 112966"/>
-                <a:gd name="connsiteY2" fmla="*/ 0 h 112966"/>
-              </a:gdLst>
-              <a:ahLst/>
-              <a:cxnLst>
-                <a:cxn ang="0">
-                  <a:pos x="connsiteX0" y="connsiteY0"/>
-                </a:cxn>
-                <a:cxn ang="0">
-                  <a:pos x="connsiteX1" y="connsiteY1"/>
-                </a:cxn>
-                <a:cxn ang="0">
-                  <a:pos x="connsiteX2" y="connsiteY2"/>
-                </a:cxn>
-              </a:cxnLst>
-              <a:rect l="l" t="t" r="r" b="b"/>
-              <a:pathLst>
-                <a:path w="112966" h="112966">
-                  <a:moveTo>
-                    <a:pt x="112967" y="0"/>
-                  </a:moveTo>
-                  <a:lnTo>
-                    <a:pt x="0" y="112967"/>
-                  </a:lnTo>
-                  <a:cubicBezTo>
-                    <a:pt x="25356" y="64747"/>
-                    <a:pt x="64747" y="25356"/>
-                    <a:pt x="112967" y="0"/>
-                  </a:cubicBezTo>
-                  <a:close/>
-                </a:path>
-              </a:pathLst>
-            </a:custGeom>
-            <a:grpFill/>
-            <a:ln w="9525" cap="flat">
-              <a:noFill/>
-              <a:prstDash val="solid"/>
-              <a:miter/>
-            </a:ln>
-          </p:spPr>
-          <p:txBody>
-            <a:bodyPr rtlCol="0" anchor="ctr"/>
-            <a:lstStyle/>
-            <a:p>
-              <a:endParaRPr lang="en-US"/>
-            </a:p>
-          </p:txBody>
-        </p:sp>
-        <p:sp>
-          <p:nvSpPr>
-            <p:cNvPr id="23" name="Freeform: Shape 22">
-              <a:extLst>
-                <a:ext uri="{FF2B5EF4-FFF2-40B4-BE49-F238E27FC236}">
-                  <a16:creationId xmlns:a16="http://schemas.microsoft.com/office/drawing/2014/main" id="{27854033-BD20-4C77-8C5B-048F4B3BDD06}"/>
-                </a:ext>
-                <a:ext uri="{C183D7F6-B498-43B3-948B-1728B52AA6E4}">
-                  <adec:decorative xmlns:adec="http://schemas.microsoft.com/office/drawing/2017/decorative" val="1"/>
-                </a:ext>
-              </a:extLst>
-            </p:cNvPr>
-            <p:cNvSpPr/>
-            <p:nvPr>
-              <p:extLst>
-                <p:ext uri="{386F3935-93C4-4BCD-93E2-E3B085C9AB24}">
-                  <p16:designElem xmlns:p16="http://schemas.microsoft.com/office/powerpoint/2015/main" val="1"/>
-                </p:ext>
-              </p:extLst>
-            </p:nvPr>
-          </p:nvSpPr>
-          <p:spPr>
-            <a:xfrm>
-              <a:off x="5831205" y="3164205"/>
-              <a:ext cx="230314" cy="230314"/>
-            </a:xfrm>
-            <a:custGeom>
-              <a:avLst/>
-              <a:gdLst>
-                <a:gd name="connsiteX0" fmla="*/ 230314 w 230314"/>
-                <a:gd name="connsiteY0" fmla="*/ 0 h 230314"/>
-                <a:gd name="connsiteX1" fmla="*/ 0 w 230314"/>
-                <a:gd name="connsiteY1" fmla="*/ 230314 h 230314"/>
-                <a:gd name="connsiteX2" fmla="*/ 3524 w 230314"/>
-                <a:gd name="connsiteY2" fmla="*/ 209550 h 230314"/>
-                <a:gd name="connsiteX3" fmla="*/ 209550 w 230314"/>
-                <a:gd name="connsiteY3" fmla="*/ 3524 h 230314"/>
-                <a:gd name="connsiteX4" fmla="*/ 230314 w 230314"/>
-                <a:gd name="connsiteY4" fmla="*/ 0 h 230314"/>
-              </a:gdLst>
-              <a:ahLst/>
-              <a:cxnLst>
-                <a:cxn ang="0">
-                  <a:pos x="connsiteX0" y="connsiteY0"/>
-                </a:cxn>
-                <a:cxn ang="0">
-                  <a:pos x="connsiteX1" y="connsiteY1"/>
-                </a:cxn>
-                <a:cxn ang="0">
-                  <a:pos x="connsiteX2" y="connsiteY2"/>
-                </a:cxn>
-                <a:cxn ang="0">
-                  <a:pos x="connsiteX3" y="connsiteY3"/>
-                </a:cxn>
-                <a:cxn ang="0">
-                  <a:pos x="connsiteX4" y="connsiteY4"/>
-                </a:cxn>
-              </a:cxnLst>
-              <a:rect l="l" t="t" r="r" b="b"/>
-              <a:pathLst>
-                <a:path w="230314" h="230314">
-                  <a:moveTo>
-                    <a:pt x="230314" y="0"/>
-                  </a:moveTo>
-                  <a:lnTo>
-                    <a:pt x="0" y="230314"/>
-                  </a:lnTo>
-                  <a:cubicBezTo>
-                    <a:pt x="953" y="223361"/>
-                    <a:pt x="2095" y="216408"/>
-                    <a:pt x="3524" y="209550"/>
-                  </a:cubicBezTo>
-                  <a:lnTo>
-                    <a:pt x="209550" y="3524"/>
-                  </a:lnTo>
-                  <a:cubicBezTo>
-                    <a:pt x="216408" y="2095"/>
-                    <a:pt x="223361" y="953"/>
-                    <a:pt x="230314" y="0"/>
-                  </a:cubicBezTo>
-                  <a:close/>
-                </a:path>
-              </a:pathLst>
-            </a:custGeom>
-            <a:grpFill/>
-            <a:ln w="9525" cap="flat">
-              <a:noFill/>
-              <a:prstDash val="solid"/>
-              <a:miter/>
-            </a:ln>
-          </p:spPr>
-          <p:txBody>
-            <a:bodyPr rtlCol="0" anchor="ctr"/>
-            <a:lstStyle/>
-            <a:p>
-              <a:endParaRPr lang="en-US"/>
-            </a:p>
-          </p:txBody>
-        </p:sp>
-        <p:sp>
-          <p:nvSpPr>
-            <p:cNvPr id="24" name="Freeform: Shape 23">
-              <a:extLst>
-                <a:ext uri="{FF2B5EF4-FFF2-40B4-BE49-F238E27FC236}">
-                  <a16:creationId xmlns:a16="http://schemas.microsoft.com/office/drawing/2014/main" id="{BC93AA74-BEB3-444F-835B-7AA6ECE61784}"/>
-                </a:ext>
-                <a:ext uri="{C183D7F6-B498-43B3-948B-1728B52AA6E4}">
-                  <adec:decorative xmlns:adec="http://schemas.microsoft.com/office/drawing/2017/decorative" val="1"/>
-                </a:ext>
-              </a:extLst>
-            </p:cNvPr>
-            <p:cNvSpPr/>
-            <p:nvPr>
-              <p:extLst>
-                <p:ext uri="{386F3935-93C4-4BCD-93E2-E3B085C9AB24}">
-                  <p16:designElem xmlns:p16="http://schemas.microsoft.com/office/powerpoint/2015/main" val="1"/>
-                </p:ext>
-              </p:extLst>
-            </p:nvPr>
-          </p:nvSpPr>
-          <p:spPr>
-            <a:xfrm>
-              <a:off x="5829300" y="3162300"/>
-              <a:ext cx="294131" cy="294131"/>
-            </a:xfrm>
-            <a:custGeom>
-              <a:avLst/>
-              <a:gdLst>
-                <a:gd name="connsiteX0" fmla="*/ 294132 w 294131"/>
-                <a:gd name="connsiteY0" fmla="*/ 1238 h 294131"/>
-                <a:gd name="connsiteX1" fmla="*/ 1238 w 294131"/>
-                <a:gd name="connsiteY1" fmla="*/ 294132 h 294131"/>
-                <a:gd name="connsiteX2" fmla="*/ 0 w 294131"/>
-                <a:gd name="connsiteY2" fmla="*/ 278225 h 294131"/>
-                <a:gd name="connsiteX3" fmla="*/ 278225 w 294131"/>
-                <a:gd name="connsiteY3" fmla="*/ 0 h 294131"/>
-                <a:gd name="connsiteX4" fmla="*/ 294132 w 294131"/>
-                <a:gd name="connsiteY4" fmla="*/ 1238 h 294131"/>
-              </a:gdLst>
-              <a:ahLst/>
-              <a:cxnLst>
-                <a:cxn ang="0">
-                  <a:pos x="connsiteX0" y="connsiteY0"/>
-                </a:cxn>
-                <a:cxn ang="0">
-                  <a:pos x="connsiteX1" y="connsiteY1"/>
-                </a:cxn>
-                <a:cxn ang="0">
-                  <a:pos x="connsiteX2" y="connsiteY2"/>
-                </a:cxn>
-                <a:cxn ang="0">
-                  <a:pos x="connsiteX3" y="connsiteY3"/>
-                </a:cxn>
-                <a:cxn ang="0">
-                  <a:pos x="connsiteX4" y="connsiteY4"/>
-                </a:cxn>
-              </a:cxnLst>
-              <a:rect l="l" t="t" r="r" b="b"/>
-              <a:pathLst>
-                <a:path w="294131" h="294131">
-                  <a:moveTo>
-                    <a:pt x="294132" y="1238"/>
-                  </a:moveTo>
-                  <a:lnTo>
-                    <a:pt x="1238" y="294132"/>
-                  </a:lnTo>
-                  <a:cubicBezTo>
-                    <a:pt x="667" y="288893"/>
-                    <a:pt x="0" y="283559"/>
-                    <a:pt x="0" y="278225"/>
-                  </a:cubicBezTo>
-                  <a:lnTo>
-                    <a:pt x="278225" y="0"/>
-                  </a:lnTo>
-                  <a:cubicBezTo>
-                    <a:pt x="283559" y="0"/>
-                    <a:pt x="288893" y="667"/>
-                    <a:pt x="294132" y="1238"/>
-                  </a:cubicBezTo>
-                  <a:close/>
-                </a:path>
-              </a:pathLst>
-            </a:custGeom>
-            <a:grpFill/>
-            <a:ln w="9525" cap="flat">
-              <a:noFill/>
-              <a:prstDash val="solid"/>
-              <a:miter/>
-            </a:ln>
-          </p:spPr>
-          <p:txBody>
-            <a:bodyPr rtlCol="0" anchor="ctr"/>
-            <a:lstStyle/>
-            <a:p>
-              <a:endParaRPr lang="en-US"/>
-            </a:p>
-          </p:txBody>
-        </p:sp>
-        <p:sp>
-          <p:nvSpPr>
-            <p:cNvPr id="25" name="Freeform: Shape 24">
-              <a:extLst>
-                <a:ext uri="{FF2B5EF4-FFF2-40B4-BE49-F238E27FC236}">
-                  <a16:creationId xmlns:a16="http://schemas.microsoft.com/office/drawing/2014/main" id="{F00DF1C9-6952-4704-B8B3-95406E18E4C5}"/>
-                </a:ext>
-                <a:ext uri="{C183D7F6-B498-43B3-948B-1728B52AA6E4}">
-                  <adec:decorative xmlns:adec="http://schemas.microsoft.com/office/drawing/2017/decorative" val="1"/>
-                </a:ext>
-              </a:extLst>
-            </p:cNvPr>
-            <p:cNvSpPr/>
-            <p:nvPr>
-              <p:extLst>
-                <p:ext uri="{386F3935-93C4-4BCD-93E2-E3B085C9AB24}">
-                  <p16:designElem xmlns:p16="http://schemas.microsoft.com/office/powerpoint/2015/main" val="1"/>
-                </p:ext>
-              </p:extLst>
-            </p:nvPr>
-          </p:nvSpPr>
-          <p:spPr>
-            <a:xfrm>
-              <a:off x="5837205" y="3170110"/>
-              <a:ext cx="337184" cy="337280"/>
-            </a:xfrm>
-            <a:custGeom>
-              <a:avLst/>
-              <a:gdLst>
-                <a:gd name="connsiteX0" fmla="*/ 337185 w 337184"/>
-                <a:gd name="connsiteY0" fmla="*/ 3905 h 337280"/>
-                <a:gd name="connsiteX1" fmla="*/ 3810 w 337184"/>
-                <a:gd name="connsiteY1" fmla="*/ 337280 h 337280"/>
-                <a:gd name="connsiteX2" fmla="*/ 0 w 337184"/>
-                <a:gd name="connsiteY2" fmla="*/ 323850 h 337280"/>
-                <a:gd name="connsiteX3" fmla="*/ 323850 w 337184"/>
-                <a:gd name="connsiteY3" fmla="*/ 0 h 337280"/>
-                <a:gd name="connsiteX4" fmla="*/ 337185 w 337184"/>
-                <a:gd name="connsiteY4" fmla="*/ 3905 h 337280"/>
-              </a:gdLst>
-              <a:ahLst/>
-              <a:cxnLst>
-                <a:cxn ang="0">
-                  <a:pos x="connsiteX0" y="connsiteY0"/>
-                </a:cxn>
-                <a:cxn ang="0">
-                  <a:pos x="connsiteX1" y="connsiteY1"/>
-                </a:cxn>
-                <a:cxn ang="0">
-                  <a:pos x="connsiteX2" y="connsiteY2"/>
-                </a:cxn>
-                <a:cxn ang="0">
-                  <a:pos x="connsiteX3" y="connsiteY3"/>
-                </a:cxn>
-                <a:cxn ang="0">
-                  <a:pos x="connsiteX4" y="connsiteY4"/>
-                </a:cxn>
-              </a:cxnLst>
-              <a:rect l="l" t="t" r="r" b="b"/>
-              <a:pathLst>
-                <a:path w="337184" h="337280">
-                  <a:moveTo>
-                    <a:pt x="337185" y="3905"/>
-                  </a:moveTo>
-                  <a:lnTo>
-                    <a:pt x="3810" y="337280"/>
-                  </a:lnTo>
-                  <a:cubicBezTo>
-                    <a:pt x="2381" y="332899"/>
-                    <a:pt x="1143" y="328422"/>
-                    <a:pt x="0" y="323850"/>
-                  </a:cubicBezTo>
-                  <a:lnTo>
-                    <a:pt x="323850" y="0"/>
-                  </a:lnTo>
-                  <a:cubicBezTo>
-                    <a:pt x="328327" y="1715"/>
-                    <a:pt x="332804" y="2477"/>
-                    <a:pt x="337185" y="3905"/>
-                  </a:cubicBezTo>
-                  <a:close/>
-                </a:path>
-              </a:pathLst>
-            </a:custGeom>
-            <a:grpFill/>
-            <a:ln w="9525" cap="flat">
-              <a:noFill/>
-              <a:prstDash val="solid"/>
-              <a:miter/>
-            </a:ln>
-          </p:spPr>
-          <p:txBody>
-            <a:bodyPr rtlCol="0" anchor="ctr"/>
-            <a:lstStyle/>
-            <a:p>
-              <a:endParaRPr lang="en-US"/>
-            </a:p>
-          </p:txBody>
-        </p:sp>
-        <p:sp>
-          <p:nvSpPr>
-            <p:cNvPr id="26" name="Freeform: Shape 25">
-              <a:extLst>
-                <a:ext uri="{FF2B5EF4-FFF2-40B4-BE49-F238E27FC236}">
-                  <a16:creationId xmlns:a16="http://schemas.microsoft.com/office/drawing/2014/main" id="{B34783FD-297C-40D2-964B-DBAE4DE28357}"/>
-                </a:ext>
-                <a:ext uri="{C183D7F6-B498-43B3-948B-1728B52AA6E4}">
-                  <adec:decorative xmlns:adec="http://schemas.microsoft.com/office/drawing/2017/decorative" val="1"/>
-                </a:ext>
-              </a:extLst>
-            </p:cNvPr>
-            <p:cNvSpPr/>
-            <p:nvPr>
-              <p:extLst>
-                <p:ext uri="{386F3935-93C4-4BCD-93E2-E3B085C9AB24}">
-                  <p16:designElem xmlns:p16="http://schemas.microsoft.com/office/powerpoint/2015/main" val="1"/>
-                </p:ext>
-              </p:extLst>
-            </p:nvPr>
-          </p:nvSpPr>
-          <p:spPr>
-            <a:xfrm>
-              <a:off x="5853207" y="3186207"/>
-              <a:ext cx="364617" cy="364617"/>
-            </a:xfrm>
-            <a:custGeom>
-              <a:avLst/>
-              <a:gdLst>
-                <a:gd name="connsiteX0" fmla="*/ 364617 w 364617"/>
-                <a:gd name="connsiteY0" fmla="*/ 5620 h 364617"/>
-                <a:gd name="connsiteX1" fmla="*/ 5620 w 364617"/>
-                <a:gd name="connsiteY1" fmla="*/ 364617 h 364617"/>
-                <a:gd name="connsiteX2" fmla="*/ 0 w 364617"/>
-                <a:gd name="connsiteY2" fmla="*/ 353187 h 364617"/>
-                <a:gd name="connsiteX3" fmla="*/ 353187 w 364617"/>
-                <a:gd name="connsiteY3" fmla="*/ 0 h 364617"/>
-                <a:gd name="connsiteX4" fmla="*/ 364617 w 364617"/>
-                <a:gd name="connsiteY4" fmla="*/ 5620 h 364617"/>
-              </a:gdLst>
-              <a:ahLst/>
-              <a:cxnLst>
-                <a:cxn ang="0">
-                  <a:pos x="connsiteX0" y="connsiteY0"/>
-                </a:cxn>
-                <a:cxn ang="0">
-                  <a:pos x="connsiteX1" y="connsiteY1"/>
-                </a:cxn>
-                <a:cxn ang="0">
-                  <a:pos x="connsiteX2" y="connsiteY2"/>
-                </a:cxn>
-                <a:cxn ang="0">
-                  <a:pos x="connsiteX3" y="connsiteY3"/>
-                </a:cxn>
-                <a:cxn ang="0">
-                  <a:pos x="connsiteX4" y="connsiteY4"/>
-                </a:cxn>
-              </a:cxnLst>
-              <a:rect l="l" t="t" r="r" b="b"/>
-              <a:pathLst>
-                <a:path w="364617" h="364617">
-                  <a:moveTo>
-                    <a:pt x="364617" y="5620"/>
-                  </a:moveTo>
-                  <a:lnTo>
-                    <a:pt x="5620" y="364617"/>
-                  </a:lnTo>
-                  <a:cubicBezTo>
-                    <a:pt x="3620" y="360902"/>
-                    <a:pt x="1715" y="357092"/>
-                    <a:pt x="0" y="353187"/>
-                  </a:cubicBezTo>
-                  <a:lnTo>
-                    <a:pt x="353187" y="0"/>
-                  </a:lnTo>
-                  <a:cubicBezTo>
-                    <a:pt x="357092" y="1715"/>
-                    <a:pt x="360902" y="3715"/>
-                    <a:pt x="364617" y="5620"/>
-                  </a:cubicBezTo>
-                  <a:close/>
-                </a:path>
-              </a:pathLst>
-            </a:custGeom>
-            <a:grpFill/>
-            <a:ln w="9525" cap="flat">
-              <a:noFill/>
-              <a:prstDash val="solid"/>
-              <a:miter/>
-            </a:ln>
-          </p:spPr>
-          <p:txBody>
-            <a:bodyPr rtlCol="0" anchor="ctr"/>
-            <a:lstStyle/>
-            <a:p>
-              <a:endParaRPr lang="en-US"/>
-            </a:p>
-          </p:txBody>
-        </p:sp>
-        <p:sp>
-          <p:nvSpPr>
-            <p:cNvPr id="27" name="Freeform: Shape 26">
-              <a:extLst>
-                <a:ext uri="{FF2B5EF4-FFF2-40B4-BE49-F238E27FC236}">
-                  <a16:creationId xmlns:a16="http://schemas.microsoft.com/office/drawing/2014/main" id="{DE621623-0357-4FD5-A1AC-400501025957}"/>
-                </a:ext>
-                <a:ext uri="{C183D7F6-B498-43B3-948B-1728B52AA6E4}">
-                  <adec:decorative xmlns:adec="http://schemas.microsoft.com/office/drawing/2017/decorative" val="1"/>
-                </a:ext>
-              </a:extLst>
-            </p:cNvPr>
-            <p:cNvSpPr/>
-            <p:nvPr>
-              <p:extLst>
-                <p:ext uri="{386F3935-93C4-4BCD-93E2-E3B085C9AB24}">
-                  <p16:designElem xmlns:p16="http://schemas.microsoft.com/office/powerpoint/2015/main" val="1"/>
-                </p:ext>
-              </p:extLst>
-            </p:nvPr>
-          </p:nvSpPr>
-          <p:spPr>
-            <a:xfrm>
-              <a:off x="5875305" y="3208305"/>
-              <a:ext cx="380238" cy="380238"/>
-            </a:xfrm>
-            <a:custGeom>
-              <a:avLst/>
-              <a:gdLst>
-                <a:gd name="connsiteX0" fmla="*/ 380238 w 380238"/>
-                <a:gd name="connsiteY0" fmla="*/ 7239 h 380238"/>
-                <a:gd name="connsiteX1" fmla="*/ 7239 w 380238"/>
-                <a:gd name="connsiteY1" fmla="*/ 380238 h 380238"/>
-                <a:gd name="connsiteX2" fmla="*/ 0 w 380238"/>
-                <a:gd name="connsiteY2" fmla="*/ 370713 h 380238"/>
-                <a:gd name="connsiteX3" fmla="*/ 370237 w 380238"/>
-                <a:gd name="connsiteY3" fmla="*/ 0 h 380238"/>
-                <a:gd name="connsiteX4" fmla="*/ 380238 w 380238"/>
-                <a:gd name="connsiteY4" fmla="*/ 7239 h 380238"/>
-              </a:gdLst>
-              <a:ahLst/>
-              <a:cxnLst>
-                <a:cxn ang="0">
-                  <a:pos x="connsiteX0" y="connsiteY0"/>
-                </a:cxn>
-                <a:cxn ang="0">
-                  <a:pos x="connsiteX1" y="connsiteY1"/>
-                </a:cxn>
-                <a:cxn ang="0">
-                  <a:pos x="connsiteX2" y="connsiteY2"/>
-                </a:cxn>
-                <a:cxn ang="0">
-                  <a:pos x="connsiteX3" y="connsiteY3"/>
-                </a:cxn>
-                <a:cxn ang="0">
-                  <a:pos x="connsiteX4" y="connsiteY4"/>
-                </a:cxn>
-              </a:cxnLst>
-              <a:rect l="l" t="t" r="r" b="b"/>
-              <a:pathLst>
-                <a:path w="380238" h="380238">
-                  <a:moveTo>
-                    <a:pt x="380238" y="7239"/>
-                  </a:moveTo>
-                  <a:lnTo>
-                    <a:pt x="7239" y="380238"/>
-                  </a:lnTo>
-                  <a:cubicBezTo>
-                    <a:pt x="4763" y="377000"/>
-                    <a:pt x="2381" y="373571"/>
-                    <a:pt x="0" y="370713"/>
-                  </a:cubicBezTo>
-                  <a:lnTo>
-                    <a:pt x="370237" y="0"/>
-                  </a:lnTo>
-                  <a:cubicBezTo>
-                    <a:pt x="373571" y="2381"/>
-                    <a:pt x="377000" y="4763"/>
-                    <a:pt x="380238" y="7239"/>
-                  </a:cubicBezTo>
-                  <a:close/>
-                </a:path>
-              </a:pathLst>
-            </a:custGeom>
-            <a:grpFill/>
-            <a:ln w="9525" cap="flat">
-              <a:noFill/>
-              <a:prstDash val="solid"/>
-              <a:miter/>
-            </a:ln>
-          </p:spPr>
-          <p:txBody>
-            <a:bodyPr rtlCol="0" anchor="ctr"/>
-            <a:lstStyle/>
-            <a:p>
-              <a:endParaRPr lang="en-US"/>
-            </a:p>
-          </p:txBody>
-        </p:sp>
-        <p:sp>
-          <p:nvSpPr>
-            <p:cNvPr id="28" name="Freeform: Shape 27">
-              <a:extLst>
-                <a:ext uri="{FF2B5EF4-FFF2-40B4-BE49-F238E27FC236}">
-                  <a16:creationId xmlns:a16="http://schemas.microsoft.com/office/drawing/2014/main" id="{024F346E-10A0-458F-A9CA-8C0079472F9F}"/>
-                </a:ext>
-                <a:ext uri="{C183D7F6-B498-43B3-948B-1728B52AA6E4}">
-                  <adec:decorative xmlns:adec="http://schemas.microsoft.com/office/drawing/2017/decorative" val="1"/>
-                </a:ext>
-              </a:extLst>
-            </p:cNvPr>
-            <p:cNvSpPr/>
-            <p:nvPr>
-              <p:extLst>
-                <p:ext uri="{386F3935-93C4-4BCD-93E2-E3B085C9AB24}">
-                  <p16:designElem xmlns:p16="http://schemas.microsoft.com/office/powerpoint/2015/main" val="1"/>
-                </p:ext>
-              </p:extLst>
-            </p:nvPr>
-          </p:nvSpPr>
-          <p:spPr>
-            <a:xfrm>
-              <a:off x="5902832" y="3235832"/>
-              <a:ext cx="385191" cy="385191"/>
-            </a:xfrm>
-            <a:custGeom>
-              <a:avLst/>
-              <a:gdLst>
-                <a:gd name="connsiteX0" fmla="*/ 380905 w 385191"/>
-                <a:gd name="connsiteY0" fmla="*/ 4286 h 385191"/>
-                <a:gd name="connsiteX1" fmla="*/ 385191 w 385191"/>
-                <a:gd name="connsiteY1" fmla="*/ 8573 h 385191"/>
-                <a:gd name="connsiteX2" fmla="*/ 8573 w 385191"/>
-                <a:gd name="connsiteY2" fmla="*/ 385191 h 385191"/>
-                <a:gd name="connsiteX3" fmla="*/ 4286 w 385191"/>
-                <a:gd name="connsiteY3" fmla="*/ 380905 h 385191"/>
-                <a:gd name="connsiteX4" fmla="*/ 0 w 385191"/>
-                <a:gd name="connsiteY4" fmla="*/ 376523 h 385191"/>
-                <a:gd name="connsiteX5" fmla="*/ 376523 w 385191"/>
-                <a:gd name="connsiteY5" fmla="*/ 0 h 385191"/>
-                <a:gd name="connsiteX6" fmla="*/ 380905 w 385191"/>
-                <a:gd name="connsiteY6" fmla="*/ 4286 h 385191"/>
-              </a:gdLst>
-              <a:ahLst/>
-              <a:cxnLst>
-                <a:cxn ang="0">
-                  <a:pos x="connsiteX0" y="connsiteY0"/>
-                </a:cxn>
-                <a:cxn ang="0">
-                  <a:pos x="connsiteX1" y="connsiteY1"/>
-                </a:cxn>
-                <a:cxn ang="0">
-                  <a:pos x="connsiteX2" y="connsiteY2"/>
-                </a:cxn>
-                <a:cxn ang="0">
-                  <a:pos x="connsiteX3" y="connsiteY3"/>
-                </a:cxn>
-                <a:cxn ang="0">
-                  <a:pos x="connsiteX4" y="connsiteY4"/>
-                </a:cxn>
-                <a:cxn ang="0">
-                  <a:pos x="connsiteX5" y="connsiteY5"/>
-                </a:cxn>
-                <a:cxn ang="0">
-                  <a:pos x="connsiteX6" y="connsiteY6"/>
-                </a:cxn>
-              </a:cxnLst>
-              <a:rect l="l" t="t" r="r" b="b"/>
-              <a:pathLst>
-                <a:path w="385191" h="385191">
-                  <a:moveTo>
-                    <a:pt x="380905" y="4286"/>
-                  </a:moveTo>
-                  <a:lnTo>
-                    <a:pt x="385191" y="8573"/>
-                  </a:lnTo>
-                  <a:lnTo>
-                    <a:pt x="8573" y="385191"/>
-                  </a:lnTo>
-                  <a:lnTo>
-                    <a:pt x="4286" y="380905"/>
-                  </a:lnTo>
-                  <a:cubicBezTo>
-                    <a:pt x="2762" y="379476"/>
-                    <a:pt x="1334" y="377952"/>
-                    <a:pt x="0" y="376523"/>
-                  </a:cubicBezTo>
-                  <a:lnTo>
-                    <a:pt x="376523" y="0"/>
-                  </a:lnTo>
-                  <a:cubicBezTo>
-                    <a:pt x="377952" y="1334"/>
-                    <a:pt x="379476" y="2667"/>
-                    <a:pt x="380905" y="4286"/>
-                  </a:cubicBezTo>
-                  <a:close/>
-                </a:path>
-              </a:pathLst>
-            </a:custGeom>
-            <a:grpFill/>
-            <a:ln w="9525" cap="flat">
-              <a:noFill/>
-              <a:prstDash val="solid"/>
-              <a:miter/>
-            </a:ln>
-          </p:spPr>
-          <p:txBody>
-            <a:bodyPr rtlCol="0" anchor="ctr"/>
-            <a:lstStyle/>
-            <a:p>
-              <a:endParaRPr lang="en-US"/>
-            </a:p>
-          </p:txBody>
-        </p:sp>
-        <p:sp>
-          <p:nvSpPr>
-            <p:cNvPr id="29" name="Freeform: Shape 28">
-              <a:extLst>
-                <a:ext uri="{FF2B5EF4-FFF2-40B4-BE49-F238E27FC236}">
-                  <a16:creationId xmlns:a16="http://schemas.microsoft.com/office/drawing/2014/main" id="{7937A2F7-01A9-47F3-BED6-B61D998408AC}"/>
-                </a:ext>
-                <a:ext uri="{C183D7F6-B498-43B3-948B-1728B52AA6E4}">
-                  <adec:decorative xmlns:adec="http://schemas.microsoft.com/office/drawing/2017/decorative" val="1"/>
-                </a:ext>
-              </a:extLst>
-            </p:cNvPr>
-            <p:cNvSpPr/>
-            <p:nvPr>
-              <p:extLst>
-                <p:ext uri="{386F3935-93C4-4BCD-93E2-E3B085C9AB24}">
-                  <p16:designElem xmlns:p16="http://schemas.microsoft.com/office/powerpoint/2015/main" val="1"/>
-                </p:ext>
-              </p:extLst>
-            </p:nvPr>
-          </p:nvSpPr>
-          <p:spPr>
-            <a:xfrm>
-              <a:off x="5935789" y="3268313"/>
-              <a:ext cx="379761" cy="380237"/>
-            </a:xfrm>
-            <a:custGeom>
-              <a:avLst/>
-              <a:gdLst>
-                <a:gd name="connsiteX0" fmla="*/ 372428 w 379761"/>
-                <a:gd name="connsiteY0" fmla="*/ 0 h 380237"/>
-                <a:gd name="connsiteX1" fmla="*/ 379762 w 379761"/>
-                <a:gd name="connsiteY1" fmla="*/ 9525 h 380237"/>
-                <a:gd name="connsiteX2" fmla="*/ 9525 w 379761"/>
-                <a:gd name="connsiteY2" fmla="*/ 380238 h 380237"/>
-                <a:gd name="connsiteX3" fmla="*/ 0 w 379761"/>
-                <a:gd name="connsiteY3" fmla="*/ 372904 h 380237"/>
-              </a:gdLst>
-              <a:ahLst/>
-              <a:cxnLst>
-                <a:cxn ang="0">
-                  <a:pos x="connsiteX0" y="connsiteY0"/>
-                </a:cxn>
-                <a:cxn ang="0">
-                  <a:pos x="connsiteX1" y="connsiteY1"/>
-                </a:cxn>
-                <a:cxn ang="0">
-                  <a:pos x="connsiteX2" y="connsiteY2"/>
-                </a:cxn>
-                <a:cxn ang="0">
-                  <a:pos x="connsiteX3" y="connsiteY3"/>
-                </a:cxn>
-              </a:cxnLst>
-              <a:rect l="l" t="t" r="r" b="b"/>
-              <a:pathLst>
-                <a:path w="379761" h="380237">
-                  <a:moveTo>
-                    <a:pt x="372428" y="0"/>
-                  </a:moveTo>
-                  <a:cubicBezTo>
-                    <a:pt x="374999" y="3239"/>
-                    <a:pt x="377381" y="6572"/>
-                    <a:pt x="379762" y="9525"/>
-                  </a:cubicBezTo>
-                  <a:lnTo>
-                    <a:pt x="9525" y="380238"/>
-                  </a:lnTo>
-                  <a:cubicBezTo>
-                    <a:pt x="6096" y="377857"/>
-                    <a:pt x="2762" y="375476"/>
-                    <a:pt x="0" y="372904"/>
-                  </a:cubicBezTo>
-                  <a:close/>
-                </a:path>
-              </a:pathLst>
-            </a:custGeom>
-            <a:grpFill/>
-            <a:ln w="9525" cap="flat">
-              <a:noFill/>
-              <a:prstDash val="solid"/>
-              <a:miter/>
-            </a:ln>
-          </p:spPr>
-          <p:txBody>
-            <a:bodyPr rtlCol="0" anchor="ctr"/>
-            <a:lstStyle/>
-            <a:p>
-              <a:endParaRPr lang="en-US"/>
-            </a:p>
-          </p:txBody>
-        </p:sp>
-        <p:sp>
-          <p:nvSpPr>
-            <p:cNvPr id="30" name="Freeform: Shape 29">
-              <a:extLst>
-                <a:ext uri="{FF2B5EF4-FFF2-40B4-BE49-F238E27FC236}">
-                  <a16:creationId xmlns:a16="http://schemas.microsoft.com/office/drawing/2014/main" id="{5B44DAF8-5073-441A-82E1-180385D35F23}"/>
-                </a:ext>
-                <a:ext uri="{C183D7F6-B498-43B3-948B-1728B52AA6E4}">
-                  <adec:decorative xmlns:adec="http://schemas.microsoft.com/office/drawing/2017/decorative" val="1"/>
-                </a:ext>
-              </a:extLst>
-            </p:cNvPr>
-            <p:cNvSpPr/>
-            <p:nvPr>
-              <p:extLst>
-                <p:ext uri="{386F3935-93C4-4BCD-93E2-E3B085C9AB24}">
-                  <p16:designElem xmlns:p16="http://schemas.microsoft.com/office/powerpoint/2015/main" val="1"/>
-                </p:ext>
-              </p:extLst>
-            </p:nvPr>
-          </p:nvSpPr>
-          <p:spPr>
-            <a:xfrm>
-              <a:off x="5972841" y="3305841"/>
-              <a:ext cx="364807" cy="364807"/>
-            </a:xfrm>
-            <a:custGeom>
-              <a:avLst/>
-              <a:gdLst>
-                <a:gd name="connsiteX0" fmla="*/ 359188 w 364807"/>
-                <a:gd name="connsiteY0" fmla="*/ 0 h 364807"/>
-                <a:gd name="connsiteX1" fmla="*/ 364808 w 364807"/>
-                <a:gd name="connsiteY1" fmla="*/ 11621 h 364807"/>
-                <a:gd name="connsiteX2" fmla="*/ 11621 w 364807"/>
-                <a:gd name="connsiteY2" fmla="*/ 364808 h 364807"/>
-                <a:gd name="connsiteX3" fmla="*/ 0 w 364807"/>
-                <a:gd name="connsiteY3" fmla="*/ 359188 h 364807"/>
-              </a:gdLst>
-              <a:ahLst/>
-              <a:cxnLst>
-                <a:cxn ang="0">
-                  <a:pos x="connsiteX0" y="connsiteY0"/>
-                </a:cxn>
-                <a:cxn ang="0">
-                  <a:pos x="connsiteX1" y="connsiteY1"/>
-                </a:cxn>
-                <a:cxn ang="0">
-                  <a:pos x="connsiteX2" y="connsiteY2"/>
-                </a:cxn>
-                <a:cxn ang="0">
-                  <a:pos x="connsiteX3" y="connsiteY3"/>
-                </a:cxn>
-              </a:cxnLst>
-              <a:rect l="l" t="t" r="r" b="b"/>
-              <a:pathLst>
-                <a:path w="364807" h="364807">
-                  <a:moveTo>
-                    <a:pt x="359188" y="0"/>
-                  </a:moveTo>
-                  <a:cubicBezTo>
-                    <a:pt x="361188" y="3905"/>
-                    <a:pt x="362998" y="7715"/>
-                    <a:pt x="364808" y="11621"/>
-                  </a:cubicBezTo>
-                  <a:lnTo>
-                    <a:pt x="11621" y="364808"/>
-                  </a:lnTo>
-                  <a:cubicBezTo>
-                    <a:pt x="7715" y="362998"/>
-                    <a:pt x="3905" y="361188"/>
-                    <a:pt x="0" y="359188"/>
-                  </a:cubicBezTo>
-                  <a:close/>
-                </a:path>
-              </a:pathLst>
-            </a:custGeom>
-            <a:grpFill/>
-            <a:ln w="9525" cap="flat">
-              <a:noFill/>
-              <a:prstDash val="solid"/>
-              <a:miter/>
-            </a:ln>
-          </p:spPr>
-          <p:txBody>
-            <a:bodyPr rtlCol="0" anchor="ctr"/>
-            <a:lstStyle/>
-            <a:p>
-              <a:endParaRPr lang="en-US"/>
-            </a:p>
-          </p:txBody>
-        </p:sp>
-        <p:sp>
-          <p:nvSpPr>
-            <p:cNvPr id="31" name="Freeform: Shape 30">
-              <a:extLst>
-                <a:ext uri="{FF2B5EF4-FFF2-40B4-BE49-F238E27FC236}">
-                  <a16:creationId xmlns:a16="http://schemas.microsoft.com/office/drawing/2014/main" id="{52B0413D-0E36-4A90-8E6A-9EDC676A607B}"/>
-                </a:ext>
-                <a:ext uri="{C183D7F6-B498-43B3-948B-1728B52AA6E4}">
-                  <adec:decorative xmlns:adec="http://schemas.microsoft.com/office/drawing/2017/decorative" val="1"/>
-                </a:ext>
-              </a:extLst>
-            </p:cNvPr>
-            <p:cNvSpPr/>
-            <p:nvPr>
-              <p:extLst>
-                <p:ext uri="{386F3935-93C4-4BCD-93E2-E3B085C9AB24}">
-                  <p16:designElem xmlns:p16="http://schemas.microsoft.com/office/powerpoint/2015/main" val="1"/>
-                </p:ext>
-              </p:extLst>
-            </p:nvPr>
-          </p:nvSpPr>
-          <p:spPr>
-            <a:xfrm>
-              <a:off x="6016370" y="3349466"/>
-              <a:ext cx="337280" cy="337280"/>
-            </a:xfrm>
-            <a:custGeom>
-              <a:avLst/>
-              <a:gdLst>
-                <a:gd name="connsiteX0" fmla="*/ 333470 w 337280"/>
-                <a:gd name="connsiteY0" fmla="*/ 0 h 337280"/>
-                <a:gd name="connsiteX1" fmla="*/ 337280 w 337280"/>
-                <a:gd name="connsiteY1" fmla="*/ 13430 h 337280"/>
-                <a:gd name="connsiteX2" fmla="*/ 13430 w 337280"/>
-                <a:gd name="connsiteY2" fmla="*/ 337280 h 337280"/>
-                <a:gd name="connsiteX3" fmla="*/ 0 w 337280"/>
-                <a:gd name="connsiteY3" fmla="*/ 333470 h 337280"/>
-              </a:gdLst>
-              <a:ahLst/>
-              <a:cxnLst>
-                <a:cxn ang="0">
-                  <a:pos x="connsiteX0" y="connsiteY0"/>
-                </a:cxn>
-                <a:cxn ang="0">
-                  <a:pos x="connsiteX1" y="connsiteY1"/>
-                </a:cxn>
-                <a:cxn ang="0">
-                  <a:pos x="connsiteX2" y="connsiteY2"/>
-                </a:cxn>
-                <a:cxn ang="0">
-                  <a:pos x="connsiteX3" y="connsiteY3"/>
-                </a:cxn>
-              </a:cxnLst>
-              <a:rect l="l" t="t" r="r" b="b"/>
-              <a:pathLst>
-                <a:path w="337280" h="337280">
-                  <a:moveTo>
-                    <a:pt x="333470" y="0"/>
-                  </a:moveTo>
-                  <a:cubicBezTo>
-                    <a:pt x="334899" y="4382"/>
-                    <a:pt x="336137" y="8858"/>
-                    <a:pt x="337280" y="13430"/>
-                  </a:cubicBezTo>
-                  <a:lnTo>
-                    <a:pt x="13430" y="337280"/>
-                  </a:lnTo>
-                  <a:cubicBezTo>
-                    <a:pt x="8858" y="336137"/>
-                    <a:pt x="4382" y="334899"/>
-                    <a:pt x="0" y="333470"/>
-                  </a:cubicBezTo>
-                  <a:close/>
-                </a:path>
-              </a:pathLst>
-            </a:custGeom>
-            <a:grpFill/>
-            <a:ln w="9525" cap="flat">
-              <a:noFill/>
-              <a:prstDash val="solid"/>
-              <a:miter/>
-            </a:ln>
-          </p:spPr>
-          <p:txBody>
-            <a:bodyPr rtlCol="0" anchor="ctr"/>
-            <a:lstStyle/>
-            <a:p>
-              <a:endParaRPr lang="en-US"/>
-            </a:p>
-          </p:txBody>
-        </p:sp>
-        <p:sp>
-          <p:nvSpPr>
-            <p:cNvPr id="32" name="Freeform: Shape 31">
-              <a:extLst>
-                <a:ext uri="{FF2B5EF4-FFF2-40B4-BE49-F238E27FC236}">
-                  <a16:creationId xmlns:a16="http://schemas.microsoft.com/office/drawing/2014/main" id="{86059ECF-0D50-48AD-B67A-645EC29D3366}"/>
-                </a:ext>
-                <a:ext uri="{C183D7F6-B498-43B3-948B-1728B52AA6E4}">
-                  <adec:decorative xmlns:adec="http://schemas.microsoft.com/office/drawing/2017/decorative" val="1"/>
-                </a:ext>
-              </a:extLst>
-            </p:cNvPr>
-            <p:cNvSpPr/>
-            <p:nvPr>
-              <p:extLst>
-                <p:ext uri="{386F3935-93C4-4BCD-93E2-E3B085C9AB24}">
-                  <p16:designElem xmlns:p16="http://schemas.microsoft.com/office/powerpoint/2015/main" val="1"/>
-                </p:ext>
-              </p:extLst>
-            </p:nvPr>
-          </p:nvSpPr>
-          <p:spPr>
-            <a:xfrm>
-              <a:off x="6067329" y="3400425"/>
-              <a:ext cx="294227" cy="294132"/>
-            </a:xfrm>
-            <a:custGeom>
-              <a:avLst/>
-              <a:gdLst>
-                <a:gd name="connsiteX0" fmla="*/ 292989 w 294227"/>
-                <a:gd name="connsiteY0" fmla="*/ 0 h 294132"/>
-                <a:gd name="connsiteX1" fmla="*/ 294227 w 294227"/>
-                <a:gd name="connsiteY1" fmla="*/ 15907 h 294132"/>
-                <a:gd name="connsiteX2" fmla="*/ 15907 w 294227"/>
-                <a:gd name="connsiteY2" fmla="*/ 294132 h 294132"/>
-                <a:gd name="connsiteX3" fmla="*/ 0 w 294227"/>
-                <a:gd name="connsiteY3" fmla="*/ 292894 h 294132"/>
-              </a:gdLst>
-              <a:ahLst/>
-              <a:cxnLst>
-                <a:cxn ang="0">
-                  <a:pos x="connsiteX0" y="connsiteY0"/>
-                </a:cxn>
-                <a:cxn ang="0">
-                  <a:pos x="connsiteX1" y="connsiteY1"/>
-                </a:cxn>
-                <a:cxn ang="0">
-                  <a:pos x="connsiteX2" y="connsiteY2"/>
-                </a:cxn>
-                <a:cxn ang="0">
-                  <a:pos x="connsiteX3" y="connsiteY3"/>
-                </a:cxn>
-              </a:cxnLst>
-              <a:rect l="l" t="t" r="r" b="b"/>
-              <a:pathLst>
-                <a:path w="294227" h="294132">
-                  <a:moveTo>
-                    <a:pt x="292989" y="0"/>
-                  </a:moveTo>
-                  <a:cubicBezTo>
-                    <a:pt x="293561" y="5334"/>
-                    <a:pt x="293942" y="10668"/>
-                    <a:pt x="294227" y="15907"/>
-                  </a:cubicBezTo>
-                  <a:lnTo>
-                    <a:pt x="15907" y="294132"/>
-                  </a:lnTo>
-                  <a:cubicBezTo>
-                    <a:pt x="10668" y="294132"/>
-                    <a:pt x="5334" y="293465"/>
-                    <a:pt x="0" y="292894"/>
-                  </a:cubicBezTo>
-                  <a:close/>
-                </a:path>
-              </a:pathLst>
-            </a:custGeom>
-            <a:grpFill/>
-            <a:ln w="9525" cap="flat">
-              <a:noFill/>
-              <a:prstDash val="solid"/>
-              <a:miter/>
-            </a:ln>
-          </p:spPr>
-          <p:txBody>
-            <a:bodyPr rtlCol="0" anchor="ctr"/>
-            <a:lstStyle/>
-            <a:p>
-              <a:endParaRPr lang="en-US"/>
-            </a:p>
-          </p:txBody>
-        </p:sp>
-        <p:sp>
-          <p:nvSpPr>
-            <p:cNvPr id="33" name="Freeform: Shape 32">
-              <a:extLst>
-                <a:ext uri="{FF2B5EF4-FFF2-40B4-BE49-F238E27FC236}">
-                  <a16:creationId xmlns:a16="http://schemas.microsoft.com/office/drawing/2014/main" id="{B394906F-6BF2-447E-9886-F12708E12896}"/>
-                </a:ext>
-                <a:ext uri="{C183D7F6-B498-43B3-948B-1728B52AA6E4}">
-                  <adec:decorative xmlns:adec="http://schemas.microsoft.com/office/drawing/2017/decorative" val="1"/>
-                </a:ext>
-              </a:extLst>
-            </p:cNvPr>
-            <p:cNvSpPr/>
-            <p:nvPr>
-              <p:extLst>
-                <p:ext uri="{386F3935-93C4-4BCD-93E2-E3B085C9AB24}">
-                  <p16:designElem xmlns:p16="http://schemas.microsoft.com/office/powerpoint/2015/main" val="1"/>
-                </p:ext>
-              </p:extLst>
-            </p:nvPr>
-          </p:nvSpPr>
-          <p:spPr>
-            <a:xfrm>
-              <a:off x="6129337" y="3462337"/>
-              <a:ext cx="230314" cy="230314"/>
-            </a:xfrm>
-            <a:custGeom>
-              <a:avLst/>
-              <a:gdLst>
-                <a:gd name="connsiteX0" fmla="*/ 230315 w 230314"/>
-                <a:gd name="connsiteY0" fmla="*/ 0 h 230314"/>
-                <a:gd name="connsiteX1" fmla="*/ 226886 w 230314"/>
-                <a:gd name="connsiteY1" fmla="*/ 20574 h 230314"/>
-                <a:gd name="connsiteX2" fmla="*/ 20669 w 230314"/>
-                <a:gd name="connsiteY2" fmla="*/ 226790 h 230314"/>
-                <a:gd name="connsiteX3" fmla="*/ 0 w 230314"/>
-                <a:gd name="connsiteY3" fmla="*/ 230315 h 230314"/>
-              </a:gdLst>
-              <a:ahLst/>
-              <a:cxnLst>
-                <a:cxn ang="0">
-                  <a:pos x="connsiteX0" y="connsiteY0"/>
-                </a:cxn>
-                <a:cxn ang="0">
-                  <a:pos x="connsiteX1" y="connsiteY1"/>
-                </a:cxn>
-                <a:cxn ang="0">
-                  <a:pos x="connsiteX2" y="connsiteY2"/>
-                </a:cxn>
-                <a:cxn ang="0">
-                  <a:pos x="connsiteX3" y="connsiteY3"/>
-                </a:cxn>
-              </a:cxnLst>
-              <a:rect l="l" t="t" r="r" b="b"/>
-              <a:pathLst>
-                <a:path w="230314" h="230314">
-                  <a:moveTo>
-                    <a:pt x="230315" y="0"/>
-                  </a:moveTo>
-                  <a:cubicBezTo>
-                    <a:pt x="229457" y="6953"/>
-                    <a:pt x="228314" y="13716"/>
-                    <a:pt x="226886" y="20574"/>
-                  </a:cubicBezTo>
-                  <a:lnTo>
-                    <a:pt x="20669" y="226790"/>
-                  </a:lnTo>
-                  <a:cubicBezTo>
-                    <a:pt x="13811" y="228314"/>
-                    <a:pt x="6953" y="229457"/>
-                    <a:pt x="0" y="230315"/>
-                  </a:cubicBezTo>
-                  <a:close/>
-                </a:path>
-              </a:pathLst>
-            </a:custGeom>
-            <a:grpFill/>
-            <a:ln w="9525" cap="flat">
-              <a:noFill/>
-              <a:prstDash val="solid"/>
-              <a:miter/>
-            </a:ln>
-          </p:spPr>
-          <p:txBody>
-            <a:bodyPr rtlCol="0" anchor="ctr"/>
-            <a:lstStyle/>
-            <a:p>
-              <a:endParaRPr lang="en-US"/>
-            </a:p>
-          </p:txBody>
-        </p:sp>
-        <p:sp>
-          <p:nvSpPr>
-            <p:cNvPr id="34" name="Freeform: Shape 33">
-              <a:extLst>
-                <a:ext uri="{FF2B5EF4-FFF2-40B4-BE49-F238E27FC236}">
-                  <a16:creationId xmlns:a16="http://schemas.microsoft.com/office/drawing/2014/main" id="{A45EB96B-215A-4EBF-A594-2B082223393E}"/>
-                </a:ext>
-                <a:ext uri="{C183D7F6-B498-43B3-948B-1728B52AA6E4}">
-                  <adec:decorative xmlns:adec="http://schemas.microsoft.com/office/drawing/2017/decorative" val="1"/>
-                </a:ext>
-              </a:extLst>
-            </p:cNvPr>
-            <p:cNvSpPr/>
-            <p:nvPr>
-              <p:extLst>
-                <p:ext uri="{386F3935-93C4-4BCD-93E2-E3B085C9AB24}">
-                  <p16:designElem xmlns:p16="http://schemas.microsoft.com/office/powerpoint/2015/main" val="1"/>
-                </p:ext>
-              </p:extLst>
-            </p:nvPr>
-          </p:nvSpPr>
-          <p:spPr>
-            <a:xfrm>
-              <a:off x="6218682" y="3551682"/>
-              <a:ext cx="112871" cy="112871"/>
-            </a:xfrm>
-            <a:custGeom>
-              <a:avLst/>
-              <a:gdLst>
-                <a:gd name="connsiteX0" fmla="*/ 112871 w 112871"/>
-                <a:gd name="connsiteY0" fmla="*/ 0 h 112871"/>
-                <a:gd name="connsiteX1" fmla="*/ 0 w 112871"/>
-                <a:gd name="connsiteY1" fmla="*/ 112871 h 112871"/>
-              </a:gdLst>
-              <a:ahLst/>
-              <a:cxnLst>
-                <a:cxn ang="0">
-                  <a:pos x="connsiteX0" y="connsiteY0"/>
-                </a:cxn>
-                <a:cxn ang="0">
-                  <a:pos x="connsiteX1" y="connsiteY1"/>
-                </a:cxn>
-              </a:cxnLst>
-              <a:rect l="l" t="t" r="r" b="b"/>
-              <a:pathLst>
-                <a:path w="112871" h="112871">
-                  <a:moveTo>
-                    <a:pt x="112871" y="0"/>
-                  </a:moveTo>
-                  <a:cubicBezTo>
-                    <a:pt x="87618" y="48239"/>
-                    <a:pt x="48239" y="87618"/>
-                    <a:pt x="0" y="112871"/>
-                  </a:cubicBezTo>
-                  <a:close/>
-                </a:path>
-              </a:pathLst>
-            </a:custGeom>
-            <a:grpFill/>
-            <a:ln w="9525" cap="flat">
-              <a:noFill/>
-              <a:prstDash val="solid"/>
-              <a:miter/>
-            </a:ln>
-          </p:spPr>
-          <p:txBody>
-            <a:bodyPr rtlCol="0" anchor="ctr"/>
-            <a:lstStyle/>
-            <a:p>
-              <a:endParaRPr lang="en-US" dirty="0"/>
-            </a:p>
-          </p:txBody>
-        </p:sp>
-      </p:grpSp>
       <p:graphicFrame>
         <p:nvGraphicFramePr>
           <p:cNvPr id="20" name="Text Placeholder 2">
@@ -28017,14 +26328,14 @@
           <p:nvPr>
             <p:extLst>
               <p:ext uri="{D42A27DB-BD31-4B8C-83A1-F6EECF244321}">
-                <p14:modId xmlns:p14="http://schemas.microsoft.com/office/powerpoint/2010/main" val="2404845046"/>
+                <p14:modId xmlns:p14="http://schemas.microsoft.com/office/powerpoint/2010/main" val="4104852898"/>
               </p:ext>
             </p:extLst>
           </p:nvPr>
         </p:nvGraphicFramePr>
         <p:xfrm>
-          <a:off x="5484139" y="477540"/>
-          <a:ext cx="6301601" cy="5878809"/>
+          <a:off x="4549514" y="621792"/>
+          <a:ext cx="6807333" cy="5541264"/>
         </p:xfrm>
         <a:graphic>
           <a:graphicData uri="http://schemas.openxmlformats.org/drawingml/2006/diagram">
@@ -28347,7 +26658,7 @@
           <a:p>
             <a:pPr marR="0" lvl="0"/>
             <a:r>
-              <a:rPr lang="en-US" sz="1700" b="1" i="0" u="none" strike="noStrike" baseline="0">
+              <a:rPr lang="en-US" sz="1700" b="1" i="0" u="none" strike="noStrike" baseline="0" dirty="0">
                 <a:solidFill>
                   <a:schemeClr val="tx1">
                     <a:alpha val="80000"/>
@@ -28357,20 +26668,20 @@
               <a:t>Predictive Model:</a:t>
             </a:r>
             <a:r>
-              <a:rPr lang="en-US" sz="1700" b="0" i="0" u="none" strike="noStrike" baseline="0">
+              <a:rPr lang="en-US" sz="1700" b="0" i="0" u="none" strike="noStrike" baseline="0" dirty="0">
                 <a:solidFill>
                   <a:schemeClr val="tx1">
                     <a:alpha val="80000"/>
                   </a:schemeClr>
                 </a:solidFill>
               </a:rPr>
-              <a:t> Our model accurately predicts transaction completeness based on customer and transaction attributes.</a:t>
+              <a:t> Our model predicts transaction completeness based on customer and transaction attributes.</a:t>
             </a:r>
           </a:p>
           <a:p>
             <a:pPr marR="0" lvl="0"/>
             <a:r>
-              <a:rPr lang="en-US" sz="1700" b="0" i="0" u="none" strike="noStrike" baseline="0">
+              <a:rPr lang="en-US" sz="1700" b="0" i="0" u="none" strike="noStrike" baseline="0" dirty="0">
                 <a:solidFill>
                   <a:schemeClr val="tx1">
                     <a:alpha val="80000"/>
@@ -28383,7 +26694,7 @@
           <a:p>
             <a:pPr marR="0" lvl="0"/>
             <a:r>
-              <a:rPr lang="en-US" sz="1700" b="1" i="0" u="none" strike="noStrike" baseline="0">
+              <a:rPr lang="en-US" sz="1700" b="1" i="0" u="none" strike="noStrike" baseline="0" dirty="0">
                 <a:solidFill>
                   <a:schemeClr val="tx1">
                     <a:alpha val="80000"/>
@@ -28396,7 +26707,7 @@
           <a:p>
             <a:pPr marR="0" lvl="1"/>
             <a:r>
-              <a:rPr lang="en-US" sz="1700" b="0" i="0" u="none" strike="noStrike" baseline="0">
+              <a:rPr lang="en-US" sz="1700" b="0" i="0" u="none" strike="noStrike" baseline="0" dirty="0">
                 <a:solidFill>
                   <a:schemeClr val="tx1">
                     <a:alpha val="80000"/>
@@ -28409,7 +26720,7 @@
           <a:p>
             <a:pPr marR="0" lvl="1"/>
             <a:r>
-              <a:rPr lang="en-US" sz="1700" b="0" i="0" u="none" strike="noStrike" baseline="0">
+              <a:rPr lang="en-US" sz="1700" b="0" i="0" u="none" strike="noStrike" baseline="0" dirty="0">
                 <a:solidFill>
                   <a:schemeClr val="tx1">
                     <a:alpha val="80000"/>
@@ -28422,7 +26733,7 @@
           <a:p>
             <a:pPr marR="0" lvl="1"/>
             <a:r>
-              <a:rPr lang="en-US" sz="1700" b="0" i="0" u="none" strike="noStrike" baseline="0">
+              <a:rPr lang="en-US" sz="1700" b="0" i="0" u="none" strike="noStrike" baseline="0" dirty="0">
                 <a:solidFill>
                   <a:schemeClr val="tx1">
                     <a:alpha val="80000"/>
@@ -28435,7 +26746,7 @@
           <a:p>
             <a:pPr marR="0" lvl="1"/>
             <a:r>
-              <a:rPr lang="en-US" sz="1700" b="0" i="0" u="none" strike="noStrike" baseline="0">
+              <a:rPr lang="en-US" sz="1700" b="0" i="0" u="none" strike="noStrike" baseline="0" dirty="0">
                 <a:solidFill>
                   <a:schemeClr val="tx1">
                     <a:alpha val="80000"/>
@@ -29241,21 +27552,21 @@
           <a:p>
             <a:pPr marR="0" lvl="0"/>
             <a:r>
-              <a:rPr lang="en-US" sz="2000" b="0" i="0" u="none" strike="noStrike" baseline="0"/>
-              <a:t>Low precision (52%) may lead to incorrectly informing customers of incomplete transactions.</a:t>
+              <a:rPr lang="en-US" sz="2000" b="0" i="0" u="none" strike="noStrike" baseline="0" dirty="0"/>
+              <a:t>Low precision (53%) may lead to incorrectly informing customers of incomplete transactions.</a:t>
             </a:r>
           </a:p>
           <a:p>
             <a:pPr marR="0" lvl="0"/>
             <a:r>
-              <a:rPr lang="en-US" sz="2000" b="0" i="0" u="none" strike="noStrike" baseline="0"/>
+              <a:rPr lang="en-US" sz="2000" b="0" i="0" u="none" strike="noStrike" baseline="0" dirty="0"/>
               <a:t>Risks customer dissatisfaction and loss of trust.</a:t>
             </a:r>
           </a:p>
           <a:p>
             <a:pPr marR="0" lvl="0"/>
             <a:r>
-              <a:rPr lang="en-US" sz="2000" b="0" i="0" u="none" strike="noStrike" baseline="0"/>
+              <a:rPr lang="en-US" sz="2000" b="0" i="0" u="none" strike="noStrike" baseline="0" dirty="0"/>
               <a:t>Recommend internal use for incentive strategies, avoiding direct customer notification.</a:t>
             </a:r>
           </a:p>

--- a/presentation.pptx
+++ b/presentation.pptx
@@ -14,7 +14,7 @@
     <p:sldId id="267" r:id="rId8"/>
     <p:sldId id="261" r:id="rId9"/>
     <p:sldId id="262" r:id="rId10"/>
-    <p:sldId id="263" r:id="rId11"/>
+    <p:sldId id="268" r:id="rId11"/>
   </p:sldIdLst>
   <p:sldSz cx="12192000" cy="6858000"/>
   <p:notesSz cx="6858000" cy="9144000"/>
@@ -8064,14 +8064,14 @@
         <a:lstStyle/>
         <a:p>
           <a:r>
-            <a:rPr lang="en-US" b="1" i="0" baseline="0"/>
+            <a:rPr lang="en-US" b="1" i="0" baseline="0" dirty="0"/>
             <a:t>Focus Marketing Efforts</a:t>
           </a:r>
           <a:r>
-            <a:rPr lang="en-US" b="0" i="0" baseline="0"/>
+            <a:rPr lang="en-US" b="0" i="0" baseline="0" dirty="0"/>
             <a:t>: Direct marketing campaigns towards segments identified as more likely to abandon transactions, maximizing ROI.</a:t>
           </a:r>
-          <a:endParaRPr lang="en-US"/>
+          <a:endParaRPr lang="en-US" dirty="0"/>
         </a:p>
       </dgm:t>
     </dgm:pt>
@@ -8105,10 +8105,10 @@
         <a:lstStyle/>
         <a:p>
           <a:r>
-            <a:rPr lang="en-US" b="0" i="0" baseline="0"/>
+            <a:rPr lang="en-US" b="0" i="0" baseline="0" dirty="0"/>
             <a:t>Optimize incentives to encourage completed transactions without overspending.</a:t>
           </a:r>
-          <a:endParaRPr lang="en-US"/>
+          <a:endParaRPr lang="en-US" dirty="0"/>
         </a:p>
       </dgm:t>
     </dgm:pt>
@@ -8142,14 +8142,14 @@
         <a:lstStyle/>
         <a:p>
           <a:r>
-            <a:rPr lang="en-US" b="1" i="0" baseline="0"/>
+            <a:rPr lang="en-US" b="1" i="0" baseline="0" dirty="0"/>
             <a:t>Operational Efficiency</a:t>
           </a:r>
           <a:r>
-            <a:rPr lang="en-US" b="0" i="0" baseline="0"/>
+            <a:rPr lang="en-US" b="0" i="0" baseline="0" dirty="0"/>
             <a:t>: Streamline operational processes to handle incomplete transactions efficiently, minimizing delays and customer frustration.</a:t>
           </a:r>
-          <a:endParaRPr lang="en-US"/>
+          <a:endParaRPr lang="en-US" dirty="0"/>
         </a:p>
       </dgm:t>
     </dgm:pt>
@@ -8504,14 +8504,19 @@
         <a:lstStyle/>
         <a:p>
           <a:r>
-            <a:rPr lang="en-US" b="1" i="0" baseline="0"/>
+            <a:rPr lang="en-US" b="1" i="0" baseline="0" dirty="0"/>
             <a:t>Additional Research: </a:t>
           </a:r>
           <a:r>
-            <a:rPr lang="en-US" b="0" i="0" baseline="0"/>
+            <a:rPr lang="en-US" b="0" i="0" baseline="0" dirty="0"/>
             <a:t>Explore Advanced Techniques (e.g., feature engineering ,more ML algorithms, more balancing techniques, more experiments with hyperparameters)</a:t>
           </a:r>
-          <a:endParaRPr lang="en-US"/>
+        </a:p>
+        <a:p>
+          <a:r>
+            <a:rPr lang="en-US" dirty="0"/>
+            <a:t>- Customer History Analysis</a:t>
+          </a:r>
         </a:p>
       </dgm:t>
     </dgm:pt>
@@ -11871,14 +11876,14 @@
             <a:buChar char="•"/>
           </a:pPr>
           <a:r>
-            <a:rPr lang="en-US" sz="1900" b="1" i="0" kern="1200" baseline="0"/>
+            <a:rPr lang="en-US" sz="1900" b="1" i="0" kern="1200" baseline="0" dirty="0"/>
             <a:t>Focus Marketing Efforts</a:t>
           </a:r>
           <a:r>
-            <a:rPr lang="en-US" sz="1900" b="0" i="0" kern="1200" baseline="0"/>
+            <a:rPr lang="en-US" sz="1900" b="0" i="0" kern="1200" baseline="0" dirty="0"/>
             <a:t>: Direct marketing campaigns towards segments identified as more likely to abandon transactions, maximizing ROI.</a:t>
           </a:r>
-          <a:endParaRPr lang="en-US" sz="1900" kern="1200"/>
+          <a:endParaRPr lang="en-US" sz="1900" kern="1200" dirty="0"/>
         </a:p>
         <a:p>
           <a:pPr marL="171450" lvl="1" indent="-171450" algn="l" defTabSz="844550">
@@ -11894,10 +11899,10 @@
             <a:buChar char="•"/>
           </a:pPr>
           <a:r>
-            <a:rPr lang="en-US" sz="1900" b="0" i="0" kern="1200" baseline="0"/>
+            <a:rPr lang="en-US" sz="1900" b="0" i="0" kern="1200" baseline="0" dirty="0"/>
             <a:t>Optimize incentives to encourage completed transactions without overspending.</a:t>
           </a:r>
-          <a:endParaRPr lang="en-US" sz="1900" kern="1200"/>
+          <a:endParaRPr lang="en-US" sz="1900" kern="1200" dirty="0"/>
         </a:p>
         <a:p>
           <a:pPr marL="171450" lvl="1" indent="-171450" algn="l" defTabSz="844550">
@@ -11913,14 +11918,14 @@
             <a:buChar char="•"/>
           </a:pPr>
           <a:r>
-            <a:rPr lang="en-US" sz="1900" b="1" i="0" kern="1200" baseline="0"/>
+            <a:rPr lang="en-US" sz="1900" b="1" i="0" kern="1200" baseline="0" dirty="0"/>
             <a:t>Operational Efficiency</a:t>
           </a:r>
           <a:r>
-            <a:rPr lang="en-US" sz="1900" b="0" i="0" kern="1200" baseline="0"/>
+            <a:rPr lang="en-US" sz="1900" b="0" i="0" kern="1200" baseline="0" dirty="0"/>
             <a:t>: Streamline operational processes to handle incomplete transactions efficiently, minimizing delays and customer frustration.</a:t>
           </a:r>
-          <a:endParaRPr lang="en-US" sz="1900" kern="1200"/>
+          <a:endParaRPr lang="en-US" sz="1900" kern="1200" dirty="0"/>
         </a:p>
       </dsp:txBody>
       <dsp:txXfrm>
@@ -12337,7 +12342,7 @@
         </a:bodyPr>
         <a:lstStyle/>
         <a:p>
-          <a:pPr marL="0" lvl="0" indent="0" algn="l" defTabSz="1022350">
+          <a:pPr marL="0" lvl="0" indent="0" algn="l" defTabSz="800100">
             <a:lnSpc>
               <a:spcPct val="90000"/>
             </a:lnSpc>
@@ -12350,14 +12355,31 @@
             <a:buNone/>
           </a:pPr>
           <a:r>
-            <a:rPr lang="en-US" sz="2300" b="1" i="0" kern="1200" baseline="0"/>
+            <a:rPr lang="en-US" sz="1800" b="1" i="0" kern="1200" baseline="0" dirty="0"/>
             <a:t>Additional Research: </a:t>
           </a:r>
           <a:r>
-            <a:rPr lang="en-US" sz="2300" b="0" i="0" kern="1200" baseline="0"/>
+            <a:rPr lang="en-US" sz="1800" b="0" i="0" kern="1200" baseline="0" dirty="0"/>
             <a:t>Explore Advanced Techniques (e.g., feature engineering ,more ML algorithms, more balancing techniques, more experiments with hyperparameters)</a:t>
           </a:r>
-          <a:endParaRPr lang="en-US" sz="2300" kern="1200"/>
+        </a:p>
+        <a:p>
+          <a:pPr marL="0" lvl="0" indent="0" algn="l" defTabSz="800100">
+            <a:lnSpc>
+              <a:spcPct val="90000"/>
+            </a:lnSpc>
+            <a:spcBef>
+              <a:spcPct val="0"/>
+            </a:spcBef>
+            <a:spcAft>
+              <a:spcPct val="35000"/>
+            </a:spcAft>
+            <a:buNone/>
+          </a:pPr>
+          <a:r>
+            <a:rPr lang="en-US" sz="1800" kern="1200" dirty="0"/>
+            <a:t>- Customer History Analysis</a:t>
+          </a:r>
         </a:p>
       </dsp:txBody>
       <dsp:txXfrm>
@@ -12493,7 +12515,7 @@
         </a:bodyPr>
         <a:lstStyle/>
         <a:p>
-          <a:pPr marL="0" lvl="0" indent="0" algn="l" defTabSz="1022350">
+          <a:pPr marL="0" lvl="0" indent="0" algn="l" defTabSz="800100">
             <a:lnSpc>
               <a:spcPct val="90000"/>
             </a:lnSpc>
@@ -12506,14 +12528,14 @@
             <a:buNone/>
           </a:pPr>
           <a:r>
-            <a:rPr lang="en-US" sz="2300" b="1" i="0" kern="1200" baseline="0"/>
+            <a:rPr lang="en-US" sz="1800" b="1" i="0" kern="1200" baseline="0"/>
             <a:t>External Factors:</a:t>
           </a:r>
           <a:r>
-            <a:rPr lang="en-US" sz="2300" b="0" i="0" kern="1200" baseline="0"/>
+            <a:rPr lang="en-US" sz="1800" b="0" i="0" kern="1200" baseline="0"/>
             <a:t> Like any prediction tool our predictor is limited to the training data. In situations where an unexpected change happens the accuracy of the model can drop (e.g., seasonal change)</a:t>
           </a:r>
-          <a:endParaRPr lang="en-US" sz="2300" kern="1200"/>
+          <a:endParaRPr lang="en-US" sz="1800" kern="1200"/>
         </a:p>
       </dsp:txBody>
       <dsp:txXfrm>
@@ -21510,7 +21532,7 @@
           <a:p>
             <a:fld id="{AF810967-3AF5-4AAA-B374-DC48F6601C0C}" type="datetimeFigureOut">
               <a:rPr lang="en-US" smtClean="0"/>
-              <a:t>2/28/2024</a:t>
+              <a:t>3/7/2024</a:t>
             </a:fld>
             <a:endParaRPr lang="en-US"/>
           </a:p>
@@ -21708,7 +21730,7 @@
           <a:p>
             <a:fld id="{AF810967-3AF5-4AAA-B374-DC48F6601C0C}" type="datetimeFigureOut">
               <a:rPr lang="en-US" smtClean="0"/>
-              <a:t>2/28/2024</a:t>
+              <a:t>3/7/2024</a:t>
             </a:fld>
             <a:endParaRPr lang="en-US"/>
           </a:p>
@@ -21916,7 +21938,7 @@
           <a:p>
             <a:fld id="{AF810967-3AF5-4AAA-B374-DC48F6601C0C}" type="datetimeFigureOut">
               <a:rPr lang="en-US" smtClean="0"/>
-              <a:t>2/28/2024</a:t>
+              <a:t>3/7/2024</a:t>
             </a:fld>
             <a:endParaRPr lang="en-US"/>
           </a:p>
@@ -22114,7 +22136,7 @@
           <a:p>
             <a:fld id="{5BE31FAE-A83B-4351-A500-41AAAF6432A5}" type="datetimeFigureOut">
               <a:rPr lang="en-US" smtClean="0"/>
-              <a:t>2/28/2024</a:t>
+              <a:t>3/7/2024</a:t>
             </a:fld>
             <a:endParaRPr lang="en-US"/>
           </a:p>
@@ -22312,7 +22334,7 @@
           <a:p>
             <a:fld id="{AF810967-3AF5-4AAA-B374-DC48F6601C0C}" type="datetimeFigureOut">
               <a:rPr lang="en-US" smtClean="0"/>
-              <a:t>2/28/2024</a:t>
+              <a:t>3/7/2024</a:t>
             </a:fld>
             <a:endParaRPr lang="en-US"/>
           </a:p>
@@ -22587,7 +22609,7 @@
           <a:p>
             <a:fld id="{AF810967-3AF5-4AAA-B374-DC48F6601C0C}" type="datetimeFigureOut">
               <a:rPr lang="en-US" smtClean="0"/>
-              <a:t>2/28/2024</a:t>
+              <a:t>3/7/2024</a:t>
             </a:fld>
             <a:endParaRPr lang="en-US"/>
           </a:p>
@@ -22852,7 +22874,7 @@
           <a:p>
             <a:fld id="{AF810967-3AF5-4AAA-B374-DC48F6601C0C}" type="datetimeFigureOut">
               <a:rPr lang="en-US" smtClean="0"/>
-              <a:t>2/28/2024</a:t>
+              <a:t>3/7/2024</a:t>
             </a:fld>
             <a:endParaRPr lang="en-US"/>
           </a:p>
@@ -23264,7 +23286,7 @@
           <a:p>
             <a:fld id="{AF810967-3AF5-4AAA-B374-DC48F6601C0C}" type="datetimeFigureOut">
               <a:rPr lang="en-US" smtClean="0"/>
-              <a:t>2/28/2024</a:t>
+              <a:t>3/7/2024</a:t>
             </a:fld>
             <a:endParaRPr lang="en-US"/>
           </a:p>
@@ -23405,7 +23427,7 @@
           <a:p>
             <a:fld id="{AF810967-3AF5-4AAA-B374-DC48F6601C0C}" type="datetimeFigureOut">
               <a:rPr lang="en-US" smtClean="0"/>
-              <a:t>2/28/2024</a:t>
+              <a:t>3/7/2024</a:t>
             </a:fld>
             <a:endParaRPr lang="en-US"/>
           </a:p>
@@ -23518,7 +23540,7 @@
           <a:p>
             <a:fld id="{AF810967-3AF5-4AAA-B374-DC48F6601C0C}" type="datetimeFigureOut">
               <a:rPr lang="en-US" smtClean="0"/>
-              <a:t>2/28/2024</a:t>
+              <a:t>3/7/2024</a:t>
             </a:fld>
             <a:endParaRPr lang="en-US"/>
           </a:p>
@@ -23829,7 +23851,7 @@
           <a:p>
             <a:fld id="{AF810967-3AF5-4AAA-B374-DC48F6601C0C}" type="datetimeFigureOut">
               <a:rPr lang="en-US" smtClean="0"/>
-              <a:t>2/28/2024</a:t>
+              <a:t>3/7/2024</a:t>
             </a:fld>
             <a:endParaRPr lang="en-US"/>
           </a:p>
@@ -24117,7 +24139,7 @@
           <a:p>
             <a:fld id="{AF810967-3AF5-4AAA-B374-DC48F6601C0C}" type="datetimeFigureOut">
               <a:rPr lang="en-US" smtClean="0"/>
-              <a:t>2/28/2024</a:t>
+              <a:t>3/7/2024</a:t>
             </a:fld>
             <a:endParaRPr lang="en-US"/>
           </a:p>
@@ -24358,7 +24380,7 @@
           <a:p>
             <a:fld id="{AF810967-3AF5-4AAA-B374-DC48F6601C0C}" type="datetimeFigureOut">
               <a:rPr lang="en-US" smtClean="0"/>
-              <a:t>2/28/2024</a:t>
+              <a:t>3/7/2024</a:t>
             </a:fld>
             <a:endParaRPr lang="en-US"/>
           </a:p>
@@ -25361,7 +25383,7 @@
         <p:cNvPr id="1" name="">
           <a:extLst>
             <a:ext uri="{FF2B5EF4-FFF2-40B4-BE49-F238E27FC236}">
-              <a16:creationId xmlns:a16="http://schemas.microsoft.com/office/drawing/2014/main" id="{432AC09D-B64F-10FE-CB6E-B65E3A709D91}"/>
+              <a16:creationId xmlns:a16="http://schemas.microsoft.com/office/drawing/2014/main" id="{D9396D00-32E1-6FC1-E1DF-B8A84816D658}"/>
             </a:ext>
           </a:extLst>
         </p:cNvPr>
@@ -25381,7 +25403,7 @@
           <p:cNvPr id="20" name="Rectangle 19">
             <a:extLst>
               <a:ext uri="{FF2B5EF4-FFF2-40B4-BE49-F238E27FC236}">
-                <a16:creationId xmlns:a16="http://schemas.microsoft.com/office/drawing/2014/main" id="{53B021B3-DE93-4AB7-8A18-CF5F1CED88B8}"/>
+                <a16:creationId xmlns:a16="http://schemas.microsoft.com/office/drawing/2014/main" id="{A2F3AE57-6B3B-ED3A-218C-0FA59CC5C6D7}"/>
               </a:ext>
               <a:ext uri="{C183D7F6-B498-43B3-948B-1728B52AA6E4}">
                 <adec:decorative xmlns:adec="http://schemas.microsoft.com/office/drawing/2017/decorative" val="1"/>
@@ -25441,7 +25463,7 @@
           <p:cNvPr id="2" name="Title 1">
             <a:extLst>
               <a:ext uri="{FF2B5EF4-FFF2-40B4-BE49-F238E27FC236}">
-                <a16:creationId xmlns:a16="http://schemas.microsoft.com/office/drawing/2014/main" id="{0AE856E4-D3E3-5463-4F3C-31A8C4648EC9}"/>
+                <a16:creationId xmlns:a16="http://schemas.microsoft.com/office/drawing/2014/main" id="{3EE7ABC7-90B9-4DEE-21D5-A7CB4FEE01BF}"/>
               </a:ext>
             </a:extLst>
           </p:cNvPr>
@@ -25492,7 +25514,7 @@
           <p:cNvPr id="21" name="Rectangle 20">
             <a:extLst>
               <a:ext uri="{FF2B5EF4-FFF2-40B4-BE49-F238E27FC236}">
-                <a16:creationId xmlns:a16="http://schemas.microsoft.com/office/drawing/2014/main" id="{52D502E5-F6B4-4D58-B4AE-FC466FF15EE8}"/>
+                <a16:creationId xmlns:a16="http://schemas.microsoft.com/office/drawing/2014/main" id="{E2433F80-DB78-5BA1-7277-206F8FA37F36}"/>
               </a:ext>
               <a:ext uri="{C183D7F6-B498-43B3-948B-1728B52AA6E4}">
                 <adec:decorative xmlns:adec="http://schemas.microsoft.com/office/drawing/2017/decorative" val="1"/>
@@ -25561,7 +25583,7 @@
           <p:cNvPr id="22" name="Rectangle 21">
             <a:extLst>
               <a:ext uri="{FF2B5EF4-FFF2-40B4-BE49-F238E27FC236}">
-                <a16:creationId xmlns:a16="http://schemas.microsoft.com/office/drawing/2014/main" id="{9DECDBF4-02B6-4BB4-B65B-B8107AD6A9E8}"/>
+                <a16:creationId xmlns:a16="http://schemas.microsoft.com/office/drawing/2014/main" id="{AD1552AE-BA8A-D9FA-92E9-C991C878BA1C}"/>
               </a:ext>
               <a:ext uri="{C183D7F6-B498-43B3-948B-1728B52AA6E4}">
                 <adec:decorative xmlns:adec="http://schemas.microsoft.com/office/drawing/2017/decorative" val="1"/>
@@ -25629,7 +25651,7 @@
           <p:cNvPr id="23" name="Text Placeholder 2">
             <a:extLst>
               <a:ext uri="{FF2B5EF4-FFF2-40B4-BE49-F238E27FC236}">
-                <a16:creationId xmlns:a16="http://schemas.microsoft.com/office/drawing/2014/main" id="{03F7C90B-C0D2-5F69-F154-6D84ED691541}"/>
+                <a16:creationId xmlns:a16="http://schemas.microsoft.com/office/drawing/2014/main" id="{DC5C92B9-091A-3669-5959-717E71DEC80C}"/>
               </a:ext>
             </a:extLst>
           </p:cNvPr>
@@ -25637,7 +25659,7 @@
           <p:nvPr>
             <p:extLst>
               <p:ext uri="{D42A27DB-BD31-4B8C-83A1-F6EECF244321}">
-                <p14:modId xmlns:p14="http://schemas.microsoft.com/office/powerpoint/2010/main" val="3245778782"/>
+                <p14:modId xmlns:p14="http://schemas.microsoft.com/office/powerpoint/2010/main" val="1733061403"/>
               </p:ext>
             </p:extLst>
           </p:nvPr>
@@ -25655,7 +25677,7 @@
     </p:spTree>
     <p:extLst>
       <p:ext uri="{BB962C8B-B14F-4D97-AF65-F5344CB8AC3E}">
-        <p14:creationId xmlns:p14="http://schemas.microsoft.com/office/powerpoint/2010/main" val="1597018108"/>
+        <p14:creationId xmlns:p14="http://schemas.microsoft.com/office/powerpoint/2010/main" val="3272031773"/>
       </p:ext>
     </p:extLst>
   </p:cSld>

--- a/presentation.pptx
+++ b/presentation.pptx
@@ -6205,14 +6205,14 @@
         <a:lstStyle/>
         <a:p>
           <a:r>
-            <a:rPr lang="en-US" b="1" i="0" baseline="0"/>
+            <a:rPr lang="en-US" b="1" i="0" baseline="0" dirty="0"/>
             <a:t>Approach:</a:t>
           </a:r>
           <a:r>
-            <a:rPr lang="en-US" b="0" i="0" baseline="0"/>
+            <a:rPr lang="en-US" b="0" i="0" baseline="0" dirty="0"/>
             <a:t> We analyzed 5000 digital transactions from January to March 2020 along with customer information to build a predictive model.</a:t>
           </a:r>
-          <a:endParaRPr lang="en-US"/>
+          <a:endParaRPr lang="en-US" dirty="0"/>
         </a:p>
       </dgm:t>
     </dgm:pt>
@@ -6509,7 +6509,7 @@
           </a:r>
           <a:r>
             <a:rPr lang="en-US" b="0" i="0" baseline="0" dirty="0"/>
-            <a:t>: Merged transaction and customer data, created new features, and handled outliers.</a:t>
+            <a:t>: Merged transaction and customer data, created new features and dropped useless data.</a:t>
           </a:r>
           <a:endParaRPr lang="en-US" dirty="0"/>
         </a:p>
@@ -7882,7 +7882,7 @@
 <dgm:dataModel xmlns:dgm="http://schemas.openxmlformats.org/drawingml/2006/diagram" xmlns:a="http://schemas.openxmlformats.org/drawingml/2006/main">
   <dgm:ptLst>
     <dgm:pt modelId="{CACF55D7-3300-40C5-80B9-D200094E7A06}" type="doc">
-      <dgm:prSet loTypeId="urn:microsoft.com/office/officeart/2005/8/layout/hList1" loCatId="list" qsTypeId="urn:microsoft.com/office/officeart/2005/8/quickstyle/simple4" qsCatId="simple" csTypeId="urn:microsoft.com/office/officeart/2005/8/colors/accent1_2" csCatId="accent1"/>
+      <dgm:prSet loTypeId="urn:microsoft.com/office/officeart/2005/8/layout/hList1" loCatId="list" qsTypeId="urn:microsoft.com/office/officeart/2005/8/quickstyle/simple4" qsCatId="simple" csTypeId="urn:microsoft.com/office/officeart/2005/8/colors/accent1_2" csCatId="accent1" phldr="1"/>
       <dgm:spPr/>
       <dgm:t>
         <a:bodyPr/>
@@ -7941,14 +7941,14 @@
         <a:lstStyle/>
         <a:p>
           <a:r>
-            <a:rPr lang="en-US" b="1" i="0" baseline="0"/>
+            <a:rPr lang="en-US" b="1" i="0" baseline="0" dirty="0"/>
             <a:t>Dynamic Offers</a:t>
           </a:r>
           <a:r>
-            <a:rPr lang="en-US" b="0" i="0" baseline="0"/>
-            <a:t>: Provide targeted discounts or promotions based on browsing behavior and previous interactions to encourage conversion.</a:t>
+            <a:rPr lang="en-US" b="0" i="0" baseline="0" dirty="0"/>
+            <a:t>: Provide targeted discounts or promotions to encourage conversion.</a:t>
           </a:r>
-          <a:endParaRPr lang="en-US"/>
+          <a:endParaRPr lang="en-US" dirty="0"/>
         </a:p>
       </dgm:t>
     </dgm:pt>
@@ -8272,7 +8272,7 @@
 <dgm:dataModel xmlns:dgm="http://schemas.openxmlformats.org/drawingml/2006/diagram" xmlns:a="http://schemas.openxmlformats.org/drawingml/2006/main">
   <dgm:ptLst>
     <dgm:pt modelId="{2FAF98E3-38E9-4744-85FE-875FB558A3B7}" type="doc">
-      <dgm:prSet loTypeId="urn:microsoft.com/office/officeart/2005/8/layout/vList2" loCatId="list" qsTypeId="urn:microsoft.com/office/officeart/2005/8/quickstyle/simple1" qsCatId="simple" csTypeId="urn:microsoft.com/office/officeart/2005/8/colors/accent1_2" csCatId="accent1"/>
+      <dgm:prSet loTypeId="urn:microsoft.com/office/officeart/2005/8/layout/vList2" loCatId="list" qsTypeId="urn:microsoft.com/office/officeart/2005/8/quickstyle/simple1" qsCatId="simple" csTypeId="urn:microsoft.com/office/officeart/2005/8/colors/accent1_2" csCatId="accent1" phldr="1"/>
       <dgm:spPr/>
       <dgm:t>
         <a:bodyPr/>
@@ -8380,14 +8380,17 @@
         <a:lstStyle/>
         <a:p>
           <a:r>
-            <a:rPr lang="en-US" b="1" i="0" baseline="0"/>
+            <a:rPr lang="en-US" b="1" i="0" baseline="0" dirty="0"/>
             <a:t>Potential Solution</a:t>
           </a:r>
           <a:r>
-            <a:rPr lang="en-US" b="0" i="0" baseline="0"/>
-            <a:t>: Exploring additional features may provide more information for better predictions.</a:t>
+            <a:rPr lang="en-US" b="0" i="0" baseline="0" dirty="0"/>
+            <a:t>: Exploring additional features may provide more information for better predictions. E.g. </a:t>
           </a:r>
-          <a:endParaRPr lang="en-US"/>
+          <a:r>
+            <a:rPr lang="en-US" dirty="0"/>
+            <a:t>Customer History Analysis.</a:t>
+          </a:r>
         </a:p>
       </dgm:t>
     </dgm:pt>
@@ -8510,12 +8513,6 @@
           <a:r>
             <a:rPr lang="en-US" b="0" i="0" baseline="0" dirty="0"/>
             <a:t>Explore Advanced Techniques (e.g., feature engineering ,more ML algorithms, more balancing techniques, more experiments with hyperparameters)</a:t>
-          </a:r>
-        </a:p>
-        <a:p>
-          <a:r>
-            <a:rPr lang="en-US" dirty="0"/>
-            <a:t>- Customer History Analysis</a:t>
           </a:r>
         </a:p>
       </dgm:t>
@@ -9214,14 +9211,14 @@
             <a:buNone/>
           </a:pPr>
           <a:r>
-            <a:rPr lang="en-US" sz="2000" b="1" i="0" kern="1200" baseline="0"/>
+            <a:rPr lang="en-US" sz="2000" b="1" i="0" kern="1200" baseline="0" dirty="0"/>
             <a:t>Approach:</a:t>
           </a:r>
           <a:r>
-            <a:rPr lang="en-US" sz="2000" b="0" i="0" kern="1200" baseline="0"/>
+            <a:rPr lang="en-US" sz="2000" b="0" i="0" kern="1200" baseline="0" dirty="0"/>
             <a:t> We analyzed 5000 digital transactions from January to March 2020 along with customer information to build a predictive model.</a:t>
           </a:r>
-          <a:endParaRPr lang="en-US" sz="2000" kern="1200"/>
+          <a:endParaRPr lang="en-US" sz="2000" kern="1200" dirty="0"/>
         </a:p>
       </dsp:txBody>
       <dsp:txXfrm>
@@ -9719,7 +9716,7 @@
           </a:r>
           <a:r>
             <a:rPr lang="en-US" sz="1500" b="0" i="0" kern="1200" baseline="0" dirty="0"/>
-            <a:t>: Merged transaction and customer data, created new features, and handled outliers.</a:t>
+            <a:t>: Merged transaction and customer data, created new features and dropped useless data.</a:t>
           </a:r>
           <a:endParaRPr lang="en-US" sz="1500" kern="1200" dirty="0"/>
         </a:p>
@@ -11479,7 +11476,7 @@
       </dsp:nvSpPr>
       <dsp:spPr>
         <a:xfrm>
-          <a:off x="51" y="13261"/>
+          <a:off x="51" y="33635"/>
           <a:ext cx="4913783" cy="724489"/>
         </a:xfrm>
         <a:prstGeom prst="rect">
@@ -11581,7 +11578,7 @@
         </a:p>
       </dsp:txBody>
       <dsp:txXfrm>
-        <a:off x="51" y="13261"/>
+        <a:off x="51" y="33635"/>
         <a:ext cx="4913783" cy="724489"/>
       </dsp:txXfrm>
     </dsp:sp>
@@ -11592,8 +11589,8 @@
       </dsp:nvSpPr>
       <dsp:spPr>
         <a:xfrm>
-          <a:off x="51" y="737751"/>
-          <a:ext cx="4913783" cy="3600324"/>
+          <a:off x="51" y="758124"/>
+          <a:ext cx="4913783" cy="3559578"/>
         </a:xfrm>
         <a:prstGeom prst="rect">
           <a:avLst/>
@@ -11655,14 +11652,14 @@
             <a:buChar char="•"/>
           </a:pPr>
           <a:r>
-            <a:rPr lang="en-US" sz="1900" b="1" i="0" kern="1200" baseline="0"/>
+            <a:rPr lang="en-US" sz="1900" b="1" i="0" kern="1200" baseline="0" dirty="0"/>
             <a:t>Dynamic Offers</a:t>
           </a:r>
           <a:r>
-            <a:rPr lang="en-US" sz="1900" b="0" i="0" kern="1200" baseline="0"/>
-            <a:t>: Provide targeted discounts or promotions based on browsing behavior and previous interactions to encourage conversion.</a:t>
+            <a:rPr lang="en-US" sz="1900" b="0" i="0" kern="1200" baseline="0" dirty="0"/>
+            <a:t>: Provide targeted discounts or promotions to encourage conversion.</a:t>
           </a:r>
-          <a:endParaRPr lang="en-US" sz="1900" kern="1200"/>
+          <a:endParaRPr lang="en-US" sz="1900" kern="1200" dirty="0"/>
         </a:p>
         <a:p>
           <a:pPr marL="171450" lvl="1" indent="-171450" algn="l" defTabSz="844550">
@@ -11689,8 +11686,8 @@
         </a:p>
       </dsp:txBody>
       <dsp:txXfrm>
-        <a:off x="51" y="737751"/>
-        <a:ext cx="4913783" cy="3600324"/>
+        <a:off x="51" y="758124"/>
+        <a:ext cx="4913783" cy="3559578"/>
       </dsp:txXfrm>
     </dsp:sp>
     <dsp:sp modelId="{9ED92060-E157-4930-9305-7DFD746DFADB}">
@@ -11700,7 +11697,7 @@
       </dsp:nvSpPr>
       <dsp:spPr>
         <a:xfrm>
-          <a:off x="5601764" y="13261"/>
+          <a:off x="5601764" y="33635"/>
           <a:ext cx="4913783" cy="724489"/>
         </a:xfrm>
         <a:prstGeom prst="rect">
@@ -11802,7 +11799,7 @@
         </a:p>
       </dsp:txBody>
       <dsp:txXfrm>
-        <a:off x="5601764" y="13261"/>
+        <a:off x="5601764" y="33635"/>
         <a:ext cx="4913783" cy="724489"/>
       </dsp:txXfrm>
     </dsp:sp>
@@ -11813,8 +11810,8 @@
       </dsp:nvSpPr>
       <dsp:spPr>
         <a:xfrm>
-          <a:off x="5601764" y="737751"/>
-          <a:ext cx="4913783" cy="3600324"/>
+          <a:off x="5601764" y="758124"/>
+          <a:ext cx="4913783" cy="3559578"/>
         </a:xfrm>
         <a:prstGeom prst="rect">
           <a:avLst/>
@@ -11929,8 +11926,8 @@
         </a:p>
       </dsp:txBody>
       <dsp:txXfrm>
-        <a:off x="5601764" y="737751"/>
-        <a:ext cx="4913783" cy="3600324"/>
+        <a:off x="5601764" y="758124"/>
+        <a:ext cx="4913783" cy="3559578"/>
       </dsp:txXfrm>
     </dsp:sp>
   </dsp:spTree>
@@ -11952,8 +11949,8 @@
       </dsp:nvSpPr>
       <dsp:spPr>
         <a:xfrm>
-          <a:off x="0" y="48969"/>
-          <a:ext cx="10515600" cy="1352520"/>
+          <a:off x="0" y="486819"/>
+          <a:ext cx="10515600" cy="1074060"/>
         </a:xfrm>
         <a:prstGeom prst="roundRect">
           <a:avLst/>
@@ -11995,12 +11992,12 @@
         </a:fontRef>
       </dsp:style>
       <dsp:txBody>
-        <a:bodyPr spcFirstLastPara="0" vert="horz" wrap="square" lIns="129540" tIns="129540" rIns="129540" bIns="129540" numCol="1" spcCol="1270" anchor="ctr" anchorCtr="0">
+        <a:bodyPr spcFirstLastPara="0" vert="horz" wrap="square" lIns="102870" tIns="102870" rIns="102870" bIns="102870" numCol="1" spcCol="1270" anchor="ctr" anchorCtr="0">
           <a:noAutofit/>
         </a:bodyPr>
         <a:lstStyle/>
         <a:p>
-          <a:pPr marL="0" lvl="0" indent="0" algn="l" defTabSz="1511300">
+          <a:pPr marL="0" lvl="0" indent="0" algn="l" defTabSz="1200150">
             <a:lnSpc>
               <a:spcPct val="90000"/>
             </a:lnSpc>
@@ -12013,19 +12010,19 @@
             <a:buNone/>
           </a:pPr>
           <a:r>
-            <a:rPr lang="en-US" sz="3400" b="1" i="0" kern="1200" baseline="0"/>
+            <a:rPr lang="en-US" sz="2700" b="1" i="0" kern="1200" baseline="0"/>
             <a:t>Challenge</a:t>
           </a:r>
           <a:r>
-            <a:rPr lang="en-US" sz="3400" b="0" i="0" kern="1200" baseline="0"/>
+            <a:rPr lang="en-US" sz="2700" b="0" i="0" kern="1200" baseline="0"/>
             <a:t> :Data imbalance and similarity in distributions pose challenges.</a:t>
           </a:r>
-          <a:endParaRPr lang="en-US" sz="3400" kern="1200"/>
+          <a:endParaRPr lang="en-US" sz="2700" kern="1200"/>
         </a:p>
       </dsp:txBody>
       <dsp:txXfrm>
-        <a:off x="66025" y="114994"/>
-        <a:ext cx="10383550" cy="1220470"/>
+        <a:off x="52431" y="539250"/>
+        <a:ext cx="10410738" cy="969198"/>
       </dsp:txXfrm>
     </dsp:sp>
     <dsp:sp modelId="{936E028B-ADC9-466E-858D-098EF3E3A0B8}">
@@ -12035,8 +12032,8 @@
       </dsp:nvSpPr>
       <dsp:spPr>
         <a:xfrm>
-          <a:off x="0" y="1499409"/>
-          <a:ext cx="10515600" cy="1352520"/>
+          <a:off x="0" y="1638639"/>
+          <a:ext cx="10515600" cy="1074060"/>
         </a:xfrm>
         <a:prstGeom prst="roundRect">
           <a:avLst/>
@@ -12078,12 +12075,12 @@
         </a:fontRef>
       </dsp:style>
       <dsp:txBody>
-        <a:bodyPr spcFirstLastPara="0" vert="horz" wrap="square" lIns="129540" tIns="129540" rIns="129540" bIns="129540" numCol="1" spcCol="1270" anchor="ctr" anchorCtr="0">
+        <a:bodyPr spcFirstLastPara="0" vert="horz" wrap="square" lIns="102870" tIns="102870" rIns="102870" bIns="102870" numCol="1" spcCol="1270" anchor="ctr" anchorCtr="0">
           <a:noAutofit/>
         </a:bodyPr>
         <a:lstStyle/>
         <a:p>
-          <a:pPr marL="0" lvl="0" indent="0" algn="l" defTabSz="1511300">
+          <a:pPr marL="0" lvl="0" indent="0" algn="l" defTabSz="1200150">
             <a:lnSpc>
               <a:spcPct val="90000"/>
             </a:lnSpc>
@@ -12096,27 +12093,27 @@
             <a:buNone/>
           </a:pPr>
           <a:r>
-            <a:rPr lang="en-US" sz="3400" b="1" i="0" kern="1200" baseline="0"/>
+            <a:rPr lang="en-US" sz="2700" b="1" i="0" kern="1200" baseline="0"/>
             <a:t>Potential</a:t>
           </a:r>
           <a:r>
-            <a:rPr lang="en-US" sz="3400" b="0" i="0" kern="1200" baseline="0"/>
+            <a:rPr lang="en-US" sz="2700" b="0" i="0" kern="1200" baseline="0"/>
             <a:t> </a:t>
           </a:r>
           <a:r>
-            <a:rPr lang="en-US" sz="3400" b="1" i="0" kern="1200" baseline="0"/>
+            <a:rPr lang="en-US" sz="2700" b="1" i="0" kern="1200" baseline="0"/>
             <a:t>Solution</a:t>
           </a:r>
           <a:r>
-            <a:rPr lang="en-US" sz="3400" b="0" i="0" kern="1200" baseline="0"/>
+            <a:rPr lang="en-US" sz="2700" b="0" i="0" kern="1200" baseline="0"/>
             <a:t>: Obtaining more instances of incomplete transactions can enhance learning.</a:t>
           </a:r>
-          <a:endParaRPr lang="en-US" sz="3400" kern="1200"/>
+          <a:endParaRPr lang="en-US" sz="2700" kern="1200"/>
         </a:p>
       </dsp:txBody>
       <dsp:txXfrm>
-        <a:off x="66025" y="1565434"/>
-        <a:ext cx="10383550" cy="1220470"/>
+        <a:off x="52431" y="1691070"/>
+        <a:ext cx="10410738" cy="969198"/>
       </dsp:txXfrm>
     </dsp:sp>
     <dsp:sp modelId="{F8A58153-FAC4-434D-AE35-048CD0FFCBBE}">
@@ -12126,8 +12123,8 @@
       </dsp:nvSpPr>
       <dsp:spPr>
         <a:xfrm>
-          <a:off x="0" y="2949848"/>
-          <a:ext cx="10515600" cy="1352520"/>
+          <a:off x="0" y="2790459"/>
+          <a:ext cx="10515600" cy="1074060"/>
         </a:xfrm>
         <a:prstGeom prst="roundRect">
           <a:avLst/>
@@ -12169,12 +12166,12 @@
         </a:fontRef>
       </dsp:style>
       <dsp:txBody>
-        <a:bodyPr spcFirstLastPara="0" vert="horz" wrap="square" lIns="129540" tIns="129540" rIns="129540" bIns="129540" numCol="1" spcCol="1270" anchor="ctr" anchorCtr="0">
+        <a:bodyPr spcFirstLastPara="0" vert="horz" wrap="square" lIns="102870" tIns="102870" rIns="102870" bIns="102870" numCol="1" spcCol="1270" anchor="ctr" anchorCtr="0">
           <a:noAutofit/>
         </a:bodyPr>
         <a:lstStyle/>
         <a:p>
-          <a:pPr marL="0" lvl="0" indent="0" algn="l" defTabSz="1511300">
+          <a:pPr marL="0" lvl="0" indent="0" algn="l" defTabSz="1200150">
             <a:lnSpc>
               <a:spcPct val="90000"/>
             </a:lnSpc>
@@ -12187,19 +12184,22 @@
             <a:buNone/>
           </a:pPr>
           <a:r>
-            <a:rPr lang="en-US" sz="3400" b="1" i="0" kern="1200" baseline="0"/>
+            <a:rPr lang="en-US" sz="2700" b="1" i="0" kern="1200" baseline="0" dirty="0"/>
             <a:t>Potential Solution</a:t>
           </a:r>
           <a:r>
-            <a:rPr lang="en-US" sz="3400" b="0" i="0" kern="1200" baseline="0"/>
-            <a:t>: Exploring additional features may provide more information for better predictions.</a:t>
+            <a:rPr lang="en-US" sz="2700" b="0" i="0" kern="1200" baseline="0" dirty="0"/>
+            <a:t>: Exploring additional features may provide more information for better predictions. E.g. </a:t>
           </a:r>
-          <a:endParaRPr lang="en-US" sz="3400" kern="1200"/>
+          <a:r>
+            <a:rPr lang="en-US" sz="2700" kern="1200" dirty="0"/>
+            <a:t>Customer History Analysis.</a:t>
+          </a:r>
         </a:p>
       </dsp:txBody>
       <dsp:txXfrm>
-        <a:off x="66025" y="3015873"/>
-        <a:ext cx="10383550" cy="1220470"/>
+        <a:off x="52431" y="2842890"/>
+        <a:ext cx="10410738" cy="969198"/>
       </dsp:txXfrm>
     </dsp:sp>
   </dsp:spTree>
@@ -12342,7 +12342,7 @@
         </a:bodyPr>
         <a:lstStyle/>
         <a:p>
-          <a:pPr marL="0" lvl="0" indent="0" algn="l" defTabSz="800100">
+          <a:pPr marL="0" lvl="0" indent="0" algn="l" defTabSz="1022350">
             <a:lnSpc>
               <a:spcPct val="90000"/>
             </a:lnSpc>
@@ -12355,30 +12355,12 @@
             <a:buNone/>
           </a:pPr>
           <a:r>
-            <a:rPr lang="en-US" sz="1800" b="1" i="0" kern="1200" baseline="0" dirty="0"/>
+            <a:rPr lang="en-US" sz="2300" b="1" i="0" kern="1200" baseline="0" dirty="0"/>
             <a:t>Additional Research: </a:t>
           </a:r>
           <a:r>
-            <a:rPr lang="en-US" sz="1800" b="0" i="0" kern="1200" baseline="0" dirty="0"/>
+            <a:rPr lang="en-US" sz="2300" b="0" i="0" kern="1200" baseline="0" dirty="0"/>
             <a:t>Explore Advanced Techniques (e.g., feature engineering ,more ML algorithms, more balancing techniques, more experiments with hyperparameters)</a:t>
-          </a:r>
-        </a:p>
-        <a:p>
-          <a:pPr marL="0" lvl="0" indent="0" algn="l" defTabSz="800100">
-            <a:lnSpc>
-              <a:spcPct val="90000"/>
-            </a:lnSpc>
-            <a:spcBef>
-              <a:spcPct val="0"/>
-            </a:spcBef>
-            <a:spcAft>
-              <a:spcPct val="35000"/>
-            </a:spcAft>
-            <a:buNone/>
-          </a:pPr>
-          <a:r>
-            <a:rPr lang="en-US" sz="1800" kern="1200" dirty="0"/>
-            <a:t>- Customer History Analysis</a:t>
           </a:r>
         </a:p>
       </dsp:txBody>
@@ -12515,7 +12497,7 @@
         </a:bodyPr>
         <a:lstStyle/>
         <a:p>
-          <a:pPr marL="0" lvl="0" indent="0" algn="l" defTabSz="800100">
+          <a:pPr marL="0" lvl="0" indent="0" algn="l" defTabSz="1022350">
             <a:lnSpc>
               <a:spcPct val="90000"/>
             </a:lnSpc>
@@ -12528,14 +12510,14 @@
             <a:buNone/>
           </a:pPr>
           <a:r>
-            <a:rPr lang="en-US" sz="1800" b="1" i="0" kern="1200" baseline="0"/>
+            <a:rPr lang="en-US" sz="2300" b="1" i="0" kern="1200" baseline="0"/>
             <a:t>External Factors:</a:t>
           </a:r>
           <a:r>
-            <a:rPr lang="en-US" sz="1800" b="0" i="0" kern="1200" baseline="0"/>
+            <a:rPr lang="en-US" sz="2300" b="0" i="0" kern="1200" baseline="0"/>
             <a:t> Like any prediction tool our predictor is limited to the training data. In situations where an unexpected change happens the accuracy of the model can drop (e.g., seasonal change)</a:t>
           </a:r>
-          <a:endParaRPr lang="en-US" sz="1800" kern="1200"/>
+          <a:endParaRPr lang="en-US" sz="2300" kern="1200"/>
         </a:p>
       </dsp:txBody>
       <dsp:txXfrm>
@@ -21532,7 +21514,7 @@
           <a:p>
             <a:fld id="{AF810967-3AF5-4AAA-B374-DC48F6601C0C}" type="datetimeFigureOut">
               <a:rPr lang="en-US" smtClean="0"/>
-              <a:t>3/7/2024</a:t>
+              <a:t>3/8/2024</a:t>
             </a:fld>
             <a:endParaRPr lang="en-US"/>
           </a:p>
@@ -21730,7 +21712,7 @@
           <a:p>
             <a:fld id="{AF810967-3AF5-4AAA-B374-DC48F6601C0C}" type="datetimeFigureOut">
               <a:rPr lang="en-US" smtClean="0"/>
-              <a:t>3/7/2024</a:t>
+              <a:t>3/8/2024</a:t>
             </a:fld>
             <a:endParaRPr lang="en-US"/>
           </a:p>
@@ -21938,7 +21920,7 @@
           <a:p>
             <a:fld id="{AF810967-3AF5-4AAA-B374-DC48F6601C0C}" type="datetimeFigureOut">
               <a:rPr lang="en-US" smtClean="0"/>
-              <a:t>3/7/2024</a:t>
+              <a:t>3/8/2024</a:t>
             </a:fld>
             <a:endParaRPr lang="en-US"/>
           </a:p>
@@ -22136,7 +22118,7 @@
           <a:p>
             <a:fld id="{5BE31FAE-A83B-4351-A500-41AAAF6432A5}" type="datetimeFigureOut">
               <a:rPr lang="en-US" smtClean="0"/>
-              <a:t>3/7/2024</a:t>
+              <a:t>3/8/2024</a:t>
             </a:fld>
             <a:endParaRPr lang="en-US"/>
           </a:p>
@@ -22334,7 +22316,7 @@
           <a:p>
             <a:fld id="{AF810967-3AF5-4AAA-B374-DC48F6601C0C}" type="datetimeFigureOut">
               <a:rPr lang="en-US" smtClean="0"/>
-              <a:t>3/7/2024</a:t>
+              <a:t>3/8/2024</a:t>
             </a:fld>
             <a:endParaRPr lang="en-US"/>
           </a:p>
@@ -22609,7 +22591,7 @@
           <a:p>
             <a:fld id="{AF810967-3AF5-4AAA-B374-DC48F6601C0C}" type="datetimeFigureOut">
               <a:rPr lang="en-US" smtClean="0"/>
-              <a:t>3/7/2024</a:t>
+              <a:t>3/8/2024</a:t>
             </a:fld>
             <a:endParaRPr lang="en-US"/>
           </a:p>
@@ -22874,7 +22856,7 @@
           <a:p>
             <a:fld id="{AF810967-3AF5-4AAA-B374-DC48F6601C0C}" type="datetimeFigureOut">
               <a:rPr lang="en-US" smtClean="0"/>
-              <a:t>3/7/2024</a:t>
+              <a:t>3/8/2024</a:t>
             </a:fld>
             <a:endParaRPr lang="en-US"/>
           </a:p>
@@ -23286,7 +23268,7 @@
           <a:p>
             <a:fld id="{AF810967-3AF5-4AAA-B374-DC48F6601C0C}" type="datetimeFigureOut">
               <a:rPr lang="en-US" smtClean="0"/>
-              <a:t>3/7/2024</a:t>
+              <a:t>3/8/2024</a:t>
             </a:fld>
             <a:endParaRPr lang="en-US"/>
           </a:p>
@@ -23427,7 +23409,7 @@
           <a:p>
             <a:fld id="{AF810967-3AF5-4AAA-B374-DC48F6601C0C}" type="datetimeFigureOut">
               <a:rPr lang="en-US" smtClean="0"/>
-              <a:t>3/7/2024</a:t>
+              <a:t>3/8/2024</a:t>
             </a:fld>
             <a:endParaRPr lang="en-US"/>
           </a:p>
@@ -23540,7 +23522,7 @@
           <a:p>
             <a:fld id="{AF810967-3AF5-4AAA-B374-DC48F6601C0C}" type="datetimeFigureOut">
               <a:rPr lang="en-US" smtClean="0"/>
-              <a:t>3/7/2024</a:t>
+              <a:t>3/8/2024</a:t>
             </a:fld>
             <a:endParaRPr lang="en-US"/>
           </a:p>
@@ -23851,7 +23833,7 @@
           <a:p>
             <a:fld id="{AF810967-3AF5-4AAA-B374-DC48F6601C0C}" type="datetimeFigureOut">
               <a:rPr lang="en-US" smtClean="0"/>
-              <a:t>3/7/2024</a:t>
+              <a:t>3/8/2024</a:t>
             </a:fld>
             <a:endParaRPr lang="en-US"/>
           </a:p>
@@ -24139,7 +24121,7 @@
           <a:p>
             <a:fld id="{AF810967-3AF5-4AAA-B374-DC48F6601C0C}" type="datetimeFigureOut">
               <a:rPr lang="en-US" smtClean="0"/>
-              <a:t>3/7/2024</a:t>
+              <a:t>3/8/2024</a:t>
             </a:fld>
             <a:endParaRPr lang="en-US"/>
           </a:p>
@@ -24380,7 +24362,7 @@
           <a:p>
             <a:fld id="{AF810967-3AF5-4AAA-B374-DC48F6601C0C}" type="datetimeFigureOut">
               <a:rPr lang="en-US" smtClean="0"/>
-              <a:t>3/7/2024</a:t>
+              <a:t>3/8/2024</a:t>
             </a:fld>
             <a:endParaRPr lang="en-US"/>
           </a:p>
@@ -25659,7 +25641,7 @@
           <p:nvPr>
             <p:extLst>
               <p:ext uri="{D42A27DB-BD31-4B8C-83A1-F6EECF244321}">
-                <p14:modId xmlns:p14="http://schemas.microsoft.com/office/powerpoint/2010/main" val="1733061403"/>
+                <p14:modId xmlns:p14="http://schemas.microsoft.com/office/powerpoint/2010/main" val="1379413887"/>
               </p:ext>
             </p:extLst>
           </p:nvPr>
@@ -25733,15 +25715,15 @@
           <a:p>
             <a:pPr marR="0" rtl="0"/>
             <a:r>
-              <a:rPr lang="en-US" b="1" i="0" u="none" strike="noStrike" kern="100" baseline="0">
+              <a:rPr lang="en-US" b="1" i="0" u="none" strike="noStrike" kern="100" baseline="0" dirty="0">
                 <a:solidFill>
                   <a:srgbClr val="0F4761"/>
                 </a:solidFill>
                 <a:latin typeface="Times New Roman" panose="02020603050405020304" pitchFamily="18" charset="0"/>
               </a:rPr>
-              <a:t>Executive Summary for the Director</a:t>
+              <a:t>Executive Summary</a:t>
             </a:r>
-            <a:endParaRPr lang="en-US" b="0" i="0" u="none" strike="noStrike" kern="100" baseline="0">
+            <a:endParaRPr lang="en-US" b="0" i="0" u="none" strike="noStrike" kern="100" baseline="0" dirty="0">
               <a:solidFill>
                 <a:srgbClr val="0F4761"/>
               </a:solidFill>
@@ -26006,7 +25988,7 @@
           <p:nvPr>
             <p:extLst>
               <p:ext uri="{D42A27DB-BD31-4B8C-83A1-F6EECF244321}">
-                <p14:modId xmlns:p14="http://schemas.microsoft.com/office/powerpoint/2010/main" val="2762406603"/>
+                <p14:modId xmlns:p14="http://schemas.microsoft.com/office/powerpoint/2010/main" val="3017401307"/>
               </p:ext>
             </p:extLst>
           </p:nvPr>
@@ -27575,14 +27557,22 @@
             <a:pPr marR="0" lvl="0"/>
             <a:r>
               <a:rPr lang="en-US" sz="2000" b="0" i="0" u="none" strike="noStrike" baseline="0" dirty="0"/>
-              <a:t>Low precision (53%) may lead to incorrectly informing customers of incomplete transactions.</a:t>
+              <a:t>Low precision (53%) may lead to incorrectly </a:t>
+            </a:r>
+            <a:r>
+              <a:rPr lang="en-US" sz="2000" dirty="0"/>
+              <a:t>flagging</a:t>
+            </a:r>
+            <a:r>
+              <a:rPr lang="en-US" sz="2000" b="0" i="0" u="none" strike="noStrike" baseline="0" dirty="0"/>
+              <a:t> complete transactions as incomplete (high false positives).</a:t>
             </a:r>
           </a:p>
           <a:p>
             <a:pPr marR="0" lvl="0"/>
             <a:r>
               <a:rPr lang="en-US" sz="2000" b="0" i="0" u="none" strike="noStrike" baseline="0" dirty="0"/>
-              <a:t>Risks customer dissatisfaction and loss of trust.</a:t>
+              <a:t>Could lead to unnecessary interventions or additional verification steps for complete transactions.</a:t>
             </a:r>
           </a:p>
           <a:p>
@@ -27920,7 +27910,7 @@
           <p:nvPr>
             <p:extLst>
               <p:ext uri="{D42A27DB-BD31-4B8C-83A1-F6EECF244321}">
-                <p14:modId xmlns:p14="http://schemas.microsoft.com/office/powerpoint/2010/main" val="4176510815"/>
+                <p14:modId xmlns:p14="http://schemas.microsoft.com/office/powerpoint/2010/main" val="1048652725"/>
               </p:ext>
             </p:extLst>
           </p:nvPr>
@@ -28021,7 +28011,13 @@
             </a:extLst>
           </p:cNvPr>
           <p:cNvGraphicFramePr/>
-          <p:nvPr/>
+          <p:nvPr>
+            <p:extLst>
+              <p:ext uri="{D42A27DB-BD31-4B8C-83A1-F6EECF244321}">
+                <p14:modId xmlns:p14="http://schemas.microsoft.com/office/powerpoint/2010/main" val="261690464"/>
+              </p:ext>
+            </p:extLst>
+          </p:nvPr>
         </p:nvGraphicFramePr>
         <p:xfrm>
           <a:off x="838200" y="1825625"/>
